--- a/presentations/Updates 8-12-20.pptx
+++ b/presentations/Updates 8-12-20.pptx
@@ -5,7 +5,7 @@
     <p:sldMasterId id="2147483648" r:id="rId1"/>
   </p:sldMasterIdLst>
   <p:notesMasterIdLst>
-    <p:notesMasterId r:id="rId44"/>
+    <p:notesMasterId r:id="rId45"/>
   </p:notesMasterIdLst>
   <p:sldIdLst>
     <p:sldId id="256" r:id="rId2"/>
@@ -38,18 +38,19 @@
     <p:sldId id="281" r:id="rId29"/>
     <p:sldId id="282" r:id="rId30"/>
     <p:sldId id="264" r:id="rId31"/>
-    <p:sldId id="309" r:id="rId32"/>
-    <p:sldId id="311" r:id="rId33"/>
-    <p:sldId id="294" r:id="rId34"/>
-    <p:sldId id="289" r:id="rId35"/>
-    <p:sldId id="299" r:id="rId36"/>
-    <p:sldId id="310" r:id="rId37"/>
-    <p:sldId id="277" r:id="rId38"/>
-    <p:sldId id="279" r:id="rId39"/>
-    <p:sldId id="272" r:id="rId40"/>
-    <p:sldId id="276" r:id="rId41"/>
-    <p:sldId id="283" r:id="rId42"/>
-    <p:sldId id="284" r:id="rId43"/>
+    <p:sldId id="312" r:id="rId32"/>
+    <p:sldId id="309" r:id="rId33"/>
+    <p:sldId id="311" r:id="rId34"/>
+    <p:sldId id="294" r:id="rId35"/>
+    <p:sldId id="289" r:id="rId36"/>
+    <p:sldId id="299" r:id="rId37"/>
+    <p:sldId id="310" r:id="rId38"/>
+    <p:sldId id="277" r:id="rId39"/>
+    <p:sldId id="279" r:id="rId40"/>
+    <p:sldId id="272" r:id="rId41"/>
+    <p:sldId id="276" r:id="rId42"/>
+    <p:sldId id="283" r:id="rId43"/>
+    <p:sldId id="284" r:id="rId44"/>
   </p:sldIdLst>
   <p:sldSz cx="12192000" cy="6858000"/>
   <p:notesSz cx="6858000" cy="9144000"/>
@@ -4309,7 +4310,7 @@
           <a:p>
             <a:fld id="{8FB244FF-1FFB-514F-A5D9-580791D347E8}" type="datetimeFigureOut">
               <a:rPr lang="en-US" smtClean="0"/>
-              <a:t>8/6/20</a:t>
+              <a:t>8/12/20</a:t>
             </a:fld>
             <a:endParaRPr lang="en-US"/>
           </a:p>
@@ -4651,6 +4652,90 @@
     <p:extLst>
       <p:ext uri="{BB962C8B-B14F-4D97-AF65-F5344CB8AC3E}">
         <p14:creationId xmlns:p14="http://schemas.microsoft.com/office/powerpoint/2010/main" val="2161515128"/>
+      </p:ext>
+    </p:extLst>
+  </p:cSld>
+  <p:clrMapOvr>
+    <a:masterClrMapping/>
+  </p:clrMapOvr>
+</p:notes>
+</file>
+
+<file path=ppt/notesSlides/notesSlide10.xml><?xml version="1.0" encoding="utf-8"?>
+<p:notes xmlns:a="http://schemas.openxmlformats.org/drawingml/2006/main" xmlns:r="http://schemas.openxmlformats.org/officeDocument/2006/relationships" xmlns:p="http://schemas.openxmlformats.org/presentationml/2006/main">
+  <p:cSld>
+    <p:spTree>
+      <p:nvGrpSpPr>
+        <p:cNvPr id="1" name=""/>
+        <p:cNvGrpSpPr/>
+        <p:nvPr/>
+      </p:nvGrpSpPr>
+      <p:grpSpPr>
+        <a:xfrm>
+          <a:off x="0" y="0"/>
+          <a:ext cx="0" cy="0"/>
+          <a:chOff x="0" y="0"/>
+          <a:chExt cx="0" cy="0"/>
+        </a:xfrm>
+      </p:grpSpPr>
+      <p:sp>
+        <p:nvSpPr>
+          <p:cNvPr id="2" name="Slide Image Placeholder 1"/>
+          <p:cNvSpPr>
+            <a:spLocks noGrp="1" noRot="1" noChangeAspect="1"/>
+          </p:cNvSpPr>
+          <p:nvPr>
+            <p:ph type="sldImg"/>
+          </p:nvPr>
+        </p:nvSpPr>
+        <p:spPr/>
+      </p:sp>
+      <p:sp>
+        <p:nvSpPr>
+          <p:cNvPr id="3" name="Notes Placeholder 2"/>
+          <p:cNvSpPr>
+            <a:spLocks noGrp="1"/>
+          </p:cNvSpPr>
+          <p:nvPr>
+            <p:ph type="body" idx="1"/>
+          </p:nvPr>
+        </p:nvSpPr>
+        <p:spPr/>
+        <p:txBody>
+          <a:bodyPr/>
+          <a:lstStyle/>
+          <a:p>
+            <a:endParaRPr lang="en-US" dirty="0"/>
+          </a:p>
+        </p:txBody>
+      </p:sp>
+      <p:sp>
+        <p:nvSpPr>
+          <p:cNvPr id="4" name="Slide Number Placeholder 3"/>
+          <p:cNvSpPr>
+            <a:spLocks noGrp="1"/>
+          </p:cNvSpPr>
+          <p:nvPr>
+            <p:ph type="sldNum" sz="quarter" idx="5"/>
+          </p:nvPr>
+        </p:nvSpPr>
+        <p:spPr/>
+        <p:txBody>
+          <a:bodyPr/>
+          <a:lstStyle/>
+          <a:p>
+            <a:fld id="{C6F3DA7C-EC83-4247-A7C9-512D14D879DF}" type="slidenum">
+              <a:rPr lang="en-US" smtClean="0"/>
+              <a:t>38</a:t>
+            </a:fld>
+            <a:endParaRPr lang="en-US"/>
+          </a:p>
+        </p:txBody>
+      </p:sp>
+    </p:spTree>
+    <p:extLst>
+      <p:ext uri="{BB962C8B-B14F-4D97-AF65-F5344CB8AC3E}">
+        <p14:creationId xmlns:p14="http://schemas.microsoft.com/office/powerpoint/2010/main" val="836063890"/>
       </p:ext>
     </p:extLst>
   </p:cSld>
@@ -5436,7 +5521,7 @@
           <a:p>
             <a:fld id="{C6F3DA7C-EC83-4247-A7C9-512D14D879DF}" type="slidenum">
               <a:rPr lang="en-US" smtClean="0"/>
-              <a:t>37</a:t>
+              <a:t>32</a:t>
             </a:fld>
             <a:endParaRPr lang="en-US"/>
           </a:p>
@@ -5445,7 +5530,7 @@
     </p:spTree>
     <p:extLst>
       <p:ext uri="{BB962C8B-B14F-4D97-AF65-F5344CB8AC3E}">
-        <p14:creationId xmlns:p14="http://schemas.microsoft.com/office/powerpoint/2010/main" val="836063890"/>
+        <p14:creationId xmlns:p14="http://schemas.microsoft.com/office/powerpoint/2010/main" val="3262524853"/>
       </p:ext>
     </p:extLst>
   </p:cSld>
@@ -5602,7 +5687,7 @@
           <a:p>
             <a:fld id="{8C0AA0B7-332D-774C-A1C2-95B9048EE1A4}" type="datetimeFigureOut">
               <a:rPr lang="en-US" smtClean="0"/>
-              <a:t>8/6/20</a:t>
+              <a:t>8/12/20</a:t>
             </a:fld>
             <a:endParaRPr lang="en-US"/>
           </a:p>
@@ -5800,7 +5885,7 @@
           <a:p>
             <a:fld id="{8C0AA0B7-332D-774C-A1C2-95B9048EE1A4}" type="datetimeFigureOut">
               <a:rPr lang="en-US" smtClean="0"/>
-              <a:t>8/6/20</a:t>
+              <a:t>8/12/20</a:t>
             </a:fld>
             <a:endParaRPr lang="en-US"/>
           </a:p>
@@ -6008,7 +6093,7 @@
           <a:p>
             <a:fld id="{8C0AA0B7-332D-774C-A1C2-95B9048EE1A4}" type="datetimeFigureOut">
               <a:rPr lang="en-US" smtClean="0"/>
-              <a:t>8/6/20</a:t>
+              <a:t>8/12/20</a:t>
             </a:fld>
             <a:endParaRPr lang="en-US"/>
           </a:p>
@@ -6206,7 +6291,7 @@
           <a:p>
             <a:fld id="{8C0AA0B7-332D-774C-A1C2-95B9048EE1A4}" type="datetimeFigureOut">
               <a:rPr lang="en-US" smtClean="0"/>
-              <a:t>8/6/20</a:t>
+              <a:t>8/12/20</a:t>
             </a:fld>
             <a:endParaRPr lang="en-US"/>
           </a:p>
@@ -6481,7 +6566,7 @@
           <a:p>
             <a:fld id="{8C0AA0B7-332D-774C-A1C2-95B9048EE1A4}" type="datetimeFigureOut">
               <a:rPr lang="en-US" smtClean="0"/>
-              <a:t>8/6/20</a:t>
+              <a:t>8/12/20</a:t>
             </a:fld>
             <a:endParaRPr lang="en-US"/>
           </a:p>
@@ -6746,7 +6831,7 @@
           <a:p>
             <a:fld id="{8C0AA0B7-332D-774C-A1C2-95B9048EE1A4}" type="datetimeFigureOut">
               <a:rPr lang="en-US" smtClean="0"/>
-              <a:t>8/6/20</a:t>
+              <a:t>8/12/20</a:t>
             </a:fld>
             <a:endParaRPr lang="en-US"/>
           </a:p>
@@ -7158,7 +7243,7 @@
           <a:p>
             <a:fld id="{8C0AA0B7-332D-774C-A1C2-95B9048EE1A4}" type="datetimeFigureOut">
               <a:rPr lang="en-US" smtClean="0"/>
-              <a:t>8/6/20</a:t>
+              <a:t>8/12/20</a:t>
             </a:fld>
             <a:endParaRPr lang="en-US"/>
           </a:p>
@@ -7299,7 +7384,7 @@
           <a:p>
             <a:fld id="{8C0AA0B7-332D-774C-A1C2-95B9048EE1A4}" type="datetimeFigureOut">
               <a:rPr lang="en-US" smtClean="0"/>
-              <a:t>8/6/20</a:t>
+              <a:t>8/12/20</a:t>
             </a:fld>
             <a:endParaRPr lang="en-US"/>
           </a:p>
@@ -7412,7 +7497,7 @@
           <a:p>
             <a:fld id="{8C0AA0B7-332D-774C-A1C2-95B9048EE1A4}" type="datetimeFigureOut">
               <a:rPr lang="en-US" smtClean="0"/>
-              <a:t>8/6/20</a:t>
+              <a:t>8/12/20</a:t>
             </a:fld>
             <a:endParaRPr lang="en-US"/>
           </a:p>
@@ -7723,7 +7808,7 @@
           <a:p>
             <a:fld id="{8C0AA0B7-332D-774C-A1C2-95B9048EE1A4}" type="datetimeFigureOut">
               <a:rPr lang="en-US" smtClean="0"/>
-              <a:t>8/6/20</a:t>
+              <a:t>8/12/20</a:t>
             </a:fld>
             <a:endParaRPr lang="en-US"/>
           </a:p>
@@ -8011,7 +8096,7 @@
           <a:p>
             <a:fld id="{8C0AA0B7-332D-774C-A1C2-95B9048EE1A4}" type="datetimeFigureOut">
               <a:rPr lang="en-US" smtClean="0"/>
-              <a:t>8/6/20</a:t>
+              <a:t>8/12/20</a:t>
             </a:fld>
             <a:endParaRPr lang="en-US"/>
           </a:p>
@@ -8252,7 +8337,7 @@
           <a:p>
             <a:fld id="{8C0AA0B7-332D-774C-A1C2-95B9048EE1A4}" type="datetimeFigureOut">
               <a:rPr lang="en-US" smtClean="0"/>
-              <a:t>8/6/20</a:t>
+              <a:t>8/12/20</a:t>
             </a:fld>
             <a:endParaRPr lang="en-US"/>
           </a:p>
@@ -15167,7 +15252,7 @@
         <p:spPr>
           <a:xfrm>
             <a:off x="4345376" y="1367654"/>
-            <a:ext cx="6574647" cy="4119301"/>
+            <a:ext cx="6574647" cy="4119300"/>
           </a:xfrm>
           <a:prstGeom prst="rect">
             <a:avLst/>
@@ -15415,7 +15500,7 @@
           <p:nvPr>
             <p:extLst>
               <p:ext uri="{D42A27DB-BD31-4B8C-83A1-F6EECF244321}">
-                <p14:modId xmlns:p14="http://schemas.microsoft.com/office/powerpoint/2010/main" val="2370790977"/>
+                <p14:modId xmlns:p14="http://schemas.microsoft.com/office/powerpoint/2010/main" val="2811983707"/>
               </p:ext>
             </p:extLst>
           </p:nvPr>
@@ -16931,10 +17016,10 @@
                       <a:r>
                         <a:rPr lang="en-US" sz="2600" cap="none" spc="0" dirty="0">
                           <a:solidFill>
-                            <a:srgbClr val="FF0000"/>
+                            <a:schemeClr val="tx1"/>
                           </a:solidFill>
                         </a:rPr>
-                        <a:t>TODO</a:t>
+                        <a:t>35.53</a:t>
                       </a:r>
                     </a:p>
                   </a:txBody>
@@ -26120,9 +26205,449 @@
           <a:chExt cx="0" cy="0"/>
         </a:xfrm>
       </p:grpSpPr>
+      <p:sp useBgFill="1">
+        <p:nvSpPr>
+          <p:cNvPr id="10" name="Rectangle 9">
+            <a:extLst>
+              <a:ext uri="{FF2B5EF4-FFF2-40B4-BE49-F238E27FC236}">
+                <a16:creationId xmlns:a16="http://schemas.microsoft.com/office/drawing/2014/main" id="{2A8AA5BC-4F7A-4226-8F99-6D824B226A97}"/>
+              </a:ext>
+              <a:ext uri="{C183D7F6-B498-43B3-948B-1728B52AA6E4}">
+                <adec:decorative xmlns:adec="http://schemas.microsoft.com/office/drawing/2017/decorative" val="1"/>
+              </a:ext>
+            </a:extLst>
+          </p:cNvPr>
+          <p:cNvSpPr>
+            <a:spLocks noGrp="1" noRot="1" noChangeAspect="1" noMove="1" noResize="1" noEditPoints="1" noAdjustHandles="1" noChangeArrowheads="1" noChangeShapeType="1" noTextEdit="1"/>
+          </p:cNvSpPr>
+          <p:nvPr>
+            <p:extLst>
+              <p:ext uri="{386F3935-93C4-4BCD-93E2-E3B085C9AB24}">
+                <p16:designElem xmlns:p16="http://schemas.microsoft.com/office/powerpoint/2015/main" val="1"/>
+              </p:ext>
+            </p:extLst>
+          </p:nvPr>
+        </p:nvSpPr>
+        <p:spPr>
+          <a:xfrm>
+            <a:off x="0" y="-3324"/>
+            <a:ext cx="12192000" cy="6861324"/>
+          </a:xfrm>
+          <a:prstGeom prst="rect">
+            <a:avLst/>
+          </a:prstGeom>
+          <a:ln>
+            <a:noFill/>
+          </a:ln>
+        </p:spPr>
+        <p:style>
+          <a:lnRef idx="2">
+            <a:schemeClr val="accent1">
+              <a:shade val="50000"/>
+            </a:schemeClr>
+          </a:lnRef>
+          <a:fillRef idx="1">
+            <a:schemeClr val="accent1"/>
+          </a:fillRef>
+          <a:effectRef idx="0">
+            <a:schemeClr val="accent1"/>
+          </a:effectRef>
+          <a:fontRef idx="minor">
+            <a:schemeClr val="lt1"/>
+          </a:fontRef>
+        </p:style>
+        <p:txBody>
+          <a:bodyPr rtlCol="0" anchor="ctr"/>
+          <a:lstStyle/>
+          <a:p>
+            <a:pPr marL="0" marR="0" lvl="0" indent="0" algn="ctr" defTabSz="914400" rtl="0" eaLnBrk="1" fontAlgn="auto" latinLnBrk="0" hangingPunct="1">
+              <a:lnSpc>
+                <a:spcPct val="100000"/>
+              </a:lnSpc>
+              <a:spcBef>
+                <a:spcPts val="0"/>
+              </a:spcBef>
+              <a:spcAft>
+                <a:spcPts val="0"/>
+              </a:spcAft>
+              <a:buClrTx/>
+              <a:buSzTx/>
+              <a:buFontTx/>
+              <a:buNone/>
+              <a:tabLst/>
+              <a:defRPr/>
+            </a:pPr>
+            <a:endParaRPr kumimoji="0" lang="en-US" sz="1800" b="0" i="0" u="none" strike="noStrike" kern="1200" cap="none" spc="0" normalizeH="0" baseline="0" noProof="0">
+              <a:ln>
+                <a:noFill/>
+              </a:ln>
+              <a:solidFill>
+                <a:prstClr val="white"/>
+              </a:solidFill>
+              <a:effectLst/>
+              <a:uLnTx/>
+              <a:uFillTx/>
+              <a:latin typeface="Calibri" panose="020F0502020204030204"/>
+              <a:ea typeface="+mn-ea"/>
+              <a:cs typeface="+mn-cs"/>
+            </a:endParaRPr>
+          </a:p>
+        </p:txBody>
+      </p:sp>
+      <p:cxnSp>
+        <p:nvCxnSpPr>
+          <p:cNvPr id="12" name="Straight Connector 11">
+            <a:extLst>
+              <a:ext uri="{FF2B5EF4-FFF2-40B4-BE49-F238E27FC236}">
+                <a16:creationId xmlns:a16="http://schemas.microsoft.com/office/drawing/2014/main" id="{911DBBF1-3229-4BD9-B3D1-B4CA571E7431}"/>
+              </a:ext>
+              <a:ext uri="{C183D7F6-B498-43B3-948B-1728B52AA6E4}">
+                <adec:decorative xmlns:adec="http://schemas.microsoft.com/office/drawing/2017/decorative" val="1"/>
+              </a:ext>
+            </a:extLst>
+          </p:cNvPr>
+          <p:cNvCxnSpPr>
+            <a:cxnSpLocks noGrp="1" noRot="1" noChangeAspect="1" noMove="1" noResize="1" noEditPoints="1" noAdjustHandles="1" noChangeArrowheads="1" noChangeShapeType="1"/>
+          </p:cNvCxnSpPr>
+          <p:nvPr>
+            <p:extLst>
+              <p:ext uri="{386F3935-93C4-4BCD-93E2-E3B085C9AB24}">
+                <p16:designElem xmlns:p16="http://schemas.microsoft.com/office/powerpoint/2015/main" val="1"/>
+              </p:ext>
+            </p:extLst>
+          </p:nvPr>
+        </p:nvCxnSpPr>
+        <p:spPr bwMode="white">
+          <a:xfrm>
+            <a:off x="0" y="1587599"/>
+            <a:ext cx="12188824" cy="0"/>
+          </a:xfrm>
+          <a:prstGeom prst="line">
+            <a:avLst/>
+          </a:prstGeom>
+          <a:ln w="50800">
+            <a:solidFill>
+              <a:schemeClr val="tx1">
+                <a:lumMod val="75000"/>
+                <a:lumOff val="25000"/>
+              </a:schemeClr>
+            </a:solidFill>
+          </a:ln>
+        </p:spPr>
+        <p:style>
+          <a:lnRef idx="1">
+            <a:schemeClr val="accent1"/>
+          </a:lnRef>
+          <a:fillRef idx="0">
+            <a:schemeClr val="accent1"/>
+          </a:fillRef>
+          <a:effectRef idx="0">
+            <a:schemeClr val="accent1"/>
+          </a:effectRef>
+          <a:fontRef idx="minor">
+            <a:schemeClr val="tx1"/>
+          </a:fontRef>
+        </p:style>
+      </p:cxnSp>
       <p:sp>
         <p:nvSpPr>
-          <p:cNvPr id="9" name="Rectangle 8">
+          <p:cNvPr id="14" name="Rectangle 13">
+            <a:extLst>
+              <a:ext uri="{FF2B5EF4-FFF2-40B4-BE49-F238E27FC236}">
+                <a16:creationId xmlns:a16="http://schemas.microsoft.com/office/drawing/2014/main" id="{5BC87C3E-1040-4EE4-9BDB-9537F7A1B335}"/>
+              </a:ext>
+              <a:ext uri="{C183D7F6-B498-43B3-948B-1728B52AA6E4}">
+                <adec:decorative xmlns:adec="http://schemas.microsoft.com/office/drawing/2017/decorative" val="1"/>
+              </a:ext>
+            </a:extLst>
+          </p:cNvPr>
+          <p:cNvSpPr>
+            <a:spLocks noGrp="1" noRot="1" noChangeAspect="1" noMove="1" noResize="1" noEditPoints="1" noAdjustHandles="1" noChangeArrowheads="1" noChangeShapeType="1" noTextEdit="1"/>
+          </p:cNvSpPr>
+          <p:nvPr>
+            <p:extLst>
+              <p:ext uri="{386F3935-93C4-4BCD-93E2-E3B085C9AB24}">
+                <p16:designElem xmlns:p16="http://schemas.microsoft.com/office/powerpoint/2015/main" val="1"/>
+              </p:ext>
+            </p:extLst>
+          </p:nvPr>
+        </p:nvSpPr>
+        <p:spPr>
+          <a:xfrm>
+            <a:off x="0" y="1712256"/>
+            <a:ext cx="12198096" cy="3433431"/>
+          </a:xfrm>
+          <a:prstGeom prst="rect">
+            <a:avLst/>
+          </a:prstGeom>
+          <a:solidFill>
+            <a:schemeClr val="tx1">
+              <a:lumMod val="75000"/>
+              <a:lumOff val="25000"/>
+            </a:schemeClr>
+          </a:solidFill>
+          <a:ln>
+            <a:noFill/>
+          </a:ln>
+        </p:spPr>
+        <p:style>
+          <a:lnRef idx="2">
+            <a:schemeClr val="accent1">
+              <a:shade val="50000"/>
+            </a:schemeClr>
+          </a:lnRef>
+          <a:fillRef idx="1">
+            <a:schemeClr val="accent1"/>
+          </a:fillRef>
+          <a:effectRef idx="0">
+            <a:schemeClr val="accent1"/>
+          </a:effectRef>
+          <a:fontRef idx="minor">
+            <a:schemeClr val="lt1"/>
+          </a:fontRef>
+        </p:style>
+        <p:txBody>
+          <a:bodyPr rtlCol="0" anchor="ctr"/>
+          <a:lstStyle/>
+          <a:p>
+            <a:pPr algn="ctr"/>
+            <a:endParaRPr lang="en-US"/>
+          </a:p>
+        </p:txBody>
+      </p:sp>
+      <p:sp>
+        <p:nvSpPr>
+          <p:cNvPr id="4" name="Title 3">
+            <a:extLst>
+              <a:ext uri="{FF2B5EF4-FFF2-40B4-BE49-F238E27FC236}">
+                <a16:creationId xmlns:a16="http://schemas.microsoft.com/office/drawing/2014/main" id="{203D97EF-0DC8-674E-8B0B-A0B028F14485}"/>
+              </a:ext>
+            </a:extLst>
+          </p:cNvPr>
+          <p:cNvSpPr>
+            <a:spLocks noGrp="1"/>
+          </p:cNvSpPr>
+          <p:nvPr>
+            <p:ph type="title"/>
+          </p:nvPr>
+        </p:nvSpPr>
+        <p:spPr>
+          <a:xfrm>
+            <a:off x="4520396" y="2419390"/>
+            <a:ext cx="6876267" cy="2019221"/>
+          </a:xfrm>
+        </p:spPr>
+        <p:txBody>
+          <a:bodyPr vert="horz" lIns="91440" tIns="45720" rIns="91440" bIns="45720" rtlCol="0" anchor="ctr">
+            <a:normAutofit/>
+          </a:bodyPr>
+          <a:lstStyle/>
+          <a:p>
+            <a:r>
+              <a:rPr lang="en-US" kern="1200">
+                <a:solidFill>
+                  <a:schemeClr val="bg1"/>
+                </a:solidFill>
+                <a:latin typeface="+mj-lt"/>
+                <a:ea typeface="+mj-ea"/>
+                <a:cs typeface="+mj-cs"/>
+              </a:rPr>
+              <a:t>Comparisons</a:t>
+            </a:r>
+          </a:p>
+        </p:txBody>
+      </p:sp>
+      <p:sp>
+        <p:nvSpPr>
+          <p:cNvPr id="5" name="Text Placeholder 4">
+            <a:extLst>
+              <a:ext uri="{FF2B5EF4-FFF2-40B4-BE49-F238E27FC236}">
+                <a16:creationId xmlns:a16="http://schemas.microsoft.com/office/drawing/2014/main" id="{2300EC84-BAF6-2249-894D-813670306A15}"/>
+              </a:ext>
+            </a:extLst>
+          </p:cNvPr>
+          <p:cNvSpPr>
+            <a:spLocks noGrp="1"/>
+          </p:cNvSpPr>
+          <p:nvPr>
+            <p:ph type="body" idx="1"/>
+          </p:nvPr>
+        </p:nvSpPr>
+        <p:spPr>
+          <a:xfrm>
+            <a:off x="795339" y="2418588"/>
+            <a:ext cx="2929718" cy="2020824"/>
+          </a:xfrm>
+        </p:spPr>
+        <p:txBody>
+          <a:bodyPr vert="horz" lIns="91440" tIns="45720" rIns="91440" bIns="45720" rtlCol="0" anchor="ctr">
+            <a:normAutofit/>
+          </a:bodyPr>
+          <a:lstStyle/>
+          <a:p>
+            <a:pPr algn="r"/>
+            <a:r>
+              <a:rPr lang="en-US" kern="1200">
+                <a:solidFill>
+                  <a:schemeClr val="bg1"/>
+                </a:solidFill>
+                <a:latin typeface="+mn-lt"/>
+                <a:ea typeface="+mn-ea"/>
+                <a:cs typeface="+mn-cs"/>
+              </a:rPr>
+              <a:t>For establishing the context surrounding our work</a:t>
+            </a:r>
+          </a:p>
+        </p:txBody>
+      </p:sp>
+      <p:cxnSp>
+        <p:nvCxnSpPr>
+          <p:cNvPr id="16" name="Straight Connector 15">
+            <a:extLst>
+              <a:ext uri="{FF2B5EF4-FFF2-40B4-BE49-F238E27FC236}">
+                <a16:creationId xmlns:a16="http://schemas.microsoft.com/office/drawing/2014/main" id="{06AA7778-3AED-4D28-BAFA-926D05F55C11}"/>
+              </a:ext>
+              <a:ext uri="{C183D7F6-B498-43B3-948B-1728B52AA6E4}">
+                <adec:decorative xmlns:adec="http://schemas.microsoft.com/office/drawing/2017/decorative" val="1"/>
+              </a:ext>
+            </a:extLst>
+          </p:cNvPr>
+          <p:cNvCxnSpPr>
+            <a:cxnSpLocks noGrp="1" noRot="1" noChangeAspect="1" noMove="1" noResize="1" noEditPoints="1" noAdjustHandles="1" noChangeArrowheads="1" noChangeShapeType="1"/>
+          </p:cNvCxnSpPr>
+          <p:nvPr>
+            <p:extLst>
+              <p:ext uri="{386F3935-93C4-4BCD-93E2-E3B085C9AB24}">
+                <p16:designElem xmlns:p16="http://schemas.microsoft.com/office/powerpoint/2015/main" val="1"/>
+              </p:ext>
+            </p:extLst>
+          </p:nvPr>
+        </p:nvCxnSpPr>
+        <p:spPr>
+          <a:xfrm>
+            <a:off x="4100862" y="2240280"/>
+            <a:ext cx="0" cy="2377440"/>
+          </a:xfrm>
+          <a:prstGeom prst="line">
+            <a:avLst/>
+          </a:prstGeom>
+          <a:ln w="19050">
+            <a:solidFill>
+              <a:schemeClr val="bg1"/>
+            </a:solidFill>
+          </a:ln>
+        </p:spPr>
+        <p:style>
+          <a:lnRef idx="1">
+            <a:schemeClr val="accent1"/>
+          </a:lnRef>
+          <a:fillRef idx="0">
+            <a:schemeClr val="accent1"/>
+          </a:fillRef>
+          <a:effectRef idx="0">
+            <a:schemeClr val="accent1"/>
+          </a:effectRef>
+          <a:fontRef idx="minor">
+            <a:schemeClr val="tx1"/>
+          </a:fontRef>
+        </p:style>
+      </p:cxnSp>
+      <p:cxnSp>
+        <p:nvCxnSpPr>
+          <p:cNvPr id="18" name="Straight Connector 17">
+            <a:extLst>
+              <a:ext uri="{FF2B5EF4-FFF2-40B4-BE49-F238E27FC236}">
+                <a16:creationId xmlns:a16="http://schemas.microsoft.com/office/drawing/2014/main" id="{F5CD5A0B-CDD7-427C-AA42-2EECFDFA1811}"/>
+              </a:ext>
+              <a:ext uri="{C183D7F6-B498-43B3-948B-1728B52AA6E4}">
+                <adec:decorative xmlns:adec="http://schemas.microsoft.com/office/drawing/2017/decorative" val="1"/>
+              </a:ext>
+            </a:extLst>
+          </p:cNvPr>
+          <p:cNvCxnSpPr>
+            <a:cxnSpLocks noGrp="1" noRot="1" noChangeAspect="1" noMove="1" noResize="1" noEditPoints="1" noAdjustHandles="1" noChangeArrowheads="1" noChangeShapeType="1"/>
+          </p:cNvCxnSpPr>
+          <p:nvPr>
+            <p:extLst>
+              <p:ext uri="{386F3935-93C4-4BCD-93E2-E3B085C9AB24}">
+                <p16:designElem xmlns:p16="http://schemas.microsoft.com/office/powerpoint/2015/main" val="1"/>
+              </p:ext>
+            </p:extLst>
+          </p:nvPr>
+        </p:nvCxnSpPr>
+        <p:spPr bwMode="white">
+          <a:xfrm>
+            <a:off x="0" y="5270402"/>
+            <a:ext cx="12188824" cy="0"/>
+          </a:xfrm>
+          <a:prstGeom prst="line">
+            <a:avLst/>
+          </a:prstGeom>
+          <a:ln w="50800">
+            <a:solidFill>
+              <a:schemeClr val="tx1">
+                <a:lumMod val="75000"/>
+                <a:lumOff val="25000"/>
+              </a:schemeClr>
+            </a:solidFill>
+          </a:ln>
+        </p:spPr>
+        <p:style>
+          <a:lnRef idx="1">
+            <a:schemeClr val="accent1"/>
+          </a:lnRef>
+          <a:fillRef idx="0">
+            <a:schemeClr val="accent1"/>
+          </a:fillRef>
+          <a:effectRef idx="0">
+            <a:schemeClr val="accent1"/>
+          </a:effectRef>
+          <a:fontRef idx="minor">
+            <a:schemeClr val="tx1"/>
+          </a:fontRef>
+        </p:style>
+      </p:cxnSp>
+    </p:spTree>
+    <p:extLst>
+      <p:ext uri="{BB962C8B-B14F-4D97-AF65-F5344CB8AC3E}">
+        <p14:creationId xmlns:p14="http://schemas.microsoft.com/office/powerpoint/2010/main" val="2042505088"/>
+      </p:ext>
+    </p:extLst>
+  </p:cSld>
+  <p:clrMapOvr>
+    <a:masterClrMapping/>
+  </p:clrMapOvr>
+</p:sld>
+</file>
+
+<file path=ppt/slides/slide32.xml><?xml version="1.0" encoding="utf-8"?>
+<p:sld xmlns:a="http://schemas.openxmlformats.org/drawingml/2006/main" xmlns:r="http://schemas.openxmlformats.org/officeDocument/2006/relationships" xmlns:p="http://schemas.openxmlformats.org/presentationml/2006/main">
+  <p:cSld>
+    <p:bg>
+      <p:bgPr>
+        <a:solidFill>
+          <a:schemeClr val="bg1"/>
+        </a:solidFill>
+        <a:effectLst/>
+      </p:bgPr>
+    </p:bg>
+    <p:spTree>
+      <p:nvGrpSpPr>
+        <p:cNvPr id="1" name=""/>
+        <p:cNvGrpSpPr/>
+        <p:nvPr/>
+      </p:nvGrpSpPr>
+      <p:grpSpPr>
+        <a:xfrm>
+          <a:off x="0" y="0"/>
+          <a:ext cx="0" cy="0"/>
+          <a:chOff x="0" y="0"/>
+          <a:chExt cx="0" cy="0"/>
+        </a:xfrm>
+      </p:grpSpPr>
+      <p:sp>
+        <p:nvSpPr>
+          <p:cNvPr id="105" name="Rectangle 88">
             <a:extLst>
               <a:ext uri="{FF2B5EF4-FFF2-40B4-BE49-F238E27FC236}">
                 <a16:creationId xmlns:a16="http://schemas.microsoft.com/office/drawing/2014/main" id="{6753252F-4873-4F63-801D-CC719279A7D5}"/>
@@ -26185,7 +26710,7 @@
       </p:sp>
       <p:sp>
         <p:nvSpPr>
-          <p:cNvPr id="11" name="Rectangle 10">
+          <p:cNvPr id="106" name="Rectangle 90">
             <a:extLst>
               <a:ext uri="{FF2B5EF4-FFF2-40B4-BE49-F238E27FC236}">
                 <a16:creationId xmlns:a16="http://schemas.microsoft.com/office/drawing/2014/main" id="{047C8CCB-F95D-4249-92DD-651249D3535A}"/>
@@ -26295,14 +26820,14 @@
                 <a:ea typeface="+mj-ea"/>
                 <a:cs typeface="+mj-cs"/>
               </a:rPr>
-              <a:t>Comparison Table</a:t>
+              <a:t>Comparison Table (Full)</a:t>
             </a:r>
           </a:p>
         </p:txBody>
       </p:sp>
       <p:graphicFrame>
         <p:nvGraphicFramePr>
-          <p:cNvPr id="4" name="Content Placeholder 3">
+          <p:cNvPr id="14" name="Content Placeholder 3">
             <a:extLst>
               <a:ext uri="{FF2B5EF4-FFF2-40B4-BE49-F238E27FC236}">
                 <a16:creationId xmlns:a16="http://schemas.microsoft.com/office/drawing/2014/main" id="{E41E63AA-F870-A446-AED6-28F51E960149}"/>
@@ -26310,20 +26835,19 @@
             </a:extLst>
           </p:cNvPr>
           <p:cNvGraphicFramePr>
-            <a:graphicFrameLocks noGrp="1"/>
+            <a:graphicFrameLocks/>
           </p:cNvGraphicFramePr>
           <p:nvPr>
-            <p:ph idx="1"/>
             <p:extLst>
               <p:ext uri="{D42A27DB-BD31-4B8C-83A1-F6EECF244321}">
-                <p14:modId xmlns:p14="http://schemas.microsoft.com/office/powerpoint/2010/main" val="3431701827"/>
+                <p14:modId xmlns:p14="http://schemas.microsoft.com/office/powerpoint/2010/main" val="3768682777"/>
               </p:ext>
             </p:extLst>
           </p:nvPr>
         </p:nvGraphicFramePr>
         <p:xfrm>
-          <a:off x="4038600" y="1320169"/>
-          <a:ext cx="7188201" cy="4214276"/>
+          <a:off x="4038600" y="1565934"/>
+          <a:ext cx="7188202" cy="3907687"/>
         </p:xfrm>
         <a:graphic>
           <a:graphicData uri="http://schemas.openxmlformats.org/drawingml/2006/table">
@@ -26333,42 +26857,56 @@
                 <a:tableStyleId>{5C22544A-7EE6-4342-B048-85BDC9FD1C3A}</a:tableStyleId>
               </a:tblPr>
               <a:tblGrid>
-                <a:gridCol w="798636">
+                <a:gridCol w="657849">
                   <a:extLst>
                     <a:ext uri="{9D8B030D-6E8A-4147-A177-3AD203B41FA5}">
                       <a16:colId xmlns:a16="http://schemas.microsoft.com/office/drawing/2014/main" val="2942958380"/>
                     </a:ext>
                   </a:extLst>
                 </a:gridCol>
-                <a:gridCol w="721688">
+                <a:gridCol w="863336">
+                  <a:extLst>
+                    <a:ext uri="{9D8B030D-6E8A-4147-A177-3AD203B41FA5}">
+                      <a16:colId xmlns:a16="http://schemas.microsoft.com/office/drawing/2014/main" val="1797266975"/>
+                    </a:ext>
+                  </a:extLst>
+                </a:gridCol>
+                <a:gridCol w="741328">
                   <a:extLst>
                     <a:ext uri="{9D8B030D-6E8A-4147-A177-3AD203B41FA5}">
                       <a16:colId xmlns:a16="http://schemas.microsoft.com/office/drawing/2014/main" val="2047399589"/>
                     </a:ext>
                   </a:extLst>
                 </a:gridCol>
-                <a:gridCol w="819187">
+                <a:gridCol w="632163">
                   <a:extLst>
                     <a:ext uri="{9D8B030D-6E8A-4147-A177-3AD203B41FA5}">
                       <a16:colId xmlns:a16="http://schemas.microsoft.com/office/drawing/2014/main" val="2674457514"/>
                     </a:ext>
                   </a:extLst>
                 </a:gridCol>
-                <a:gridCol w="963764">
+                <a:gridCol w="1051163">
                   <a:extLst>
                     <a:ext uri="{9D8B030D-6E8A-4147-A177-3AD203B41FA5}">
                       <a16:colId xmlns:a16="http://schemas.microsoft.com/office/drawing/2014/main" val="2162607969"/>
                     </a:ext>
                   </a:extLst>
                 </a:gridCol>
-                <a:gridCol w="1509092">
+                <a:gridCol w="1164309">
                   <a:extLst>
                     <a:ext uri="{9D8B030D-6E8A-4147-A177-3AD203B41FA5}">
                       <a16:colId xmlns:a16="http://schemas.microsoft.com/office/drawing/2014/main" val="1119474373"/>
                     </a:ext>
                   </a:extLst>
                 </a:gridCol>
-                <a:gridCol w="2375834">
+                <a:gridCol w="1002810">
+                  <a:extLst>
+                    <a:ext uri="{9D8B030D-6E8A-4147-A177-3AD203B41FA5}">
+                      <a16:colId xmlns:a16="http://schemas.microsoft.com/office/drawing/2014/main" val="1973838966"/>
+                    </a:ext>
+                  </a:extLst>
+                </a:gridCol>
+                <a:gridCol w="1075244">
                   <a:extLst>
                     <a:ext uri="{9D8B030D-6E8A-4147-A177-3AD203B41FA5}">
                       <a16:colId xmlns:a16="http://schemas.microsoft.com/office/drawing/2014/main" val="1914979293"/>
@@ -26376,246 +26914,70 @@
                   </a:extLst>
                 </a:gridCol>
               </a:tblGrid>
-              <a:tr h="497821">
-                <a:tc>
-                  <a:txBody>
-                    <a:bodyPr/>
-                    <a:lstStyle/>
-                    <a:p>
-                      <a:endParaRPr lang="en-US" sz="1200" b="0" cap="none" spc="60">
-                        <a:solidFill>
-                          <a:schemeClr val="bg1"/>
-                        </a:solidFill>
-                      </a:endParaRPr>
-                    </a:p>
-                  </a:txBody>
-                  <a:tcPr marL="68823" marR="68823" marT="68823" marB="34412" anchor="ctr">
-                    <a:lnL w="12700" cmpd="sng">
-                      <a:noFill/>
-                    </a:lnL>
-                    <a:lnR w="12700" cmpd="sng">
-                      <a:noFill/>
-                    </a:lnR>
-                    <a:lnT w="19050" cap="flat" cmpd="sng" algn="ctr">
-                      <a:noFill/>
-                      <a:prstDash val="solid"/>
-                    </a:lnT>
-                    <a:lnB w="38100" cmpd="sng">
-                      <a:noFill/>
-                    </a:lnB>
-                    <a:solidFill>
-                      <a:schemeClr val="accent1"/>
-                    </a:solidFill>
-                  </a:tcPr>
-                </a:tc>
+              <a:tr h="743179">
                 <a:tc>
                   <a:txBody>
                     <a:bodyPr/>
                     <a:lstStyle/>
                     <a:p>
                       <a:r>
-                        <a:rPr lang="en-US" sz="1200" b="0" cap="none" spc="60">
+                        <a:rPr lang="en-US" sz="1200" b="1" cap="none" spc="0" dirty="0">
                           <a:solidFill>
-                            <a:schemeClr val="bg1"/>
+                            <a:schemeClr val="tx1">
+                              <a:lumMod val="75000"/>
+                              <a:lumOff val="25000"/>
+                            </a:schemeClr>
                           </a:solidFill>
                         </a:rPr>
-                        <a:t>Array Level?</a:t>
+                        <a:t>Ref.</a:t>
                       </a:r>
                     </a:p>
                   </a:txBody>
-                  <a:tcPr marL="68823" marR="68823" marT="68823" marB="34412" anchor="ctr">
-                    <a:lnL w="12700" cmpd="sng">
-                      <a:noFill/>
+                  <a:tcPr marL="151379" marR="69489" marT="75688" marB="75688" anchor="b">
+                    <a:lnL w="12700" cap="flat" cmpd="sng" algn="ctr">
+                      <a:solidFill>
+                        <a:schemeClr val="tx1"/>
+                      </a:solidFill>
+                      <a:prstDash val="solid"/>
+                      <a:round/>
+                      <a:headEnd type="none" w="med" len="med"/>
+                      <a:tailEnd type="none" w="med" len="med"/>
                     </a:lnL>
-                    <a:lnR w="12700" cmpd="sng">
-                      <a:noFill/>
+                    <a:lnR w="12700" cap="flat" cmpd="sng" algn="ctr">
+                      <a:solidFill>
+                        <a:schemeClr val="tx1"/>
+                      </a:solidFill>
+                      <a:prstDash val="solid"/>
+                      <a:round/>
+                      <a:headEnd type="none" w="med" len="med"/>
+                      <a:tailEnd type="none" w="med" len="med"/>
                     </a:lnR>
-                    <a:lnT w="19050" cap="flat" cmpd="sng" algn="ctr">
-                      <a:noFill/>
-                      <a:prstDash val="solid"/>
-                    </a:lnT>
-                    <a:lnB w="38100" cmpd="sng">
-                      <a:noFill/>
-                    </a:lnB>
-                    <a:solidFill>
-                      <a:schemeClr val="accent1"/>
-                    </a:solidFill>
-                  </a:tcPr>
-                </a:tc>
-                <a:tc>
-                  <a:txBody>
-                    <a:bodyPr/>
-                    <a:lstStyle/>
-                    <a:p>
-                      <a:r>
-                        <a:rPr lang="en-US" sz="1200" b="0" cap="none" spc="60">
-                          <a:solidFill>
-                            <a:schemeClr val="bg1"/>
-                          </a:solidFill>
-                        </a:rPr>
-                        <a:t>Bits-per-cell</a:t>
-                      </a:r>
-                    </a:p>
-                  </a:txBody>
-                  <a:tcPr marL="68823" marR="68823" marT="68823" marB="34412" anchor="ctr">
-                    <a:lnL w="12700" cmpd="sng">
-                      <a:noFill/>
-                    </a:lnL>
-                    <a:lnR w="12700" cmpd="sng">
-                      <a:noFill/>
-                    </a:lnR>
-                    <a:lnT w="19050" cap="flat" cmpd="sng" algn="ctr">
-                      <a:noFill/>
-                      <a:prstDash val="solid"/>
-                    </a:lnT>
-                    <a:lnB w="38100" cmpd="sng">
-                      <a:noFill/>
-                    </a:lnB>
-                    <a:solidFill>
-                      <a:schemeClr val="accent1"/>
-                    </a:solidFill>
-                  </a:tcPr>
-                </a:tc>
-                <a:tc>
-                  <a:txBody>
-                    <a:bodyPr/>
-                    <a:lstStyle/>
-                    <a:p>
-                      <a:r>
-                        <a:rPr lang="en-US" sz="1200" b="0" cap="none" spc="60">
-                          <a:solidFill>
-                            <a:schemeClr val="bg1"/>
-                          </a:solidFill>
-                        </a:rPr>
-                        <a:t># of Cells Measured</a:t>
-                      </a:r>
-                    </a:p>
-                  </a:txBody>
-                  <a:tcPr marL="68823" marR="68823" marT="68823" marB="34412" anchor="ctr">
-                    <a:lnL w="12700" cmpd="sng">
-                      <a:noFill/>
-                    </a:lnL>
-                    <a:lnR w="12700" cmpd="sng">
-                      <a:noFill/>
-                    </a:lnR>
-                    <a:lnT w="19050" cap="flat" cmpd="sng" algn="ctr">
-                      <a:noFill/>
-                      <a:prstDash val="solid"/>
-                    </a:lnT>
-                    <a:lnB w="38100" cmpd="sng">
-                      <a:noFill/>
-                    </a:lnB>
-                    <a:solidFill>
-                      <a:schemeClr val="accent1"/>
-                    </a:solidFill>
-                  </a:tcPr>
-                </a:tc>
-                <a:tc>
-                  <a:txBody>
-                    <a:bodyPr/>
-                    <a:lstStyle/>
-                    <a:p>
-                      <a:r>
-                        <a:rPr lang="en-US" sz="1200" b="0" cap="none" spc="60">
-                          <a:solidFill>
-                            <a:schemeClr val="bg1"/>
-                          </a:solidFill>
-                        </a:rPr>
-                        <a:t>Ranges allocated efficiently?</a:t>
-                      </a:r>
-                    </a:p>
-                  </a:txBody>
-                  <a:tcPr marL="68823" marR="68823" marT="68823" marB="34412" anchor="ctr">
-                    <a:lnL w="12700" cmpd="sng">
-                      <a:noFill/>
-                    </a:lnL>
-                    <a:lnR w="12700" cmpd="sng">
-                      <a:noFill/>
-                    </a:lnR>
-                    <a:lnT w="19050" cap="flat" cmpd="sng" algn="ctr">
-                      <a:noFill/>
-                      <a:prstDash val="solid"/>
-                    </a:lnT>
-                    <a:lnB w="38100" cmpd="sng">
-                      <a:noFill/>
-                    </a:lnB>
-                    <a:solidFill>
-                      <a:schemeClr val="accent1"/>
-                    </a:solidFill>
-                  </a:tcPr>
-                </a:tc>
-                <a:tc>
-                  <a:txBody>
-                    <a:bodyPr/>
-                    <a:lstStyle/>
-                    <a:p>
-                      <a:r>
-                        <a:rPr lang="en-US" sz="1200" b="0" cap="none" spc="60" dirty="0">
-                          <a:solidFill>
-                            <a:schemeClr val="bg1"/>
-                          </a:solidFill>
-                        </a:rPr>
-                        <a:t>Endurance/Retention</a:t>
-                      </a:r>
-                    </a:p>
-                  </a:txBody>
-                  <a:tcPr marL="68823" marR="68823" marT="68823" marB="34412" anchor="ctr">
-                    <a:lnL w="12700" cmpd="sng">
-                      <a:noFill/>
-                    </a:lnL>
-                    <a:lnR w="12700" cmpd="sng">
-                      <a:noFill/>
-                    </a:lnR>
-                    <a:lnT w="19050" cap="flat" cmpd="sng" algn="ctr">
-                      <a:noFill/>
-                      <a:prstDash val="solid"/>
-                    </a:lnT>
-                    <a:lnB w="38100" cmpd="sng">
-                      <a:noFill/>
-                    </a:lnB>
-                    <a:solidFill>
-                      <a:schemeClr val="accent1"/>
-                    </a:solidFill>
-                  </a:tcPr>
-                </a:tc>
-                <a:extLst>
-                  <a:ext uri="{0D108BD9-81ED-4DB2-BD59-A6C34878D82A}">
-                    <a16:rowId xmlns:a16="http://schemas.microsoft.com/office/drawing/2014/main" val="2422510566"/>
-                  </a:ext>
-                </a:extLst>
-              </a:tr>
-              <a:tr h="451939">
-                <a:tc>
-                  <a:txBody>
-                    <a:bodyPr/>
-                    <a:lstStyle/>
-                    <a:p>
-                      <a:r>
-                        <a:rPr lang="en-US" sz="1100" cap="none" spc="0">
-                          <a:solidFill>
-                            <a:schemeClr val="tx1"/>
-                          </a:solidFill>
-                        </a:rPr>
-                        <a:t>This work</a:t>
-                      </a:r>
-                    </a:p>
-                  </a:txBody>
-                  <a:tcPr marL="68823" marR="68823" marT="68823" marB="34412">
-                    <a:lnL w="12700" cmpd="sng">
-                      <a:noFill/>
-                      <a:prstDash val="solid"/>
-                    </a:lnL>
-                    <a:lnR w="12700" cmpd="sng">
-                      <a:noFill/>
-                      <a:prstDash val="solid"/>
-                    </a:lnR>
-                    <a:lnT w="38100" cmpd="sng">
-                      <a:noFill/>
+                    <a:lnT w="12700" cap="flat" cmpd="sng" algn="ctr">
+                      <a:solidFill>
+                        <a:schemeClr val="tx1"/>
+                      </a:solidFill>
+                      <a:prstDash val="solid"/>
+                      <a:round/>
+                      <a:headEnd type="none" w="med" len="med"/>
+                      <a:tailEnd type="none" w="med" len="med"/>
                     </a:lnT>
                     <a:lnB w="12700" cap="flat" cmpd="sng" algn="ctr">
+                      <a:solidFill>
+                        <a:schemeClr val="tx1"/>
+                      </a:solidFill>
+                      <a:prstDash val="solid"/>
+                      <a:round/>
+                      <a:headEnd type="none" w="med" len="med"/>
+                      <a:tailEnd type="none" w="med" len="med"/>
+                    </a:lnB>
+                    <a:lnTlToBr w="12700" cmpd="sng">
                       <a:noFill/>
                       <a:prstDash val="solid"/>
-                    </a:lnB>
+                    </a:lnTlToBr>
+                    <a:lnBlToTr w="12700" cmpd="sng">
+                      <a:noFill/>
+                      <a:prstDash val="solid"/>
+                    </a:lnBlToTr>
                     <a:noFill/>
                   </a:tcPr>
                 </a:tc>
@@ -26625,31 +26987,63 @@
                     <a:lstStyle/>
                     <a:p>
                       <a:r>
-                        <a:rPr lang="en-US" sz="1100" cap="none" spc="0">
+                        <a:rPr lang="en-US" sz="1200" b="1" cap="none" spc="0">
                           <a:solidFill>
-                            <a:schemeClr val="tx1"/>
+                            <a:schemeClr val="tx1">
+                              <a:lumMod val="75000"/>
+                              <a:lumOff val="25000"/>
+                            </a:schemeClr>
                           </a:solidFill>
                         </a:rPr>
-                        <a:t>Yes</a:t>
+                        <a:t>Algo. Family</a:t>
                       </a:r>
                     </a:p>
                   </a:txBody>
-                  <a:tcPr marL="68823" marR="68823" marT="68823" marB="34412">
-                    <a:lnL w="12700" cmpd="sng">
-                      <a:noFill/>
-                      <a:prstDash val="solid"/>
+                  <a:tcPr marL="151379" marR="69489" marT="75688" marB="75688" anchor="b">
+                    <a:lnL w="12700" cap="flat" cmpd="sng" algn="ctr">
+                      <a:solidFill>
+                        <a:schemeClr val="tx1"/>
+                      </a:solidFill>
+                      <a:prstDash val="solid"/>
+                      <a:round/>
+                      <a:headEnd type="none" w="med" len="med"/>
+                      <a:tailEnd type="none" w="med" len="med"/>
                     </a:lnL>
-                    <a:lnR w="12700" cmpd="sng">
-                      <a:noFill/>
-                      <a:prstDash val="solid"/>
+                    <a:lnR w="12700" cap="flat" cmpd="sng" algn="ctr">
+                      <a:solidFill>
+                        <a:schemeClr val="tx1"/>
+                      </a:solidFill>
+                      <a:prstDash val="solid"/>
+                      <a:round/>
+                      <a:headEnd type="none" w="med" len="med"/>
+                      <a:tailEnd type="none" w="med" len="med"/>
                     </a:lnR>
-                    <a:lnT w="38100" cmpd="sng">
-                      <a:noFill/>
+                    <a:lnT w="12700" cap="flat" cmpd="sng" algn="ctr">
+                      <a:solidFill>
+                        <a:schemeClr val="tx1"/>
+                      </a:solidFill>
+                      <a:prstDash val="solid"/>
+                      <a:round/>
+                      <a:headEnd type="none" w="med" len="med"/>
+                      <a:tailEnd type="none" w="med" len="med"/>
                     </a:lnT>
                     <a:lnB w="12700" cap="flat" cmpd="sng" algn="ctr">
+                      <a:solidFill>
+                        <a:schemeClr val="tx1"/>
+                      </a:solidFill>
+                      <a:prstDash val="solid"/>
+                      <a:round/>
+                      <a:headEnd type="none" w="med" len="med"/>
+                      <a:tailEnd type="none" w="med" len="med"/>
+                    </a:lnB>
+                    <a:lnTlToBr w="12700" cmpd="sng">
                       <a:noFill/>
                       <a:prstDash val="solid"/>
-                    </a:lnB>
+                    </a:lnTlToBr>
+                    <a:lnBlToTr w="12700" cmpd="sng">
+                      <a:noFill/>
+                      <a:prstDash val="solid"/>
+                    </a:lnBlToTr>
                     <a:noFill/>
                   </a:tcPr>
                 </a:tc>
@@ -26659,31 +27053,63 @@
                     <a:lstStyle/>
                     <a:p>
                       <a:r>
-                        <a:rPr lang="en-US" sz="1100" cap="none" spc="0">
+                        <a:rPr lang="en-US" sz="1200" b="1" cap="none" spc="0">
                           <a:solidFill>
-                            <a:schemeClr val="tx1"/>
+                            <a:schemeClr val="tx1">
+                              <a:lumMod val="75000"/>
+                              <a:lumOff val="25000"/>
+                            </a:schemeClr>
                           </a:solidFill>
                         </a:rPr>
-                        <a:t>3</a:t>
+                        <a:t>Array-Level</a:t>
                       </a:r>
                     </a:p>
                   </a:txBody>
-                  <a:tcPr marL="68823" marR="68823" marT="68823" marB="34412">
-                    <a:lnL w="12700" cmpd="sng">
-                      <a:noFill/>
-                      <a:prstDash val="solid"/>
+                  <a:tcPr marL="151379" marR="69489" marT="75688" marB="75688" anchor="b">
+                    <a:lnL w="12700" cap="flat" cmpd="sng" algn="ctr">
+                      <a:solidFill>
+                        <a:schemeClr val="tx1"/>
+                      </a:solidFill>
+                      <a:prstDash val="solid"/>
+                      <a:round/>
+                      <a:headEnd type="none" w="med" len="med"/>
+                      <a:tailEnd type="none" w="med" len="med"/>
                     </a:lnL>
-                    <a:lnR w="12700" cmpd="sng">
-                      <a:noFill/>
-                      <a:prstDash val="solid"/>
+                    <a:lnR w="12700" cap="flat" cmpd="sng" algn="ctr">
+                      <a:solidFill>
+                        <a:schemeClr val="tx1"/>
+                      </a:solidFill>
+                      <a:prstDash val="solid"/>
+                      <a:round/>
+                      <a:headEnd type="none" w="med" len="med"/>
+                      <a:tailEnd type="none" w="med" len="med"/>
                     </a:lnR>
-                    <a:lnT w="38100" cmpd="sng">
-                      <a:noFill/>
+                    <a:lnT w="12700" cap="flat" cmpd="sng" algn="ctr">
+                      <a:solidFill>
+                        <a:schemeClr val="tx1"/>
+                      </a:solidFill>
+                      <a:prstDash val="solid"/>
+                      <a:round/>
+                      <a:headEnd type="none" w="med" len="med"/>
+                      <a:tailEnd type="none" w="med" len="med"/>
                     </a:lnT>
                     <a:lnB w="12700" cap="flat" cmpd="sng" algn="ctr">
+                      <a:solidFill>
+                        <a:schemeClr val="tx1"/>
+                      </a:solidFill>
+                      <a:prstDash val="solid"/>
+                      <a:round/>
+                      <a:headEnd type="none" w="med" len="med"/>
+                      <a:tailEnd type="none" w="med" len="med"/>
+                    </a:lnB>
+                    <a:lnTlToBr w="12700" cmpd="sng">
                       <a:noFill/>
                       <a:prstDash val="solid"/>
-                    </a:lnB>
+                    </a:lnTlToBr>
+                    <a:lnBlToTr w="12700" cmpd="sng">
+                      <a:noFill/>
+                      <a:prstDash val="solid"/>
+                    </a:lnBlToTr>
                     <a:noFill/>
                   </a:tcPr>
                 </a:tc>
@@ -26693,31 +27119,63 @@
                     <a:lstStyle/>
                     <a:p>
                       <a:r>
-                        <a:rPr lang="en-US" sz="1100" cap="none" spc="0">
+                        <a:rPr lang="en-US" sz="1200" b="1" cap="none" spc="0">
                           <a:solidFill>
-                            <a:schemeClr val="tx1"/>
+                            <a:schemeClr val="tx1">
+                              <a:lumMod val="75000"/>
+                              <a:lumOff val="25000"/>
+                            </a:schemeClr>
                           </a:solidFill>
                         </a:rPr>
-                        <a:t>16,384</a:t>
+                        <a:t>Bits-per-cell</a:t>
                       </a:r>
                     </a:p>
                   </a:txBody>
-                  <a:tcPr marL="68823" marR="68823" marT="68823" marB="34412">
-                    <a:lnL w="12700" cmpd="sng">
-                      <a:noFill/>
-                      <a:prstDash val="solid"/>
+                  <a:tcPr marL="151379" marR="69489" marT="75688" marB="75688" anchor="b">
+                    <a:lnL w="12700" cap="flat" cmpd="sng" algn="ctr">
+                      <a:solidFill>
+                        <a:schemeClr val="tx1"/>
+                      </a:solidFill>
+                      <a:prstDash val="solid"/>
+                      <a:round/>
+                      <a:headEnd type="none" w="med" len="med"/>
+                      <a:tailEnd type="none" w="med" len="med"/>
                     </a:lnL>
-                    <a:lnR w="12700" cmpd="sng">
-                      <a:noFill/>
-                      <a:prstDash val="solid"/>
+                    <a:lnR w="12700" cap="flat" cmpd="sng" algn="ctr">
+                      <a:solidFill>
+                        <a:schemeClr val="tx1"/>
+                      </a:solidFill>
+                      <a:prstDash val="solid"/>
+                      <a:round/>
+                      <a:headEnd type="none" w="med" len="med"/>
+                      <a:tailEnd type="none" w="med" len="med"/>
                     </a:lnR>
-                    <a:lnT w="38100" cmpd="sng">
-                      <a:noFill/>
+                    <a:lnT w="12700" cap="flat" cmpd="sng" algn="ctr">
+                      <a:solidFill>
+                        <a:schemeClr val="tx1"/>
+                      </a:solidFill>
+                      <a:prstDash val="solid"/>
+                      <a:round/>
+                      <a:headEnd type="none" w="med" len="med"/>
+                      <a:tailEnd type="none" w="med" len="med"/>
                     </a:lnT>
                     <a:lnB w="12700" cap="flat" cmpd="sng" algn="ctr">
+                      <a:solidFill>
+                        <a:schemeClr val="tx1"/>
+                      </a:solidFill>
+                      <a:prstDash val="solid"/>
+                      <a:round/>
+                      <a:headEnd type="none" w="med" len="med"/>
+                      <a:tailEnd type="none" w="med" len="med"/>
+                    </a:lnB>
+                    <a:lnTlToBr w="12700" cmpd="sng">
                       <a:noFill/>
                       <a:prstDash val="solid"/>
-                    </a:lnB>
+                    </a:lnTlToBr>
+                    <a:lnBlToTr w="12700" cmpd="sng">
+                      <a:noFill/>
+                      <a:prstDash val="solid"/>
+                    </a:lnBlToTr>
                     <a:noFill/>
                   </a:tcPr>
                 </a:tc>
@@ -26727,31 +27185,63 @@
                     <a:lstStyle/>
                     <a:p>
                       <a:r>
-                        <a:rPr lang="en-US" sz="1100" cap="none" spc="0">
+                        <a:rPr lang="en-US" sz="1200" b="1" cap="none" spc="0">
                           <a:solidFill>
-                            <a:schemeClr val="tx1"/>
+                            <a:schemeClr val="tx1">
+                              <a:lumMod val="75000"/>
+                              <a:lumOff val="25000"/>
+                            </a:schemeClr>
                           </a:solidFill>
                         </a:rPr>
-                        <a:t>Yes</a:t>
+                        <a:t># of Cells Measured</a:t>
                       </a:r>
                     </a:p>
                   </a:txBody>
-                  <a:tcPr marL="68823" marR="68823" marT="68823" marB="34412">
-                    <a:lnL w="12700" cmpd="sng">
-                      <a:noFill/>
-                      <a:prstDash val="solid"/>
+                  <a:tcPr marL="151379" marR="69489" marT="75688" marB="75688" anchor="b">
+                    <a:lnL w="12700" cap="flat" cmpd="sng" algn="ctr">
+                      <a:solidFill>
+                        <a:schemeClr val="tx1"/>
+                      </a:solidFill>
+                      <a:prstDash val="solid"/>
+                      <a:round/>
+                      <a:headEnd type="none" w="med" len="med"/>
+                      <a:tailEnd type="none" w="med" len="med"/>
                     </a:lnL>
-                    <a:lnR w="12700" cmpd="sng">
-                      <a:noFill/>
-                      <a:prstDash val="solid"/>
+                    <a:lnR w="12700" cap="flat" cmpd="sng" algn="ctr">
+                      <a:solidFill>
+                        <a:schemeClr val="tx1"/>
+                      </a:solidFill>
+                      <a:prstDash val="solid"/>
+                      <a:round/>
+                      <a:headEnd type="none" w="med" len="med"/>
+                      <a:tailEnd type="none" w="med" len="med"/>
                     </a:lnR>
-                    <a:lnT w="38100" cmpd="sng">
-                      <a:noFill/>
+                    <a:lnT w="12700" cap="flat" cmpd="sng" algn="ctr">
+                      <a:solidFill>
+                        <a:schemeClr val="tx1"/>
+                      </a:solidFill>
+                      <a:prstDash val="solid"/>
+                      <a:round/>
+                      <a:headEnd type="none" w="med" len="med"/>
+                      <a:tailEnd type="none" w="med" len="med"/>
                     </a:lnT>
                     <a:lnB w="12700" cap="flat" cmpd="sng" algn="ctr">
+                      <a:solidFill>
+                        <a:schemeClr val="tx1"/>
+                      </a:solidFill>
+                      <a:prstDash val="solid"/>
+                      <a:round/>
+                      <a:headEnd type="none" w="med" len="med"/>
+                      <a:tailEnd type="none" w="med" len="med"/>
+                    </a:lnB>
+                    <a:lnTlToBr w="12700" cmpd="sng">
                       <a:noFill/>
                       <a:prstDash val="solid"/>
-                    </a:lnB>
+                    </a:lnTlToBr>
+                    <a:lnBlToTr w="12700" cmpd="sng">
+                      <a:noFill/>
+                      <a:prstDash val="solid"/>
+                    </a:lnBlToTr>
                     <a:noFill/>
                   </a:tcPr>
                 </a:tc>
@@ -26760,50 +27250,756 @@
                     <a:bodyPr/>
                     <a:lstStyle/>
                     <a:p>
-                      <a:pPr marL="285750" indent="-285750">
-                        <a:buFont typeface="Arial" panose="020B0604020202020204" pitchFamily="34" charset="0"/>
-                        <a:buChar char="•"/>
-                      </a:pPr>
                       <a:r>
-                        <a:rPr lang="en-US" sz="1100" cap="none" spc="0">
+                        <a:rPr lang="en-US" sz="1200" b="1" cap="none" spc="0">
                           <a:solidFill>
-                            <a:schemeClr val="tx1"/>
+                            <a:schemeClr val="tx1">
+                              <a:lumMod val="75000"/>
+                              <a:lumOff val="25000"/>
+                            </a:schemeClr>
+                          </a:solidFill>
+                        </a:rPr>
+                        <a:t>Efficient Ranges/Gaps</a:t>
+                      </a:r>
+                    </a:p>
+                  </a:txBody>
+                  <a:tcPr marL="151379" marR="69489" marT="75688" marB="75688" anchor="b">
+                    <a:lnL w="12700" cap="flat" cmpd="sng" algn="ctr">
+                      <a:solidFill>
+                        <a:schemeClr val="tx1"/>
+                      </a:solidFill>
+                      <a:prstDash val="solid"/>
+                      <a:round/>
+                      <a:headEnd type="none" w="med" len="med"/>
+                      <a:tailEnd type="none" w="med" len="med"/>
+                    </a:lnL>
+                    <a:lnR w="12700" cap="flat" cmpd="sng" algn="ctr">
+                      <a:solidFill>
+                        <a:schemeClr val="tx1"/>
+                      </a:solidFill>
+                      <a:prstDash val="solid"/>
+                      <a:round/>
+                      <a:headEnd type="none" w="med" len="med"/>
+                      <a:tailEnd type="none" w="med" len="med"/>
+                    </a:lnR>
+                    <a:lnT w="12700" cap="flat" cmpd="sng" algn="ctr">
+                      <a:solidFill>
+                        <a:schemeClr val="tx1"/>
+                      </a:solidFill>
+                      <a:prstDash val="solid"/>
+                      <a:round/>
+                      <a:headEnd type="none" w="med" len="med"/>
+                      <a:tailEnd type="none" w="med" len="med"/>
+                    </a:lnT>
+                    <a:lnB w="12700" cap="flat" cmpd="sng" algn="ctr">
+                      <a:solidFill>
+                        <a:schemeClr val="tx1"/>
+                      </a:solidFill>
+                      <a:prstDash val="solid"/>
+                      <a:round/>
+                      <a:headEnd type="none" w="med" len="med"/>
+                      <a:tailEnd type="none" w="med" len="med"/>
+                    </a:lnB>
+                    <a:lnTlToBr w="12700" cmpd="sng">
+                      <a:noFill/>
+                      <a:prstDash val="solid"/>
+                    </a:lnTlToBr>
+                    <a:lnBlToTr w="12700" cmpd="sng">
+                      <a:noFill/>
+                      <a:prstDash val="solid"/>
+                    </a:lnBlToTr>
+                    <a:noFill/>
+                  </a:tcPr>
+                </a:tc>
+                <a:tc>
+                  <a:txBody>
+                    <a:bodyPr/>
+                    <a:lstStyle/>
+                    <a:p>
+                      <a:r>
+                        <a:rPr lang="en-US" sz="1200" b="1" cap="none" spc="0">
+                          <a:solidFill>
+                            <a:schemeClr val="tx1">
+                              <a:lumMod val="75000"/>
+                              <a:lumOff val="25000"/>
+                            </a:schemeClr>
                           </a:solidFill>
                         </a:rPr>
                         <a:t>Endurance</a:t>
                       </a:r>
                     </a:p>
+                  </a:txBody>
+                  <a:tcPr marL="151379" marR="69489" marT="75688" marB="75688" anchor="b">
+                    <a:lnL w="12700" cap="flat" cmpd="sng" algn="ctr">
+                      <a:solidFill>
+                        <a:schemeClr val="tx1"/>
+                      </a:solidFill>
+                      <a:prstDash val="solid"/>
+                      <a:round/>
+                      <a:headEnd type="none" w="med" len="med"/>
+                      <a:tailEnd type="none" w="med" len="med"/>
+                    </a:lnL>
+                    <a:lnR w="12700" cap="flat" cmpd="sng" algn="ctr">
+                      <a:solidFill>
+                        <a:schemeClr val="tx1"/>
+                      </a:solidFill>
+                      <a:prstDash val="solid"/>
+                      <a:round/>
+                      <a:headEnd type="none" w="med" len="med"/>
+                      <a:tailEnd type="none" w="med" len="med"/>
+                    </a:lnR>
+                    <a:lnT w="12700" cap="flat" cmpd="sng" algn="ctr">
+                      <a:solidFill>
+                        <a:schemeClr val="tx1"/>
+                      </a:solidFill>
+                      <a:prstDash val="solid"/>
+                      <a:round/>
+                      <a:headEnd type="none" w="med" len="med"/>
+                      <a:tailEnd type="none" w="med" len="med"/>
+                    </a:lnT>
+                    <a:lnB w="12700" cap="flat" cmpd="sng" algn="ctr">
+                      <a:solidFill>
+                        <a:schemeClr val="tx1"/>
+                      </a:solidFill>
+                      <a:prstDash val="solid"/>
+                      <a:round/>
+                      <a:headEnd type="none" w="med" len="med"/>
+                      <a:tailEnd type="none" w="med" len="med"/>
+                    </a:lnB>
+                    <a:lnTlToBr w="12700" cmpd="sng">
+                      <a:noFill/>
+                      <a:prstDash val="solid"/>
+                    </a:lnTlToBr>
+                    <a:lnBlToTr w="12700" cmpd="sng">
+                      <a:noFill/>
+                      <a:prstDash val="solid"/>
+                    </a:lnBlToTr>
+                    <a:noFill/>
+                  </a:tcPr>
+                </a:tc>
+                <a:tc>
+                  <a:txBody>
+                    <a:bodyPr/>
+                    <a:lstStyle/>
                     <a:p>
-                      <a:pPr marL="285750" indent="-285750">
-                        <a:buFont typeface="Arial" panose="020B0604020202020204" pitchFamily="34" charset="0"/>
-                        <a:buChar char="•"/>
-                      </a:pPr>
                       <a:r>
-                        <a:rPr lang="en-US" sz="1100" cap="none" spc="0">
+                        <a:rPr lang="en-US" sz="1200" b="1" cap="none" spc="0">
                           <a:solidFill>
-                            <a:schemeClr val="tx1"/>
+                            <a:schemeClr val="tx1">
+                              <a:lumMod val="75000"/>
+                              <a:lumOff val="25000"/>
+                            </a:schemeClr>
                           </a:solidFill>
                         </a:rPr>
-                        <a:t>Retention: array-level, high-temp</a:t>
+                        <a:t>Retention</a:t>
                       </a:r>
                     </a:p>
                   </a:txBody>
-                  <a:tcPr marL="68823" marR="68823" marT="68823" marB="34412">
-                    <a:lnL w="12700" cmpd="sng">
-                      <a:noFill/>
-                      <a:prstDash val="solid"/>
+                  <a:tcPr marL="151379" marR="69489" marT="75688" marB="75688" anchor="b">
+                    <a:lnL w="12700" cap="flat" cmpd="sng" algn="ctr">
+                      <a:solidFill>
+                        <a:schemeClr val="tx1"/>
+                      </a:solidFill>
+                      <a:prstDash val="solid"/>
+                      <a:round/>
+                      <a:headEnd type="none" w="med" len="med"/>
+                      <a:tailEnd type="none" w="med" len="med"/>
                     </a:lnL>
-                    <a:lnR w="12700" cmpd="sng">
-                      <a:noFill/>
-                      <a:prstDash val="solid"/>
+                    <a:lnR w="12700" cap="flat" cmpd="sng" algn="ctr">
+                      <a:solidFill>
+                        <a:schemeClr val="tx1"/>
+                      </a:solidFill>
+                      <a:prstDash val="solid"/>
+                      <a:round/>
+                      <a:headEnd type="none" w="med" len="med"/>
+                      <a:tailEnd type="none" w="med" len="med"/>
                     </a:lnR>
-                    <a:lnT w="38100" cmpd="sng">
-                      <a:noFill/>
+                    <a:lnT w="12700" cap="flat" cmpd="sng" algn="ctr">
+                      <a:solidFill>
+                        <a:schemeClr val="tx1"/>
+                      </a:solidFill>
+                      <a:prstDash val="solid"/>
+                      <a:round/>
+                      <a:headEnd type="none" w="med" len="med"/>
+                      <a:tailEnd type="none" w="med" len="med"/>
                     </a:lnT>
                     <a:lnB w="12700" cap="flat" cmpd="sng" algn="ctr">
+                      <a:solidFill>
+                        <a:schemeClr val="tx1"/>
+                      </a:solidFill>
+                      <a:prstDash val="solid"/>
+                      <a:round/>
+                      <a:headEnd type="none" w="med" len="med"/>
+                      <a:tailEnd type="none" w="med" len="med"/>
+                    </a:lnB>
+                    <a:lnTlToBr w="12700" cmpd="sng">
                       <a:noFill/>
                       <a:prstDash val="solid"/>
+                    </a:lnTlToBr>
+                    <a:lnBlToTr w="12700" cmpd="sng">
+                      <a:noFill/>
+                      <a:prstDash val="solid"/>
+                    </a:lnBlToTr>
+                    <a:noFill/>
+                  </a:tcPr>
+                </a:tc>
+                <a:extLst>
+                  <a:ext uri="{0D108BD9-81ED-4DB2-BD59-A6C34878D82A}">
+                    <a16:rowId xmlns:a16="http://schemas.microsoft.com/office/drawing/2014/main" val="2422510566"/>
+                  </a:ext>
+                </a:extLst>
+              </a:tr>
+              <a:tr h="558241">
+                <a:tc>
+                  <a:txBody>
+                    <a:bodyPr/>
+                    <a:lstStyle/>
+                    <a:p>
+                      <a:r>
+                        <a:rPr lang="en-US" sz="1200" cap="none" spc="0">
+                          <a:solidFill>
+                            <a:schemeClr val="tx1">
+                              <a:lumMod val="75000"/>
+                              <a:lumOff val="25000"/>
+                            </a:schemeClr>
+                          </a:solidFill>
+                        </a:rPr>
+                        <a:t>This work</a:t>
+                      </a:r>
+                    </a:p>
+                  </a:txBody>
+                  <a:tcPr marL="151379" marR="69489" marT="75688" marB="75688">
+                    <a:lnL w="12700" cap="flat" cmpd="sng" algn="ctr">
+                      <a:solidFill>
+                        <a:schemeClr val="tx1"/>
+                      </a:solidFill>
+                      <a:prstDash val="solid"/>
+                      <a:round/>
+                      <a:headEnd type="none" w="med" len="med"/>
+                      <a:tailEnd type="none" w="med" len="med"/>
+                    </a:lnL>
+                    <a:lnR w="12700" cap="flat" cmpd="sng" algn="ctr">
+                      <a:solidFill>
+                        <a:schemeClr val="tx1"/>
+                      </a:solidFill>
+                      <a:prstDash val="solid"/>
+                      <a:round/>
+                      <a:headEnd type="none" w="med" len="med"/>
+                      <a:tailEnd type="none" w="med" len="med"/>
+                    </a:lnR>
+                    <a:lnT w="12700" cap="flat" cmpd="sng" algn="ctr">
+                      <a:solidFill>
+                        <a:schemeClr val="tx1"/>
+                      </a:solidFill>
+                      <a:prstDash val="solid"/>
+                      <a:round/>
+                      <a:headEnd type="none" w="med" len="med"/>
+                      <a:tailEnd type="none" w="med" len="med"/>
+                    </a:lnT>
+                    <a:lnB w="12700" cap="flat" cmpd="sng" algn="ctr">
+                      <a:solidFill>
+                        <a:schemeClr val="tx1"/>
+                      </a:solidFill>
+                      <a:prstDash val="solid"/>
+                      <a:round/>
+                      <a:headEnd type="none" w="med" len="med"/>
+                      <a:tailEnd type="none" w="med" len="med"/>
                     </a:lnB>
+                    <a:lnTlToBr w="12700" cmpd="sng">
+                      <a:noFill/>
+                      <a:prstDash val="solid"/>
+                    </a:lnTlToBr>
+                    <a:lnBlToTr w="12700" cmpd="sng">
+                      <a:noFill/>
+                      <a:prstDash val="solid"/>
+                    </a:lnBlToTr>
+                    <a:noFill/>
+                  </a:tcPr>
+                </a:tc>
+                <a:tc>
+                  <a:txBody>
+                    <a:bodyPr/>
+                    <a:lstStyle/>
+                    <a:p>
+                      <a:r>
+                        <a:rPr lang="en-US" sz="1200" cap="none" spc="0" dirty="0">
+                          <a:solidFill>
+                            <a:schemeClr val="tx1">
+                              <a:lumMod val="75000"/>
+                              <a:lumOff val="25000"/>
+                            </a:schemeClr>
+                          </a:solidFill>
+                        </a:rPr>
+                        <a:t>SDCFC</a:t>
+                      </a:r>
+                    </a:p>
+                  </a:txBody>
+                  <a:tcPr marL="151379" marR="69489" marT="75688" marB="75688">
+                    <a:lnL w="12700" cap="flat" cmpd="sng" algn="ctr">
+                      <a:solidFill>
+                        <a:schemeClr val="tx1"/>
+                      </a:solidFill>
+                      <a:prstDash val="solid"/>
+                      <a:round/>
+                      <a:headEnd type="none" w="med" len="med"/>
+                      <a:tailEnd type="none" w="med" len="med"/>
+                    </a:lnL>
+                    <a:lnR w="12700" cap="flat" cmpd="sng" algn="ctr">
+                      <a:solidFill>
+                        <a:schemeClr val="tx1"/>
+                      </a:solidFill>
+                      <a:prstDash val="solid"/>
+                      <a:round/>
+                      <a:headEnd type="none" w="med" len="med"/>
+                      <a:tailEnd type="none" w="med" len="med"/>
+                    </a:lnR>
+                    <a:lnT w="12700" cap="flat" cmpd="sng" algn="ctr">
+                      <a:solidFill>
+                        <a:schemeClr val="tx1"/>
+                      </a:solidFill>
+                      <a:prstDash val="solid"/>
+                      <a:round/>
+                      <a:headEnd type="none" w="med" len="med"/>
+                      <a:tailEnd type="none" w="med" len="med"/>
+                    </a:lnT>
+                    <a:lnB w="12700" cap="flat" cmpd="sng" algn="ctr">
+                      <a:solidFill>
+                        <a:schemeClr val="tx1"/>
+                      </a:solidFill>
+                      <a:prstDash val="solid"/>
+                      <a:round/>
+                      <a:headEnd type="none" w="med" len="med"/>
+                      <a:tailEnd type="none" w="med" len="med"/>
+                    </a:lnB>
+                    <a:lnTlToBr w="12700" cmpd="sng">
+                      <a:noFill/>
+                      <a:prstDash val="solid"/>
+                    </a:lnTlToBr>
+                    <a:lnBlToTr w="12700" cmpd="sng">
+                      <a:noFill/>
+                      <a:prstDash val="solid"/>
+                    </a:lnBlToTr>
+                    <a:noFill/>
+                  </a:tcPr>
+                </a:tc>
+                <a:tc>
+                  <a:txBody>
+                    <a:bodyPr/>
+                    <a:lstStyle/>
+                    <a:p>
+                      <a:r>
+                        <a:rPr lang="en-US" sz="1200" cap="none" spc="0" dirty="0">
+                          <a:solidFill>
+                            <a:schemeClr val="tx1">
+                              <a:lumMod val="75000"/>
+                              <a:lumOff val="25000"/>
+                            </a:schemeClr>
+                          </a:solidFill>
+                        </a:rPr>
+                        <a:t>Yes</a:t>
+                      </a:r>
+                    </a:p>
+                  </a:txBody>
+                  <a:tcPr marL="151379" marR="69489" marT="75688" marB="75688">
+                    <a:lnL w="12700" cap="flat" cmpd="sng" algn="ctr">
+                      <a:solidFill>
+                        <a:schemeClr val="tx1"/>
+                      </a:solidFill>
+                      <a:prstDash val="solid"/>
+                      <a:round/>
+                      <a:headEnd type="none" w="med" len="med"/>
+                      <a:tailEnd type="none" w="med" len="med"/>
+                    </a:lnL>
+                    <a:lnR w="12700" cap="flat" cmpd="sng" algn="ctr">
+                      <a:solidFill>
+                        <a:schemeClr val="tx1"/>
+                      </a:solidFill>
+                      <a:prstDash val="solid"/>
+                      <a:round/>
+                      <a:headEnd type="none" w="med" len="med"/>
+                      <a:tailEnd type="none" w="med" len="med"/>
+                    </a:lnR>
+                    <a:lnT w="12700" cap="flat" cmpd="sng" algn="ctr">
+                      <a:solidFill>
+                        <a:schemeClr val="tx1"/>
+                      </a:solidFill>
+                      <a:prstDash val="solid"/>
+                      <a:round/>
+                      <a:headEnd type="none" w="med" len="med"/>
+                      <a:tailEnd type="none" w="med" len="med"/>
+                    </a:lnT>
+                    <a:lnB w="12700" cap="flat" cmpd="sng" algn="ctr">
+                      <a:solidFill>
+                        <a:schemeClr val="tx1"/>
+                      </a:solidFill>
+                      <a:prstDash val="solid"/>
+                      <a:round/>
+                      <a:headEnd type="none" w="med" len="med"/>
+                      <a:tailEnd type="none" w="med" len="med"/>
+                    </a:lnB>
+                    <a:lnTlToBr w="12700" cmpd="sng">
+                      <a:noFill/>
+                      <a:prstDash val="solid"/>
+                    </a:lnTlToBr>
+                    <a:lnBlToTr w="12700" cmpd="sng">
+                      <a:noFill/>
+                      <a:prstDash val="solid"/>
+                    </a:lnBlToTr>
+                    <a:noFill/>
+                  </a:tcPr>
+                </a:tc>
+                <a:tc>
+                  <a:txBody>
+                    <a:bodyPr/>
+                    <a:lstStyle/>
+                    <a:p>
+                      <a:r>
+                        <a:rPr lang="en-US" sz="1200" cap="none" spc="0">
+                          <a:solidFill>
+                            <a:schemeClr val="tx1">
+                              <a:lumMod val="75000"/>
+                              <a:lumOff val="25000"/>
+                            </a:schemeClr>
+                          </a:solidFill>
+                        </a:rPr>
+                        <a:t>3</a:t>
+                      </a:r>
+                    </a:p>
+                  </a:txBody>
+                  <a:tcPr marL="151379" marR="69489" marT="75688" marB="75688">
+                    <a:lnL w="12700" cap="flat" cmpd="sng" algn="ctr">
+                      <a:solidFill>
+                        <a:schemeClr val="tx1"/>
+                      </a:solidFill>
+                      <a:prstDash val="solid"/>
+                      <a:round/>
+                      <a:headEnd type="none" w="med" len="med"/>
+                      <a:tailEnd type="none" w="med" len="med"/>
+                    </a:lnL>
+                    <a:lnR w="12700" cap="flat" cmpd="sng" algn="ctr">
+                      <a:solidFill>
+                        <a:schemeClr val="tx1"/>
+                      </a:solidFill>
+                      <a:prstDash val="solid"/>
+                      <a:round/>
+                      <a:headEnd type="none" w="med" len="med"/>
+                      <a:tailEnd type="none" w="med" len="med"/>
+                    </a:lnR>
+                    <a:lnT w="12700" cap="flat" cmpd="sng" algn="ctr">
+                      <a:solidFill>
+                        <a:schemeClr val="tx1"/>
+                      </a:solidFill>
+                      <a:prstDash val="solid"/>
+                      <a:round/>
+                      <a:headEnd type="none" w="med" len="med"/>
+                      <a:tailEnd type="none" w="med" len="med"/>
+                    </a:lnT>
+                    <a:lnB w="12700" cap="flat" cmpd="sng" algn="ctr">
+                      <a:solidFill>
+                        <a:schemeClr val="tx1"/>
+                      </a:solidFill>
+                      <a:prstDash val="solid"/>
+                      <a:round/>
+                      <a:headEnd type="none" w="med" len="med"/>
+                      <a:tailEnd type="none" w="med" len="med"/>
+                    </a:lnB>
+                    <a:lnTlToBr w="12700" cmpd="sng">
+                      <a:noFill/>
+                      <a:prstDash val="solid"/>
+                    </a:lnTlToBr>
+                    <a:lnBlToTr w="12700" cmpd="sng">
+                      <a:noFill/>
+                      <a:prstDash val="solid"/>
+                    </a:lnBlToTr>
+                    <a:noFill/>
+                  </a:tcPr>
+                </a:tc>
+                <a:tc>
+                  <a:txBody>
+                    <a:bodyPr/>
+                    <a:lstStyle/>
+                    <a:p>
+                      <a:r>
+                        <a:rPr lang="en-US" sz="1200" cap="none" spc="0">
+                          <a:solidFill>
+                            <a:schemeClr val="tx1">
+                              <a:lumMod val="75000"/>
+                              <a:lumOff val="25000"/>
+                            </a:schemeClr>
+                          </a:solidFill>
+                        </a:rPr>
+                        <a:t>16,384</a:t>
+                      </a:r>
+                    </a:p>
+                  </a:txBody>
+                  <a:tcPr marL="151379" marR="69489" marT="75688" marB="75688">
+                    <a:lnL w="12700" cap="flat" cmpd="sng" algn="ctr">
+                      <a:solidFill>
+                        <a:schemeClr val="tx1"/>
+                      </a:solidFill>
+                      <a:prstDash val="solid"/>
+                      <a:round/>
+                      <a:headEnd type="none" w="med" len="med"/>
+                      <a:tailEnd type="none" w="med" len="med"/>
+                    </a:lnL>
+                    <a:lnR w="12700" cap="flat" cmpd="sng" algn="ctr">
+                      <a:solidFill>
+                        <a:schemeClr val="tx1"/>
+                      </a:solidFill>
+                      <a:prstDash val="solid"/>
+                      <a:round/>
+                      <a:headEnd type="none" w="med" len="med"/>
+                      <a:tailEnd type="none" w="med" len="med"/>
+                    </a:lnR>
+                    <a:lnT w="12700" cap="flat" cmpd="sng" algn="ctr">
+                      <a:solidFill>
+                        <a:schemeClr val="tx1"/>
+                      </a:solidFill>
+                      <a:prstDash val="solid"/>
+                      <a:round/>
+                      <a:headEnd type="none" w="med" len="med"/>
+                      <a:tailEnd type="none" w="med" len="med"/>
+                    </a:lnT>
+                    <a:lnB w="12700" cap="flat" cmpd="sng" algn="ctr">
+                      <a:solidFill>
+                        <a:schemeClr val="tx1"/>
+                      </a:solidFill>
+                      <a:prstDash val="solid"/>
+                      <a:round/>
+                      <a:headEnd type="none" w="med" len="med"/>
+                      <a:tailEnd type="none" w="med" len="med"/>
+                    </a:lnB>
+                    <a:lnTlToBr w="12700" cmpd="sng">
+                      <a:noFill/>
+                      <a:prstDash val="solid"/>
+                    </a:lnTlToBr>
+                    <a:lnBlToTr w="12700" cmpd="sng">
+                      <a:noFill/>
+                      <a:prstDash val="solid"/>
+                    </a:lnBlToTr>
+                    <a:noFill/>
+                  </a:tcPr>
+                </a:tc>
+                <a:tc>
+                  <a:txBody>
+                    <a:bodyPr/>
+                    <a:lstStyle/>
+                    <a:p>
+                      <a:r>
+                        <a:rPr lang="en-US" sz="1200" cap="none" spc="0">
+                          <a:solidFill>
+                            <a:schemeClr val="tx1">
+                              <a:lumMod val="75000"/>
+                              <a:lumOff val="25000"/>
+                            </a:schemeClr>
+                          </a:solidFill>
+                        </a:rPr>
+                        <a:t>Yes</a:t>
+                      </a:r>
+                    </a:p>
+                  </a:txBody>
+                  <a:tcPr marL="151379" marR="69489" marT="75688" marB="75688">
+                    <a:lnL w="12700" cap="flat" cmpd="sng" algn="ctr">
+                      <a:solidFill>
+                        <a:schemeClr val="tx1"/>
+                      </a:solidFill>
+                      <a:prstDash val="solid"/>
+                      <a:round/>
+                      <a:headEnd type="none" w="med" len="med"/>
+                      <a:tailEnd type="none" w="med" len="med"/>
+                    </a:lnL>
+                    <a:lnR w="12700" cap="flat" cmpd="sng" algn="ctr">
+                      <a:solidFill>
+                        <a:schemeClr val="tx1"/>
+                      </a:solidFill>
+                      <a:prstDash val="solid"/>
+                      <a:round/>
+                      <a:headEnd type="none" w="med" len="med"/>
+                      <a:tailEnd type="none" w="med" len="med"/>
+                    </a:lnR>
+                    <a:lnT w="12700" cap="flat" cmpd="sng" algn="ctr">
+                      <a:solidFill>
+                        <a:schemeClr val="tx1"/>
+                      </a:solidFill>
+                      <a:prstDash val="solid"/>
+                      <a:round/>
+                      <a:headEnd type="none" w="med" len="med"/>
+                      <a:tailEnd type="none" w="med" len="med"/>
+                    </a:lnT>
+                    <a:lnB w="12700" cap="flat" cmpd="sng" algn="ctr">
+                      <a:solidFill>
+                        <a:schemeClr val="tx1"/>
+                      </a:solidFill>
+                      <a:prstDash val="solid"/>
+                      <a:round/>
+                      <a:headEnd type="none" w="med" len="med"/>
+                      <a:tailEnd type="none" w="med" len="med"/>
+                    </a:lnB>
+                    <a:lnTlToBr w="12700" cmpd="sng">
+                      <a:noFill/>
+                      <a:prstDash val="solid"/>
+                    </a:lnTlToBr>
+                    <a:lnBlToTr w="12700" cmpd="sng">
+                      <a:noFill/>
+                      <a:prstDash val="solid"/>
+                    </a:lnBlToTr>
+                    <a:noFill/>
+                  </a:tcPr>
+                </a:tc>
+                <a:tc>
+                  <a:txBody>
+                    <a:bodyPr/>
+                    <a:lstStyle/>
+                    <a:p>
+                      <a:pPr marL="0" indent="0">
+                        <a:buFont typeface="Arial" panose="020B0604020202020204" pitchFamily="34" charset="0"/>
+                        <a:buNone/>
+                      </a:pPr>
+                      <a:r>
+                        <a:rPr lang="en-US" sz="1200" cap="none" spc="0">
+                          <a:solidFill>
+                            <a:schemeClr val="tx1">
+                              <a:lumMod val="75000"/>
+                              <a:lumOff val="25000"/>
+                            </a:schemeClr>
+                          </a:solidFill>
+                        </a:rPr>
+                        <a:t>Yes</a:t>
+                      </a:r>
+                    </a:p>
+                  </a:txBody>
+                  <a:tcPr marL="151379" marR="69489" marT="75688" marB="75688">
+                    <a:lnL w="12700" cap="flat" cmpd="sng" algn="ctr">
+                      <a:solidFill>
+                        <a:schemeClr val="tx1"/>
+                      </a:solidFill>
+                      <a:prstDash val="solid"/>
+                      <a:round/>
+                      <a:headEnd type="none" w="med" len="med"/>
+                      <a:tailEnd type="none" w="med" len="med"/>
+                    </a:lnL>
+                    <a:lnR w="12700" cap="flat" cmpd="sng" algn="ctr">
+                      <a:solidFill>
+                        <a:schemeClr val="tx1"/>
+                      </a:solidFill>
+                      <a:prstDash val="solid"/>
+                      <a:round/>
+                      <a:headEnd type="none" w="med" len="med"/>
+                      <a:tailEnd type="none" w="med" len="med"/>
+                    </a:lnR>
+                    <a:lnT w="12700" cap="flat" cmpd="sng" algn="ctr">
+                      <a:solidFill>
+                        <a:schemeClr val="tx1"/>
+                      </a:solidFill>
+                      <a:prstDash val="solid"/>
+                      <a:round/>
+                      <a:headEnd type="none" w="med" len="med"/>
+                      <a:tailEnd type="none" w="med" len="med"/>
+                    </a:lnT>
+                    <a:lnB w="12700" cap="flat" cmpd="sng" algn="ctr">
+                      <a:solidFill>
+                        <a:schemeClr val="tx1"/>
+                      </a:solidFill>
+                      <a:prstDash val="solid"/>
+                      <a:round/>
+                      <a:headEnd type="none" w="med" len="med"/>
+                      <a:tailEnd type="none" w="med" len="med"/>
+                    </a:lnB>
+                    <a:lnTlToBr w="12700" cmpd="sng">
+                      <a:noFill/>
+                      <a:prstDash val="solid"/>
+                    </a:lnTlToBr>
+                    <a:lnBlToTr w="12700" cmpd="sng">
+                      <a:noFill/>
+                      <a:prstDash val="solid"/>
+                    </a:lnBlToTr>
+                    <a:noFill/>
+                  </a:tcPr>
+                </a:tc>
+                <a:tc>
+                  <a:txBody>
+                    <a:bodyPr/>
+                    <a:lstStyle/>
+                    <a:p>
+                      <a:pPr marL="0" indent="0">
+                        <a:buFont typeface="Arial" panose="020B0604020202020204" pitchFamily="34" charset="0"/>
+                        <a:buNone/>
+                      </a:pPr>
+                      <a:r>
+                        <a:rPr lang="en-US" sz="1200" cap="none" spc="0">
+                          <a:solidFill>
+                            <a:schemeClr val="tx1">
+                              <a:lumMod val="75000"/>
+                              <a:lumOff val="25000"/>
+                            </a:schemeClr>
+                          </a:solidFill>
+                        </a:rPr>
+                        <a:t>High-temp</a:t>
+                      </a:r>
+                    </a:p>
+                    <a:p>
+                      <a:pPr marL="0" indent="0">
+                        <a:buFont typeface="Arial" panose="020B0604020202020204" pitchFamily="34" charset="0"/>
+                        <a:buNone/>
+                      </a:pPr>
+                      <a:r>
+                        <a:rPr lang="en-US" sz="1200" cap="none" spc="0">
+                          <a:solidFill>
+                            <a:schemeClr val="tx1">
+                              <a:lumMod val="75000"/>
+                              <a:lumOff val="25000"/>
+                            </a:schemeClr>
+                          </a:solidFill>
+                        </a:rPr>
+                        <a:t>Array-level</a:t>
+                      </a:r>
+                    </a:p>
+                  </a:txBody>
+                  <a:tcPr marL="151379" marR="69489" marT="75688" marB="75688">
+                    <a:lnL w="12700" cap="flat" cmpd="sng" algn="ctr">
+                      <a:solidFill>
+                        <a:schemeClr val="tx1"/>
+                      </a:solidFill>
+                      <a:prstDash val="solid"/>
+                      <a:round/>
+                      <a:headEnd type="none" w="med" len="med"/>
+                      <a:tailEnd type="none" w="med" len="med"/>
+                    </a:lnL>
+                    <a:lnR w="12700" cap="flat" cmpd="sng" algn="ctr">
+                      <a:solidFill>
+                        <a:schemeClr val="tx1"/>
+                      </a:solidFill>
+                      <a:prstDash val="solid"/>
+                      <a:round/>
+                      <a:headEnd type="none" w="med" len="med"/>
+                      <a:tailEnd type="none" w="med" len="med"/>
+                    </a:lnR>
+                    <a:lnT w="12700" cap="flat" cmpd="sng" algn="ctr">
+                      <a:solidFill>
+                        <a:schemeClr val="tx1"/>
+                      </a:solidFill>
+                      <a:prstDash val="solid"/>
+                      <a:round/>
+                      <a:headEnd type="none" w="med" len="med"/>
+                      <a:tailEnd type="none" w="med" len="med"/>
+                    </a:lnT>
+                    <a:lnB w="12700" cap="flat" cmpd="sng" algn="ctr">
+                      <a:solidFill>
+                        <a:schemeClr val="tx1"/>
+                      </a:solidFill>
+                      <a:prstDash val="solid"/>
+                      <a:round/>
+                      <a:headEnd type="none" w="med" len="med"/>
+                      <a:tailEnd type="none" w="med" len="med"/>
+                    </a:lnB>
+                    <a:lnTlToBr w="12700" cmpd="sng">
+                      <a:noFill/>
+                      <a:prstDash val="solid"/>
+                    </a:lnTlToBr>
+                    <a:lnBlToTr w="12700" cmpd="sng">
+                      <a:noFill/>
+                      <a:prstDash val="solid"/>
+                    </a:lnBlToTr>
                     <a:noFill/>
                   </a:tcPr>
                 </a:tc>
@@ -26813,284 +28009,70 @@
                   </a:ext>
                 </a:extLst>
               </a:tr>
-              <a:tr h="291352">
+              <a:tr h="558241">
                 <a:tc>
                   <a:txBody>
                     <a:bodyPr/>
                     <a:lstStyle/>
                     <a:p>
                       <a:r>
-                        <a:rPr lang="en-US" sz="1100" cap="none" spc="0">
+                        <a:rPr lang="en-US" sz="1200" cap="none" spc="0" dirty="0">
                           <a:solidFill>
-                            <a:schemeClr val="tx1"/>
+                            <a:schemeClr val="tx1">
+                              <a:lumMod val="75000"/>
+                              <a:lumOff val="25000"/>
+                            </a:schemeClr>
                           </a:solidFill>
                         </a:rPr>
-                        <a:t>TED Binh</a:t>
+                        <a:t>[2]</a:t>
                       </a:r>
                     </a:p>
                   </a:txBody>
-                  <a:tcPr marL="68823" marR="68823" marT="68823" marB="34412">
-                    <a:lnL w="12700" cmpd="sng">
-                      <a:noFill/>
-                      <a:prstDash val="solid"/>
+                  <a:tcPr marL="151379" marR="69489" marT="75688" marB="75688">
+                    <a:lnL w="12700" cap="flat" cmpd="sng" algn="ctr">
+                      <a:solidFill>
+                        <a:schemeClr val="tx1"/>
+                      </a:solidFill>
+                      <a:prstDash val="solid"/>
+                      <a:round/>
+                      <a:headEnd type="none" w="med" len="med"/>
+                      <a:tailEnd type="none" w="med" len="med"/>
                     </a:lnL>
-                    <a:lnR w="12700" cmpd="sng">
-                      <a:noFill/>
-                      <a:prstDash val="solid"/>
+                    <a:lnR w="12700" cap="flat" cmpd="sng" algn="ctr">
+                      <a:solidFill>
+                        <a:schemeClr val="tx1"/>
+                      </a:solidFill>
+                      <a:prstDash val="solid"/>
+                      <a:round/>
+                      <a:headEnd type="none" w="med" len="med"/>
+                      <a:tailEnd type="none" w="med" len="med"/>
                     </a:lnR>
                     <a:lnT w="12700" cap="flat" cmpd="sng" algn="ctr">
-                      <a:noFill/>
-                      <a:prstDash val="solid"/>
-                    </a:lnT>
-                    <a:lnB w="12700" cmpd="sng">
-                      <a:noFill/>
-                      <a:prstDash val="solid"/>
-                    </a:lnB>
-                    <a:solidFill>
-                      <a:schemeClr val="bg1">
-                        <a:lumMod val="95000"/>
-                      </a:schemeClr>
-                    </a:solidFill>
-                  </a:tcPr>
-                </a:tc>
-                <a:tc>
-                  <a:txBody>
-                    <a:bodyPr/>
-                    <a:lstStyle/>
-                    <a:p>
-                      <a:r>
-                        <a:rPr lang="en-US" sz="1100" cap="none" spc="0">
-                          <a:solidFill>
-                            <a:schemeClr val="tx1"/>
-                          </a:solidFill>
-                        </a:rPr>
-                        <a:t>Yes</a:t>
-                      </a:r>
-                    </a:p>
-                  </a:txBody>
-                  <a:tcPr marL="68823" marR="68823" marT="68823" marB="34412">
-                    <a:lnL w="12700" cmpd="sng">
-                      <a:noFill/>
-                      <a:prstDash val="solid"/>
-                    </a:lnL>
-                    <a:lnR w="12700" cmpd="sng">
-                      <a:noFill/>
-                      <a:prstDash val="solid"/>
-                    </a:lnR>
-                    <a:lnT w="12700" cap="flat" cmpd="sng" algn="ctr">
-                      <a:noFill/>
-                      <a:prstDash val="solid"/>
-                    </a:lnT>
-                    <a:lnB w="12700" cmpd="sng">
-                      <a:noFill/>
-                      <a:prstDash val="solid"/>
-                    </a:lnB>
-                    <a:solidFill>
-                      <a:schemeClr val="bg1">
-                        <a:lumMod val="95000"/>
-                      </a:schemeClr>
-                    </a:solidFill>
-                  </a:tcPr>
-                </a:tc>
-                <a:tc>
-                  <a:txBody>
-                    <a:bodyPr/>
-                    <a:lstStyle/>
-                    <a:p>
-                      <a:r>
-                        <a:rPr lang="en-US" sz="1100" cap="none" spc="0">
-                          <a:solidFill>
-                            <a:schemeClr val="tx1"/>
-                          </a:solidFill>
-                        </a:rPr>
-                        <a:t>3</a:t>
-                      </a:r>
-                    </a:p>
-                  </a:txBody>
-                  <a:tcPr marL="68823" marR="68823" marT="68823" marB="34412">
-                    <a:lnL w="12700" cmpd="sng">
-                      <a:noFill/>
-                      <a:prstDash val="solid"/>
-                    </a:lnL>
-                    <a:lnR w="12700" cmpd="sng">
-                      <a:noFill/>
-                      <a:prstDash val="solid"/>
-                    </a:lnR>
-                    <a:lnT w="12700" cap="flat" cmpd="sng" algn="ctr">
-                      <a:noFill/>
-                      <a:prstDash val="solid"/>
-                    </a:lnT>
-                    <a:lnB w="12700" cmpd="sng">
-                      <a:noFill/>
-                      <a:prstDash val="solid"/>
-                    </a:lnB>
-                    <a:solidFill>
-                      <a:schemeClr val="bg1">
-                        <a:lumMod val="95000"/>
-                      </a:schemeClr>
-                    </a:solidFill>
-                  </a:tcPr>
-                </a:tc>
-                <a:tc>
-                  <a:txBody>
-                    <a:bodyPr/>
-                    <a:lstStyle/>
-                    <a:p>
-                      <a:r>
-                        <a:rPr lang="en-US" sz="1100" cap="none" spc="0">
-                          <a:solidFill>
-                            <a:schemeClr val="tx1"/>
-                          </a:solidFill>
-                        </a:rPr>
-                        <a:t>7,746</a:t>
-                      </a:r>
-                    </a:p>
-                  </a:txBody>
-                  <a:tcPr marL="68823" marR="68823" marT="68823" marB="34412">
-                    <a:lnL w="12700" cmpd="sng">
-                      <a:noFill/>
-                      <a:prstDash val="solid"/>
-                    </a:lnL>
-                    <a:lnR w="12700" cmpd="sng">
-                      <a:noFill/>
-                      <a:prstDash val="solid"/>
-                    </a:lnR>
-                    <a:lnT w="12700" cap="flat" cmpd="sng" algn="ctr">
-                      <a:noFill/>
-                      <a:prstDash val="solid"/>
-                    </a:lnT>
-                    <a:lnB w="12700" cmpd="sng">
-                      <a:noFill/>
-                      <a:prstDash val="solid"/>
-                    </a:lnB>
-                    <a:solidFill>
-                      <a:schemeClr val="bg1">
-                        <a:lumMod val="95000"/>
-                      </a:schemeClr>
-                    </a:solidFill>
-                  </a:tcPr>
-                </a:tc>
-                <a:tc>
-                  <a:txBody>
-                    <a:bodyPr/>
-                    <a:lstStyle/>
-                    <a:p>
-                      <a:r>
-                        <a:rPr lang="en-US" sz="1100" cap="none" spc="0">
-                          <a:solidFill>
-                            <a:schemeClr val="tx1"/>
-                          </a:solidFill>
-                        </a:rPr>
-                        <a:t>Yes</a:t>
-                      </a:r>
-                    </a:p>
-                  </a:txBody>
-                  <a:tcPr marL="68823" marR="68823" marT="68823" marB="34412">
-                    <a:lnL w="12700" cmpd="sng">
-                      <a:noFill/>
-                      <a:prstDash val="solid"/>
-                    </a:lnL>
-                    <a:lnR w="12700" cmpd="sng">
-                      <a:noFill/>
-                      <a:prstDash val="solid"/>
-                    </a:lnR>
-                    <a:lnT w="12700" cap="flat" cmpd="sng" algn="ctr">
-                      <a:noFill/>
-                      <a:prstDash val="solid"/>
-                    </a:lnT>
-                    <a:lnB w="12700" cmpd="sng">
-                      <a:noFill/>
-                      <a:prstDash val="solid"/>
-                    </a:lnB>
-                    <a:solidFill>
-                      <a:schemeClr val="bg1">
-                        <a:lumMod val="95000"/>
-                      </a:schemeClr>
-                    </a:solidFill>
-                  </a:tcPr>
-                </a:tc>
-                <a:tc>
-                  <a:txBody>
-                    <a:bodyPr/>
-                    <a:lstStyle/>
-                    <a:p>
-                      <a:pPr marL="285750" indent="-285750">
-                        <a:buFont typeface="Arial" panose="020B0604020202020204" pitchFamily="34" charset="0"/>
-                        <a:buChar char="•"/>
-                      </a:pPr>
-                      <a:r>
-                        <a:rPr lang="en-US" sz="1100" cap="none" spc="0">
-                          <a:solidFill>
-                            <a:schemeClr val="tx1"/>
-                          </a:solidFill>
-                        </a:rPr>
-                        <a:t>Endurance</a:t>
-                      </a:r>
-                    </a:p>
-                  </a:txBody>
-                  <a:tcPr marL="68823" marR="68823" marT="68823" marB="34412">
-                    <a:lnL w="12700" cmpd="sng">
-                      <a:noFill/>
-                      <a:prstDash val="solid"/>
-                    </a:lnL>
-                    <a:lnR w="12700" cmpd="sng">
-                      <a:noFill/>
-                      <a:prstDash val="solid"/>
-                    </a:lnR>
-                    <a:lnT w="12700" cap="flat" cmpd="sng" algn="ctr">
-                      <a:noFill/>
-                      <a:prstDash val="solid"/>
-                    </a:lnT>
-                    <a:lnB w="12700" cmpd="sng">
-                      <a:noFill/>
-                      <a:prstDash val="solid"/>
-                    </a:lnB>
-                    <a:solidFill>
-                      <a:schemeClr val="bg1">
-                        <a:lumMod val="95000"/>
-                      </a:schemeClr>
-                    </a:solidFill>
-                  </a:tcPr>
-                </a:tc>
-                <a:extLst>
-                  <a:ext uri="{0D108BD9-81ED-4DB2-BD59-A6C34878D82A}">
-                    <a16:rowId xmlns:a16="http://schemas.microsoft.com/office/drawing/2014/main" val="970114625"/>
-                  </a:ext>
-                </a:extLst>
-              </a:tr>
-              <a:tr h="451939">
-                <a:tc>
-                  <a:txBody>
-                    <a:bodyPr/>
-                    <a:lstStyle/>
-                    <a:p>
-                      <a:r>
-                        <a:rPr lang="en-US" sz="1100" cap="none" spc="0">
-                          <a:solidFill>
-                            <a:schemeClr val="tx1"/>
-                          </a:solidFill>
-                        </a:rPr>
-                        <a:t>(1)</a:t>
-                      </a:r>
-                    </a:p>
-                  </a:txBody>
-                  <a:tcPr marL="68823" marR="68823" marT="68823" marB="34412">
-                    <a:lnL w="12700" cmpd="sng">
-                      <a:noFill/>
-                      <a:prstDash val="solid"/>
-                    </a:lnL>
-                    <a:lnR w="12700" cmpd="sng">
-                      <a:noFill/>
-                      <a:prstDash val="solid"/>
-                    </a:lnR>
-                    <a:lnT w="12700" cmpd="sng">
-                      <a:noFill/>
-                      <a:prstDash val="solid"/>
+                      <a:solidFill>
+                        <a:schemeClr val="tx1"/>
+                      </a:solidFill>
+                      <a:prstDash val="solid"/>
+                      <a:round/>
+                      <a:headEnd type="none" w="med" len="med"/>
+                      <a:tailEnd type="none" w="med" len="med"/>
                     </a:lnT>
                     <a:lnB w="12700" cap="flat" cmpd="sng" algn="ctr">
+                      <a:solidFill>
+                        <a:schemeClr val="tx1"/>
+                      </a:solidFill>
+                      <a:prstDash val="solid"/>
+                      <a:round/>
+                      <a:headEnd type="none" w="med" len="med"/>
+                      <a:tailEnd type="none" w="med" len="med"/>
+                    </a:lnB>
+                    <a:lnTlToBr w="12700" cmpd="sng">
                       <a:noFill/>
                       <a:prstDash val="solid"/>
-                    </a:lnB>
+                    </a:lnTlToBr>
+                    <a:lnBlToTr w="12700" cmpd="sng">
+                      <a:noFill/>
+                      <a:prstDash val="solid"/>
+                    </a:lnBlToTr>
                     <a:noFill/>
                   </a:tcPr>
                 </a:tc>
@@ -27100,32 +28082,63 @@
                     <a:lstStyle/>
                     <a:p>
                       <a:r>
-                        <a:rPr lang="en-US" sz="1100" cap="none" spc="0">
+                        <a:rPr lang="en-US" sz="1200" cap="none" spc="0" dirty="0">
                           <a:solidFill>
-                            <a:schemeClr val="tx1"/>
+                            <a:schemeClr val="tx1">
+                              <a:lumMod val="75000"/>
+                              <a:lumOff val="25000"/>
+                            </a:schemeClr>
                           </a:solidFill>
                         </a:rPr>
-                        <a:t>No</a:t>
+                        <a:t>FPPV</a:t>
                       </a:r>
                     </a:p>
                   </a:txBody>
-                  <a:tcPr marL="68823" marR="68823" marT="68823" marB="34412">
-                    <a:lnL w="12700" cmpd="sng">
-                      <a:noFill/>
-                      <a:prstDash val="solid"/>
+                  <a:tcPr marL="151379" marR="69489" marT="75688" marB="75688">
+                    <a:lnL w="12700" cap="flat" cmpd="sng" algn="ctr">
+                      <a:solidFill>
+                        <a:schemeClr val="tx1"/>
+                      </a:solidFill>
+                      <a:prstDash val="solid"/>
+                      <a:round/>
+                      <a:headEnd type="none" w="med" len="med"/>
+                      <a:tailEnd type="none" w="med" len="med"/>
                     </a:lnL>
-                    <a:lnR w="12700" cmpd="sng">
-                      <a:noFill/>
-                      <a:prstDash val="solid"/>
+                    <a:lnR w="12700" cap="flat" cmpd="sng" algn="ctr">
+                      <a:solidFill>
+                        <a:schemeClr val="tx1"/>
+                      </a:solidFill>
+                      <a:prstDash val="solid"/>
+                      <a:round/>
+                      <a:headEnd type="none" w="med" len="med"/>
+                      <a:tailEnd type="none" w="med" len="med"/>
                     </a:lnR>
-                    <a:lnT w="12700" cmpd="sng">
-                      <a:noFill/>
-                      <a:prstDash val="solid"/>
+                    <a:lnT w="12700" cap="flat" cmpd="sng" algn="ctr">
+                      <a:solidFill>
+                        <a:schemeClr val="tx1"/>
+                      </a:solidFill>
+                      <a:prstDash val="solid"/>
+                      <a:round/>
+                      <a:headEnd type="none" w="med" len="med"/>
+                      <a:tailEnd type="none" w="med" len="med"/>
                     </a:lnT>
                     <a:lnB w="12700" cap="flat" cmpd="sng" algn="ctr">
+                      <a:solidFill>
+                        <a:schemeClr val="tx1"/>
+                      </a:solidFill>
+                      <a:prstDash val="solid"/>
+                      <a:round/>
+                      <a:headEnd type="none" w="med" len="med"/>
+                      <a:tailEnd type="none" w="med" len="med"/>
+                    </a:lnB>
+                    <a:lnTlToBr w="12700" cmpd="sng">
                       <a:noFill/>
                       <a:prstDash val="solid"/>
-                    </a:lnB>
+                    </a:lnTlToBr>
+                    <a:lnBlToTr w="12700" cmpd="sng">
+                      <a:noFill/>
+                      <a:prstDash val="solid"/>
+                    </a:lnBlToTr>
                     <a:noFill/>
                   </a:tcPr>
                 </a:tc>
@@ -27135,32 +28148,63 @@
                     <a:lstStyle/>
                     <a:p>
                       <a:r>
-                        <a:rPr lang="en-US" sz="1100" cap="none" spc="0">
+                        <a:rPr lang="en-US" sz="1200" cap="none" spc="0" dirty="0">
                           <a:solidFill>
-                            <a:schemeClr val="tx1"/>
+                            <a:schemeClr val="tx1">
+                              <a:lumMod val="75000"/>
+                              <a:lumOff val="25000"/>
+                            </a:schemeClr>
                           </a:solidFill>
                         </a:rPr>
-                        <a:t>2</a:t>
+                        <a:t>No</a:t>
                       </a:r>
                     </a:p>
                   </a:txBody>
-                  <a:tcPr marL="68823" marR="68823" marT="68823" marB="34412">
-                    <a:lnL w="12700" cmpd="sng">
-                      <a:noFill/>
-                      <a:prstDash val="solid"/>
+                  <a:tcPr marL="151379" marR="69489" marT="75688" marB="75688">
+                    <a:lnL w="12700" cap="flat" cmpd="sng" algn="ctr">
+                      <a:solidFill>
+                        <a:schemeClr val="tx1"/>
+                      </a:solidFill>
+                      <a:prstDash val="solid"/>
+                      <a:round/>
+                      <a:headEnd type="none" w="med" len="med"/>
+                      <a:tailEnd type="none" w="med" len="med"/>
                     </a:lnL>
-                    <a:lnR w="12700" cmpd="sng">
-                      <a:noFill/>
-                      <a:prstDash val="solid"/>
+                    <a:lnR w="12700" cap="flat" cmpd="sng" algn="ctr">
+                      <a:solidFill>
+                        <a:schemeClr val="tx1"/>
+                      </a:solidFill>
+                      <a:prstDash val="solid"/>
+                      <a:round/>
+                      <a:headEnd type="none" w="med" len="med"/>
+                      <a:tailEnd type="none" w="med" len="med"/>
                     </a:lnR>
-                    <a:lnT w="12700" cmpd="sng">
-                      <a:noFill/>
-                      <a:prstDash val="solid"/>
+                    <a:lnT w="12700" cap="flat" cmpd="sng" algn="ctr">
+                      <a:solidFill>
+                        <a:schemeClr val="tx1"/>
+                      </a:solidFill>
+                      <a:prstDash val="solid"/>
+                      <a:round/>
+                      <a:headEnd type="none" w="med" len="med"/>
+                      <a:tailEnd type="none" w="med" len="med"/>
                     </a:lnT>
                     <a:lnB w="12700" cap="flat" cmpd="sng" algn="ctr">
+                      <a:solidFill>
+                        <a:schemeClr val="tx1"/>
+                      </a:solidFill>
+                      <a:prstDash val="solid"/>
+                      <a:round/>
+                      <a:headEnd type="none" w="med" len="med"/>
+                      <a:tailEnd type="none" w="med" len="med"/>
+                    </a:lnB>
+                    <a:lnTlToBr w="12700" cmpd="sng">
                       <a:noFill/>
                       <a:prstDash val="solid"/>
-                    </a:lnB>
+                    </a:lnTlToBr>
+                    <a:lnBlToTr w="12700" cmpd="sng">
+                      <a:noFill/>
+                      <a:prstDash val="solid"/>
+                    </a:lnBlToTr>
                     <a:noFill/>
                   </a:tcPr>
                 </a:tc>
@@ -27170,32 +28214,63 @@
                     <a:lstStyle/>
                     <a:p>
                       <a:r>
-                        <a:rPr lang="en-US" sz="1100" cap="none" spc="0">
+                        <a:rPr lang="en-US" sz="1200" cap="none" spc="0" dirty="0">
                           <a:solidFill>
-                            <a:schemeClr val="tx1"/>
+                            <a:schemeClr val="tx1">
+                              <a:lumMod val="75000"/>
+                              <a:lumOff val="25000"/>
+                            </a:schemeClr>
                           </a:solidFill>
                         </a:rPr>
-                        <a:t>Single cell</a:t>
+                        <a:t>2</a:t>
                       </a:r>
                     </a:p>
                   </a:txBody>
-                  <a:tcPr marL="68823" marR="68823" marT="68823" marB="34412">
-                    <a:lnL w="12700" cmpd="sng">
-                      <a:noFill/>
-                      <a:prstDash val="solid"/>
+                  <a:tcPr marL="151379" marR="69489" marT="75688" marB="75688">
+                    <a:lnL w="12700" cap="flat" cmpd="sng" algn="ctr">
+                      <a:solidFill>
+                        <a:schemeClr val="tx1"/>
+                      </a:solidFill>
+                      <a:prstDash val="solid"/>
+                      <a:round/>
+                      <a:headEnd type="none" w="med" len="med"/>
+                      <a:tailEnd type="none" w="med" len="med"/>
                     </a:lnL>
-                    <a:lnR w="12700" cmpd="sng">
-                      <a:noFill/>
-                      <a:prstDash val="solid"/>
+                    <a:lnR w="12700" cap="flat" cmpd="sng" algn="ctr">
+                      <a:solidFill>
+                        <a:schemeClr val="tx1"/>
+                      </a:solidFill>
+                      <a:prstDash val="solid"/>
+                      <a:round/>
+                      <a:headEnd type="none" w="med" len="med"/>
+                      <a:tailEnd type="none" w="med" len="med"/>
                     </a:lnR>
-                    <a:lnT w="12700" cmpd="sng">
-                      <a:noFill/>
-                      <a:prstDash val="solid"/>
+                    <a:lnT w="12700" cap="flat" cmpd="sng" algn="ctr">
+                      <a:solidFill>
+                        <a:schemeClr val="tx1"/>
+                      </a:solidFill>
+                      <a:prstDash val="solid"/>
+                      <a:round/>
+                      <a:headEnd type="none" w="med" len="med"/>
+                      <a:tailEnd type="none" w="med" len="med"/>
                     </a:lnT>
                     <a:lnB w="12700" cap="flat" cmpd="sng" algn="ctr">
+                      <a:solidFill>
+                        <a:schemeClr val="tx1"/>
+                      </a:solidFill>
+                      <a:prstDash val="solid"/>
+                      <a:round/>
+                      <a:headEnd type="none" w="med" len="med"/>
+                      <a:tailEnd type="none" w="med" len="med"/>
+                    </a:lnB>
+                    <a:lnTlToBr w="12700" cmpd="sng">
                       <a:noFill/>
                       <a:prstDash val="solid"/>
-                    </a:lnB>
+                    </a:lnTlToBr>
+                    <a:lnBlToTr w="12700" cmpd="sng">
+                      <a:noFill/>
+                      <a:prstDash val="solid"/>
+                    </a:lnBlToTr>
                     <a:noFill/>
                   </a:tcPr>
                 </a:tc>
@@ -27205,386 +28280,63 @@
                     <a:lstStyle/>
                     <a:p>
                       <a:r>
-                        <a:rPr lang="en-US" sz="1100" cap="none" spc="0">
+                        <a:rPr lang="en-US" sz="1200" cap="none" spc="0">
                           <a:solidFill>
-                            <a:schemeClr val="tx1"/>
-                          </a:solidFill>
-                        </a:rPr>
-                        <a:t>No</a:t>
-                      </a:r>
-                    </a:p>
-                  </a:txBody>
-                  <a:tcPr marL="68823" marR="68823" marT="68823" marB="34412">
-                    <a:lnL w="12700" cmpd="sng">
-                      <a:noFill/>
-                      <a:prstDash val="solid"/>
-                    </a:lnL>
-                    <a:lnR w="12700" cmpd="sng">
-                      <a:noFill/>
-                      <a:prstDash val="solid"/>
-                    </a:lnR>
-                    <a:lnT w="12700" cmpd="sng">
-                      <a:noFill/>
-                      <a:prstDash val="solid"/>
-                    </a:lnT>
-                    <a:lnB w="12700" cap="flat" cmpd="sng" algn="ctr">
-                      <a:noFill/>
-                      <a:prstDash val="solid"/>
-                    </a:lnB>
-                    <a:noFill/>
-                  </a:tcPr>
-                </a:tc>
-                <a:tc>
-                  <a:txBody>
-                    <a:bodyPr/>
-                    <a:lstStyle/>
-                    <a:p>
-                      <a:pPr marL="285750" indent="-285750">
-                        <a:buFont typeface="Arial" panose="020B0604020202020204" pitchFamily="34" charset="0"/>
-                        <a:buChar char="•"/>
-                      </a:pPr>
-                      <a:r>
-                        <a:rPr lang="en-US" sz="1100" cap="none" spc="0">
-                          <a:solidFill>
-                            <a:schemeClr val="tx1"/>
-                          </a:solidFill>
-                        </a:rPr>
-                        <a:t>Endurance</a:t>
-                      </a:r>
-                    </a:p>
-                    <a:p>
-                      <a:pPr marL="285750" indent="-285750">
-                        <a:buFont typeface="Arial" panose="020B0604020202020204" pitchFamily="34" charset="0"/>
-                        <a:buChar char="•"/>
-                      </a:pPr>
-                      <a:r>
-                        <a:rPr lang="en-US" sz="1100" cap="none" spc="0">
-                          <a:solidFill>
-                            <a:schemeClr val="tx1"/>
-                          </a:solidFill>
-                        </a:rPr>
-                        <a:t>Retention: single-cell, high-temp</a:t>
-                      </a:r>
-                    </a:p>
-                  </a:txBody>
-                  <a:tcPr marL="68823" marR="68823" marT="68823" marB="34412">
-                    <a:lnL w="12700" cmpd="sng">
-                      <a:noFill/>
-                      <a:prstDash val="solid"/>
-                    </a:lnL>
-                    <a:lnR w="12700" cmpd="sng">
-                      <a:noFill/>
-                      <a:prstDash val="solid"/>
-                    </a:lnR>
-                    <a:lnT w="12700" cmpd="sng">
-                      <a:noFill/>
-                      <a:prstDash val="solid"/>
-                    </a:lnT>
-                    <a:lnB w="12700" cap="flat" cmpd="sng" algn="ctr">
-                      <a:noFill/>
-                      <a:prstDash val="solid"/>
-                    </a:lnB>
-                    <a:noFill/>
-                  </a:tcPr>
-                </a:tc>
-                <a:extLst>
-                  <a:ext uri="{0D108BD9-81ED-4DB2-BD59-A6C34878D82A}">
-                    <a16:rowId xmlns:a16="http://schemas.microsoft.com/office/drawing/2014/main" val="3641072792"/>
-                  </a:ext>
-                </a:extLst>
-              </a:tr>
-              <a:tr h="451939">
-                <a:tc>
-                  <a:txBody>
-                    <a:bodyPr/>
-                    <a:lstStyle/>
-                    <a:p>
-                      <a:r>
-                        <a:rPr lang="en-US" sz="1100" cap="none" spc="0">
-                          <a:solidFill>
-                            <a:schemeClr val="tx1"/>
-                          </a:solidFill>
-                        </a:rPr>
-                        <a:t>(2)</a:t>
-                      </a:r>
-                    </a:p>
-                  </a:txBody>
-                  <a:tcPr marL="68823" marR="68823" marT="68823" marB="34412">
-                    <a:lnL w="12700" cmpd="sng">
-                      <a:noFill/>
-                      <a:prstDash val="solid"/>
-                    </a:lnL>
-                    <a:lnR w="12700" cmpd="sng">
-                      <a:noFill/>
-                      <a:prstDash val="solid"/>
-                    </a:lnR>
-                    <a:lnT w="12700" cap="flat" cmpd="sng" algn="ctr">
-                      <a:noFill/>
-                      <a:prstDash val="solid"/>
-                    </a:lnT>
-                    <a:lnB w="12700" cmpd="sng">
-                      <a:noFill/>
-                      <a:prstDash val="solid"/>
-                    </a:lnB>
-                    <a:solidFill>
-                      <a:schemeClr val="bg1">
-                        <a:lumMod val="95000"/>
-                      </a:schemeClr>
-                    </a:solidFill>
-                  </a:tcPr>
-                </a:tc>
-                <a:tc>
-                  <a:txBody>
-                    <a:bodyPr/>
-                    <a:lstStyle/>
-                    <a:p>
-                      <a:r>
-                        <a:rPr lang="en-US" sz="1100" cap="none" spc="0">
-                          <a:solidFill>
-                            <a:schemeClr val="tx1"/>
-                          </a:solidFill>
-                        </a:rPr>
-                        <a:t>No</a:t>
-                      </a:r>
-                    </a:p>
-                  </a:txBody>
-                  <a:tcPr marL="68823" marR="68823" marT="68823" marB="34412">
-                    <a:lnL w="12700" cmpd="sng">
-                      <a:noFill/>
-                      <a:prstDash val="solid"/>
-                    </a:lnL>
-                    <a:lnR w="12700" cmpd="sng">
-                      <a:noFill/>
-                      <a:prstDash val="solid"/>
-                    </a:lnR>
-                    <a:lnT w="12700" cap="flat" cmpd="sng" algn="ctr">
-                      <a:noFill/>
-                      <a:prstDash val="solid"/>
-                    </a:lnT>
-                    <a:lnB w="12700" cmpd="sng">
-                      <a:noFill/>
-                      <a:prstDash val="solid"/>
-                    </a:lnB>
-                    <a:solidFill>
-                      <a:schemeClr val="bg1">
-                        <a:lumMod val="95000"/>
-                      </a:schemeClr>
-                    </a:solidFill>
-                  </a:tcPr>
-                </a:tc>
-                <a:tc>
-                  <a:txBody>
-                    <a:bodyPr/>
-                    <a:lstStyle/>
-                    <a:p>
-                      <a:r>
-                        <a:rPr lang="en-US" sz="1100" cap="none" spc="0">
-                          <a:solidFill>
-                            <a:schemeClr val="tx1"/>
-                          </a:solidFill>
-                        </a:rPr>
-                        <a:t>3</a:t>
-                      </a:r>
-                    </a:p>
-                  </a:txBody>
-                  <a:tcPr marL="68823" marR="68823" marT="68823" marB="34412">
-                    <a:lnL w="12700" cmpd="sng">
-                      <a:noFill/>
-                      <a:prstDash val="solid"/>
-                    </a:lnL>
-                    <a:lnR w="12700" cmpd="sng">
-                      <a:noFill/>
-                      <a:prstDash val="solid"/>
-                    </a:lnR>
-                    <a:lnT w="12700" cap="flat" cmpd="sng" algn="ctr">
-                      <a:noFill/>
-                      <a:prstDash val="solid"/>
-                    </a:lnT>
-                    <a:lnB w="12700" cmpd="sng">
-                      <a:noFill/>
-                      <a:prstDash val="solid"/>
-                    </a:lnB>
-                    <a:solidFill>
-                      <a:schemeClr val="bg1">
-                        <a:lumMod val="95000"/>
-                      </a:schemeClr>
-                    </a:solidFill>
-                  </a:tcPr>
-                </a:tc>
-                <a:tc>
-                  <a:txBody>
-                    <a:bodyPr/>
-                    <a:lstStyle/>
-                    <a:p>
-                      <a:r>
-                        <a:rPr lang="en-US" sz="1100" cap="none" spc="0">
-                          <a:solidFill>
-                            <a:schemeClr val="tx1"/>
+                            <a:schemeClr val="tx1">
+                              <a:lumMod val="75000"/>
+                              <a:lumOff val="25000"/>
+                            </a:schemeClr>
                           </a:solidFill>
                         </a:rPr>
                         <a:t>Single cell</a:t>
                       </a:r>
                     </a:p>
                   </a:txBody>
-                  <a:tcPr marL="68823" marR="68823" marT="68823" marB="34412">
-                    <a:lnL w="12700" cmpd="sng">
-                      <a:noFill/>
-                      <a:prstDash val="solid"/>
+                  <a:tcPr marL="151379" marR="69489" marT="75688" marB="75688">
+                    <a:lnL w="12700" cap="flat" cmpd="sng" algn="ctr">
+                      <a:solidFill>
+                        <a:schemeClr val="tx1"/>
+                      </a:solidFill>
+                      <a:prstDash val="solid"/>
+                      <a:round/>
+                      <a:headEnd type="none" w="med" len="med"/>
+                      <a:tailEnd type="none" w="med" len="med"/>
                     </a:lnL>
-                    <a:lnR w="12700" cmpd="sng">
-                      <a:noFill/>
-                      <a:prstDash val="solid"/>
+                    <a:lnR w="12700" cap="flat" cmpd="sng" algn="ctr">
+                      <a:solidFill>
+                        <a:schemeClr val="tx1"/>
+                      </a:solidFill>
+                      <a:prstDash val="solid"/>
+                      <a:round/>
+                      <a:headEnd type="none" w="med" len="med"/>
+                      <a:tailEnd type="none" w="med" len="med"/>
                     </a:lnR>
                     <a:lnT w="12700" cap="flat" cmpd="sng" algn="ctr">
-                      <a:noFill/>
-                      <a:prstDash val="solid"/>
-                    </a:lnT>
-                    <a:lnB w="12700" cmpd="sng">
-                      <a:noFill/>
-                      <a:prstDash val="solid"/>
-                    </a:lnB>
-                    <a:solidFill>
-                      <a:schemeClr val="bg1">
-                        <a:lumMod val="95000"/>
-                      </a:schemeClr>
-                    </a:solidFill>
-                  </a:tcPr>
-                </a:tc>
-                <a:tc>
-                  <a:txBody>
-                    <a:bodyPr/>
-                    <a:lstStyle/>
-                    <a:p>
-                      <a:r>
-                        <a:rPr lang="en-US" sz="1100" cap="none" spc="0">
-                          <a:solidFill>
-                            <a:schemeClr val="tx1"/>
-                          </a:solidFill>
-                        </a:rPr>
-                        <a:t>No</a:t>
-                      </a:r>
-                    </a:p>
-                  </a:txBody>
-                  <a:tcPr marL="68823" marR="68823" marT="68823" marB="34412">
-                    <a:lnL w="12700" cmpd="sng">
-                      <a:noFill/>
-                      <a:prstDash val="solid"/>
-                    </a:lnL>
-                    <a:lnR w="12700" cmpd="sng">
-                      <a:noFill/>
-                      <a:prstDash val="solid"/>
-                    </a:lnR>
-                    <a:lnT w="12700" cap="flat" cmpd="sng" algn="ctr">
-                      <a:noFill/>
-                      <a:prstDash val="solid"/>
-                    </a:lnT>
-                    <a:lnB w="12700" cmpd="sng">
-                      <a:noFill/>
-                      <a:prstDash val="solid"/>
-                    </a:lnB>
-                    <a:solidFill>
-                      <a:schemeClr val="bg1">
-                        <a:lumMod val="95000"/>
-                      </a:schemeClr>
-                    </a:solidFill>
-                  </a:tcPr>
-                </a:tc>
-                <a:tc>
-                  <a:txBody>
-                    <a:bodyPr/>
-                    <a:lstStyle/>
-                    <a:p>
-                      <a:pPr marL="285750" indent="-285750">
-                        <a:buFont typeface="Arial" panose="020B0604020202020204" pitchFamily="34" charset="0"/>
-                        <a:buChar char="•"/>
-                      </a:pPr>
-                      <a:r>
-                        <a:rPr lang="en-US" sz="1100" cap="none" spc="0">
-                          <a:solidFill>
-                            <a:schemeClr val="tx1"/>
-                          </a:solidFill>
-                        </a:rPr>
-                        <a:t>Endurance</a:t>
-                      </a:r>
-                    </a:p>
-                    <a:p>
-                      <a:pPr marL="285750" indent="-285750">
-                        <a:buFont typeface="Arial" panose="020B0604020202020204" pitchFamily="34" charset="0"/>
-                        <a:buChar char="•"/>
-                      </a:pPr>
-                      <a:r>
-                        <a:rPr lang="en-US" sz="1100" cap="none" spc="0">
-                          <a:solidFill>
-                            <a:schemeClr val="tx1"/>
-                          </a:solidFill>
-                        </a:rPr>
-                        <a:t>Retention: single-cell, high-temp</a:t>
-                      </a:r>
-                    </a:p>
-                  </a:txBody>
-                  <a:tcPr marL="68823" marR="68823" marT="68823" marB="34412">
-                    <a:lnL w="12700" cmpd="sng">
-                      <a:noFill/>
-                      <a:prstDash val="solid"/>
-                    </a:lnL>
-                    <a:lnR w="12700" cmpd="sng">
-                      <a:noFill/>
-                      <a:prstDash val="solid"/>
-                    </a:lnR>
-                    <a:lnT w="12700" cap="flat" cmpd="sng" algn="ctr">
-                      <a:noFill/>
-                      <a:prstDash val="solid"/>
-                    </a:lnT>
-                    <a:lnB w="12700" cmpd="sng">
-                      <a:noFill/>
-                      <a:prstDash val="solid"/>
-                    </a:lnB>
-                    <a:solidFill>
-                      <a:schemeClr val="bg1">
-                        <a:lumMod val="95000"/>
-                      </a:schemeClr>
-                    </a:solidFill>
-                  </a:tcPr>
-                </a:tc>
-                <a:extLst>
-                  <a:ext uri="{0D108BD9-81ED-4DB2-BD59-A6C34878D82A}">
-                    <a16:rowId xmlns:a16="http://schemas.microsoft.com/office/drawing/2014/main" val="401124341"/>
-                  </a:ext>
-                </a:extLst>
-              </a:tr>
-              <a:tr h="451939">
-                <a:tc>
-                  <a:txBody>
-                    <a:bodyPr/>
-                    <a:lstStyle/>
-                    <a:p>
-                      <a:r>
-                        <a:rPr lang="en-US" sz="1100" cap="none" spc="0">
-                          <a:solidFill>
-                            <a:schemeClr val="tx1"/>
-                          </a:solidFill>
-                        </a:rPr>
-                        <a:t>(3)</a:t>
-                      </a:r>
-                    </a:p>
-                  </a:txBody>
-                  <a:tcPr marL="68823" marR="68823" marT="68823" marB="34412">
-                    <a:lnL w="12700" cmpd="sng">
-                      <a:noFill/>
-                      <a:prstDash val="solid"/>
-                    </a:lnL>
-                    <a:lnR w="12700" cmpd="sng">
-                      <a:noFill/>
-                      <a:prstDash val="solid"/>
-                    </a:lnR>
-                    <a:lnT w="12700" cmpd="sng">
-                      <a:noFill/>
-                      <a:prstDash val="solid"/>
+                      <a:solidFill>
+                        <a:schemeClr val="tx1"/>
+                      </a:solidFill>
+                      <a:prstDash val="solid"/>
+                      <a:round/>
+                      <a:headEnd type="none" w="med" len="med"/>
+                      <a:tailEnd type="none" w="med" len="med"/>
                     </a:lnT>
                     <a:lnB w="12700" cap="flat" cmpd="sng" algn="ctr">
+                      <a:solidFill>
+                        <a:schemeClr val="tx1"/>
+                      </a:solidFill>
+                      <a:prstDash val="solid"/>
+                      <a:round/>
+                      <a:headEnd type="none" w="med" len="med"/>
+                      <a:tailEnd type="none" w="med" len="med"/>
+                    </a:lnB>
+                    <a:lnTlToBr w="12700" cmpd="sng">
                       <a:noFill/>
                       <a:prstDash val="solid"/>
-                    </a:lnB>
+                    </a:lnTlToBr>
+                    <a:lnBlToTr w="12700" cmpd="sng">
+                      <a:noFill/>
+                      <a:prstDash val="solid"/>
+                    </a:lnBlToTr>
                     <a:noFill/>
                   </a:tcPr>
                 </a:tc>
@@ -27594,32 +28346,276 @@
                     <a:lstStyle/>
                     <a:p>
                       <a:r>
-                        <a:rPr lang="en-US" sz="1100" cap="none" spc="0">
+                        <a:rPr lang="en-US" sz="1200" cap="none" spc="0" dirty="0">
                           <a:solidFill>
-                            <a:schemeClr val="tx1"/>
+                            <a:schemeClr val="tx1">
+                              <a:lumMod val="75000"/>
+                              <a:lumOff val="25000"/>
+                            </a:schemeClr>
                           </a:solidFill>
                         </a:rPr>
                         <a:t>No</a:t>
                       </a:r>
                     </a:p>
                   </a:txBody>
-                  <a:tcPr marL="68823" marR="68823" marT="68823" marB="34412">
-                    <a:lnL w="12700" cmpd="sng">
-                      <a:noFill/>
-                      <a:prstDash val="solid"/>
+                  <a:tcPr marL="151379" marR="69489" marT="75688" marB="75688">
+                    <a:lnL w="12700" cap="flat" cmpd="sng" algn="ctr">
+                      <a:solidFill>
+                        <a:schemeClr val="tx1"/>
+                      </a:solidFill>
+                      <a:prstDash val="solid"/>
+                      <a:round/>
+                      <a:headEnd type="none" w="med" len="med"/>
+                      <a:tailEnd type="none" w="med" len="med"/>
                     </a:lnL>
-                    <a:lnR w="12700" cmpd="sng">
-                      <a:noFill/>
-                      <a:prstDash val="solid"/>
+                    <a:lnR w="12700" cap="flat" cmpd="sng" algn="ctr">
+                      <a:solidFill>
+                        <a:schemeClr val="tx1"/>
+                      </a:solidFill>
+                      <a:prstDash val="solid"/>
+                      <a:round/>
+                      <a:headEnd type="none" w="med" len="med"/>
+                      <a:tailEnd type="none" w="med" len="med"/>
                     </a:lnR>
-                    <a:lnT w="12700" cmpd="sng">
-                      <a:noFill/>
-                      <a:prstDash val="solid"/>
+                    <a:lnT w="12700" cap="flat" cmpd="sng" algn="ctr">
+                      <a:solidFill>
+                        <a:schemeClr val="tx1"/>
+                      </a:solidFill>
+                      <a:prstDash val="solid"/>
+                      <a:round/>
+                      <a:headEnd type="none" w="med" len="med"/>
+                      <a:tailEnd type="none" w="med" len="med"/>
                     </a:lnT>
                     <a:lnB w="12700" cap="flat" cmpd="sng" algn="ctr">
+                      <a:solidFill>
+                        <a:schemeClr val="tx1"/>
+                      </a:solidFill>
+                      <a:prstDash val="solid"/>
+                      <a:round/>
+                      <a:headEnd type="none" w="med" len="med"/>
+                      <a:tailEnd type="none" w="med" len="med"/>
+                    </a:lnB>
+                    <a:lnTlToBr w="12700" cmpd="sng">
                       <a:noFill/>
                       <a:prstDash val="solid"/>
+                    </a:lnTlToBr>
+                    <a:lnBlToTr w="12700" cmpd="sng">
+                      <a:noFill/>
+                      <a:prstDash val="solid"/>
+                    </a:lnBlToTr>
+                    <a:noFill/>
+                  </a:tcPr>
+                </a:tc>
+                <a:tc>
+                  <a:txBody>
+                    <a:bodyPr/>
+                    <a:lstStyle/>
+                    <a:p>
+                      <a:pPr marL="0" indent="0">
+                        <a:buFont typeface="Arial" panose="020B0604020202020204" pitchFamily="34" charset="0"/>
+                        <a:buNone/>
+                      </a:pPr>
+                      <a:r>
+                        <a:rPr lang="en-US" sz="1200" cap="none" spc="0">
+                          <a:solidFill>
+                            <a:schemeClr val="tx1">
+                              <a:lumMod val="75000"/>
+                              <a:lumOff val="25000"/>
+                            </a:schemeClr>
+                          </a:solidFill>
+                        </a:rPr>
+                        <a:t>No</a:t>
+                      </a:r>
+                    </a:p>
+                  </a:txBody>
+                  <a:tcPr marL="151379" marR="69489" marT="75688" marB="75688">
+                    <a:lnL w="12700" cap="flat" cmpd="sng" algn="ctr">
+                      <a:solidFill>
+                        <a:schemeClr val="tx1"/>
+                      </a:solidFill>
+                      <a:prstDash val="solid"/>
+                      <a:round/>
+                      <a:headEnd type="none" w="med" len="med"/>
+                      <a:tailEnd type="none" w="med" len="med"/>
+                    </a:lnL>
+                    <a:lnR w="12700" cap="flat" cmpd="sng" algn="ctr">
+                      <a:solidFill>
+                        <a:schemeClr val="tx1"/>
+                      </a:solidFill>
+                      <a:prstDash val="solid"/>
+                      <a:round/>
+                      <a:headEnd type="none" w="med" len="med"/>
+                      <a:tailEnd type="none" w="med" len="med"/>
+                    </a:lnR>
+                    <a:lnT w="12700" cap="flat" cmpd="sng" algn="ctr">
+                      <a:solidFill>
+                        <a:schemeClr val="tx1"/>
+                      </a:solidFill>
+                      <a:prstDash val="solid"/>
+                      <a:round/>
+                      <a:headEnd type="none" w="med" len="med"/>
+                      <a:tailEnd type="none" w="med" len="med"/>
+                    </a:lnT>
+                    <a:lnB w="12700" cap="flat" cmpd="sng" algn="ctr">
+                      <a:solidFill>
+                        <a:schemeClr val="tx1"/>
+                      </a:solidFill>
+                      <a:prstDash val="solid"/>
+                      <a:round/>
+                      <a:headEnd type="none" w="med" len="med"/>
+                      <a:tailEnd type="none" w="med" len="med"/>
                     </a:lnB>
+                    <a:lnTlToBr w="12700" cmpd="sng">
+                      <a:noFill/>
+                      <a:prstDash val="solid"/>
+                    </a:lnTlToBr>
+                    <a:lnBlToTr w="12700" cmpd="sng">
+                      <a:noFill/>
+                      <a:prstDash val="solid"/>
+                    </a:lnBlToTr>
+                    <a:noFill/>
+                  </a:tcPr>
+                </a:tc>
+                <a:tc>
+                  <a:txBody>
+                    <a:bodyPr/>
+                    <a:lstStyle/>
+                    <a:p>
+                      <a:pPr marL="0" indent="0">
+                        <a:buFont typeface="Arial" panose="020B0604020202020204" pitchFamily="34" charset="0"/>
+                        <a:buNone/>
+                      </a:pPr>
+                      <a:r>
+                        <a:rPr lang="en-US" sz="1200" cap="none" spc="0" dirty="0">
+                          <a:solidFill>
+                            <a:schemeClr val="tx1">
+                              <a:lumMod val="75000"/>
+                              <a:lumOff val="25000"/>
+                            </a:schemeClr>
+                          </a:solidFill>
+                        </a:rPr>
+                        <a:t>None</a:t>
+                      </a:r>
+                    </a:p>
+                  </a:txBody>
+                  <a:tcPr marL="151379" marR="69489" marT="75688" marB="75688">
+                    <a:lnL w="12700" cap="flat" cmpd="sng" algn="ctr">
+                      <a:solidFill>
+                        <a:schemeClr val="tx1"/>
+                      </a:solidFill>
+                      <a:prstDash val="solid"/>
+                      <a:round/>
+                      <a:headEnd type="none" w="med" len="med"/>
+                      <a:tailEnd type="none" w="med" len="med"/>
+                    </a:lnL>
+                    <a:lnR w="12700" cap="flat" cmpd="sng" algn="ctr">
+                      <a:solidFill>
+                        <a:schemeClr val="tx1"/>
+                      </a:solidFill>
+                      <a:prstDash val="solid"/>
+                      <a:round/>
+                      <a:headEnd type="none" w="med" len="med"/>
+                      <a:tailEnd type="none" w="med" len="med"/>
+                    </a:lnR>
+                    <a:lnT w="12700" cap="flat" cmpd="sng" algn="ctr">
+                      <a:solidFill>
+                        <a:schemeClr val="tx1"/>
+                      </a:solidFill>
+                      <a:prstDash val="solid"/>
+                      <a:round/>
+                      <a:headEnd type="none" w="med" len="med"/>
+                      <a:tailEnd type="none" w="med" len="med"/>
+                    </a:lnT>
+                    <a:lnB w="12700" cap="flat" cmpd="sng" algn="ctr">
+                      <a:solidFill>
+                        <a:schemeClr val="tx1"/>
+                      </a:solidFill>
+                      <a:prstDash val="solid"/>
+                      <a:round/>
+                      <a:headEnd type="none" w="med" len="med"/>
+                      <a:tailEnd type="none" w="med" len="med"/>
+                    </a:lnB>
+                    <a:lnTlToBr w="12700" cmpd="sng">
+                      <a:noFill/>
+                      <a:prstDash val="solid"/>
+                    </a:lnTlToBr>
+                    <a:lnBlToTr w="12700" cmpd="sng">
+                      <a:noFill/>
+                      <a:prstDash val="solid"/>
+                    </a:lnBlToTr>
+                    <a:noFill/>
+                  </a:tcPr>
+                </a:tc>
+                <a:extLst>
+                  <a:ext uri="{0D108BD9-81ED-4DB2-BD59-A6C34878D82A}">
+                    <a16:rowId xmlns:a16="http://schemas.microsoft.com/office/drawing/2014/main" val="3913390245"/>
+                  </a:ext>
+                </a:extLst>
+              </a:tr>
+              <a:tr h="558241">
+                <a:tc>
+                  <a:txBody>
+                    <a:bodyPr/>
+                    <a:lstStyle/>
+                    <a:p>
+                      <a:r>
+                        <a:rPr lang="en-US" sz="1200" cap="none" spc="0" dirty="0">
+                          <a:solidFill>
+                            <a:schemeClr val="tx1">
+                              <a:lumMod val="75000"/>
+                              <a:lumOff val="25000"/>
+                            </a:schemeClr>
+                          </a:solidFill>
+                        </a:rPr>
+                        <a:t>[3]</a:t>
+                      </a:r>
+                    </a:p>
+                  </a:txBody>
+                  <a:tcPr marL="151379" marR="69489" marT="75688" marB="75688">
+                    <a:lnL w="12700" cap="flat" cmpd="sng" algn="ctr">
+                      <a:solidFill>
+                        <a:schemeClr val="tx1"/>
+                      </a:solidFill>
+                      <a:prstDash val="solid"/>
+                      <a:round/>
+                      <a:headEnd type="none" w="med" len="med"/>
+                      <a:tailEnd type="none" w="med" len="med"/>
+                    </a:lnL>
+                    <a:lnR w="12700" cap="flat" cmpd="sng" algn="ctr">
+                      <a:solidFill>
+                        <a:schemeClr val="tx1"/>
+                      </a:solidFill>
+                      <a:prstDash val="solid"/>
+                      <a:round/>
+                      <a:headEnd type="none" w="med" len="med"/>
+                      <a:tailEnd type="none" w="med" len="med"/>
+                    </a:lnR>
+                    <a:lnT w="12700" cap="flat" cmpd="sng" algn="ctr">
+                      <a:solidFill>
+                        <a:schemeClr val="tx1"/>
+                      </a:solidFill>
+                      <a:prstDash val="solid"/>
+                      <a:round/>
+                      <a:headEnd type="none" w="med" len="med"/>
+                      <a:tailEnd type="none" w="med" len="med"/>
+                    </a:lnT>
+                    <a:lnB w="12700" cap="flat" cmpd="sng" algn="ctr">
+                      <a:solidFill>
+                        <a:schemeClr val="tx1"/>
+                      </a:solidFill>
+                      <a:prstDash val="solid"/>
+                      <a:round/>
+                      <a:headEnd type="none" w="med" len="med"/>
+                      <a:tailEnd type="none" w="med" len="med"/>
+                    </a:lnB>
+                    <a:lnTlToBr w="12700" cmpd="sng">
+                      <a:noFill/>
+                      <a:prstDash val="solid"/>
+                    </a:lnTlToBr>
+                    <a:lnBlToTr w="12700" cmpd="sng">
+                      <a:noFill/>
+                      <a:prstDash val="solid"/>
+                    </a:lnBlToTr>
                     <a:noFill/>
                   </a:tcPr>
                 </a:tc>
@@ -27629,108 +28625,63 @@
                     <a:lstStyle/>
                     <a:p>
                       <a:r>
-                        <a:rPr lang="en-US" sz="1100" cap="none" spc="0">
+                        <a:rPr lang="en-US" sz="1200" cap="none" spc="0">
                           <a:solidFill>
-                            <a:schemeClr val="tx1"/>
+                            <a:schemeClr val="tx1">
+                              <a:lumMod val="75000"/>
+                              <a:lumOff val="25000"/>
+                            </a:schemeClr>
                           </a:solidFill>
                         </a:rPr>
-                        <a:t>3</a:t>
+                        <a:t>ISPP</a:t>
                       </a:r>
                     </a:p>
                   </a:txBody>
-                  <a:tcPr marL="68823" marR="68823" marT="68823" marB="34412">
-                    <a:lnL w="12700" cmpd="sng">
-                      <a:noFill/>
-                      <a:prstDash val="solid"/>
+                  <a:tcPr marL="151379" marR="69489" marT="75688" marB="75688">
+                    <a:lnL w="12700" cap="flat" cmpd="sng" algn="ctr">
+                      <a:solidFill>
+                        <a:schemeClr val="tx1"/>
+                      </a:solidFill>
+                      <a:prstDash val="solid"/>
+                      <a:round/>
+                      <a:headEnd type="none" w="med" len="med"/>
+                      <a:tailEnd type="none" w="med" len="med"/>
                     </a:lnL>
-                    <a:lnR w="12700" cmpd="sng">
-                      <a:noFill/>
-                      <a:prstDash val="solid"/>
+                    <a:lnR w="12700" cap="flat" cmpd="sng" algn="ctr">
+                      <a:solidFill>
+                        <a:schemeClr val="tx1"/>
+                      </a:solidFill>
+                      <a:prstDash val="solid"/>
+                      <a:round/>
+                      <a:headEnd type="none" w="med" len="med"/>
+                      <a:tailEnd type="none" w="med" len="med"/>
                     </a:lnR>
-                    <a:lnT w="12700" cmpd="sng">
-                      <a:noFill/>
-                      <a:prstDash val="solid"/>
+                    <a:lnT w="12700" cap="flat" cmpd="sng" algn="ctr">
+                      <a:solidFill>
+                        <a:schemeClr val="tx1"/>
+                      </a:solidFill>
+                      <a:prstDash val="solid"/>
+                      <a:round/>
+                      <a:headEnd type="none" w="med" len="med"/>
+                      <a:tailEnd type="none" w="med" len="med"/>
                     </a:lnT>
                     <a:lnB w="12700" cap="flat" cmpd="sng" algn="ctr">
+                      <a:solidFill>
+                        <a:schemeClr val="tx1"/>
+                      </a:solidFill>
+                      <a:prstDash val="solid"/>
+                      <a:round/>
+                      <a:headEnd type="none" w="med" len="med"/>
+                      <a:tailEnd type="none" w="med" len="med"/>
+                    </a:lnB>
+                    <a:lnTlToBr w="12700" cmpd="sng">
                       <a:noFill/>
                       <a:prstDash val="solid"/>
-                    </a:lnB>
-                    <a:noFill/>
-                  </a:tcPr>
-                </a:tc>
-                <a:tc>
-                  <a:txBody>
-                    <a:bodyPr/>
-                    <a:lstStyle/>
-                    <a:p>
-                      <a:pPr marL="0" marR="0" lvl="0" indent="0" algn="l" defTabSz="914400" rtl="0" eaLnBrk="1" fontAlgn="auto" latinLnBrk="0" hangingPunct="1">
-                        <a:lnSpc>
-                          <a:spcPct val="100000"/>
-                        </a:lnSpc>
-                        <a:spcBef>
-                          <a:spcPts val="0"/>
-                        </a:spcBef>
-                        <a:spcAft>
-                          <a:spcPts val="0"/>
-                        </a:spcAft>
-                        <a:buClrTx/>
-                        <a:buSzTx/>
-                        <a:buFontTx/>
-                        <a:buNone/>
-                        <a:tabLst/>
-                        <a:defRPr/>
-                      </a:pPr>
-                      <a:r>
-                        <a:rPr lang="en-US" sz="1100" cap="none" spc="0">
-                          <a:solidFill>
-                            <a:schemeClr val="tx1"/>
-                          </a:solidFill>
-                        </a:rPr>
-                        <a:t>Single cell</a:t>
-                      </a:r>
-                    </a:p>
-                    <a:p>
-                      <a:pPr marL="0" marR="0" lvl="0" indent="0" algn="l" defTabSz="914400" rtl="0" eaLnBrk="1" fontAlgn="auto" latinLnBrk="0" hangingPunct="1">
-                        <a:lnSpc>
-                          <a:spcPct val="100000"/>
-                        </a:lnSpc>
-                        <a:spcBef>
-                          <a:spcPts val="0"/>
-                        </a:spcBef>
-                        <a:spcAft>
-                          <a:spcPts val="0"/>
-                        </a:spcAft>
-                        <a:buClrTx/>
-                        <a:buSzTx/>
-                        <a:buFontTx/>
-                        <a:buNone/>
-                        <a:tabLst/>
-                        <a:defRPr/>
-                      </a:pPr>
-                      <a:endParaRPr lang="en-US" sz="1100" cap="none" spc="0">
-                        <a:solidFill>
-                          <a:schemeClr val="tx1"/>
-                        </a:solidFill>
-                      </a:endParaRPr>
-                    </a:p>
-                  </a:txBody>
-                  <a:tcPr marL="68823" marR="68823" marT="68823" marB="34412">
-                    <a:lnL w="12700" cmpd="sng">
+                    </a:lnTlToBr>
+                    <a:lnBlToTr w="12700" cmpd="sng">
                       <a:noFill/>
                       <a:prstDash val="solid"/>
-                    </a:lnL>
-                    <a:lnR w="12700" cmpd="sng">
-                      <a:noFill/>
-                      <a:prstDash val="solid"/>
-                    </a:lnR>
-                    <a:lnT w="12700" cmpd="sng">
-                      <a:noFill/>
-                      <a:prstDash val="solid"/>
-                    </a:lnT>
-                    <a:lnB w="12700" cap="flat" cmpd="sng" algn="ctr">
-                      <a:noFill/>
-                      <a:prstDash val="solid"/>
-                    </a:lnB>
+                    </a:lnBlToTr>
                     <a:noFill/>
                   </a:tcPr>
                 </a:tc>
@@ -27740,372 +28691,63 @@
                     <a:lstStyle/>
                     <a:p>
                       <a:r>
-                        <a:rPr lang="en-US" sz="1100" cap="none" spc="0">
+                        <a:rPr lang="en-US" sz="1200" cap="none" spc="0">
                           <a:solidFill>
-                            <a:schemeClr val="tx1"/>
+                            <a:schemeClr val="tx1">
+                              <a:lumMod val="75000"/>
+                              <a:lumOff val="25000"/>
+                            </a:schemeClr>
                           </a:solidFill>
                         </a:rPr>
-                        <a:t>No</a:t>
+                        <a:t>Yes</a:t>
                       </a:r>
                     </a:p>
                   </a:txBody>
-                  <a:tcPr marL="68823" marR="68823" marT="68823" marB="34412">
-                    <a:lnL w="12700" cmpd="sng">
-                      <a:noFill/>
-                      <a:prstDash val="solid"/>
+                  <a:tcPr marL="151379" marR="69489" marT="75688" marB="75688">
+                    <a:lnL w="12700" cap="flat" cmpd="sng" algn="ctr">
+                      <a:solidFill>
+                        <a:schemeClr val="tx1"/>
+                      </a:solidFill>
+                      <a:prstDash val="solid"/>
+                      <a:round/>
+                      <a:headEnd type="none" w="med" len="med"/>
+                      <a:tailEnd type="none" w="med" len="med"/>
                     </a:lnL>
-                    <a:lnR w="12700" cmpd="sng">
-                      <a:noFill/>
-                      <a:prstDash val="solid"/>
+                    <a:lnR w="12700" cap="flat" cmpd="sng" algn="ctr">
+                      <a:solidFill>
+                        <a:schemeClr val="tx1"/>
+                      </a:solidFill>
+                      <a:prstDash val="solid"/>
+                      <a:round/>
+                      <a:headEnd type="none" w="med" len="med"/>
+                      <a:tailEnd type="none" w="med" len="med"/>
                     </a:lnR>
-                    <a:lnT w="12700" cmpd="sng">
-                      <a:noFill/>
-                      <a:prstDash val="solid"/>
+                    <a:lnT w="12700" cap="flat" cmpd="sng" algn="ctr">
+                      <a:solidFill>
+                        <a:schemeClr val="tx1"/>
+                      </a:solidFill>
+                      <a:prstDash val="solid"/>
+                      <a:round/>
+                      <a:headEnd type="none" w="med" len="med"/>
+                      <a:tailEnd type="none" w="med" len="med"/>
                     </a:lnT>
                     <a:lnB w="12700" cap="flat" cmpd="sng" algn="ctr">
+                      <a:solidFill>
+                        <a:schemeClr val="tx1"/>
+                      </a:solidFill>
+                      <a:prstDash val="solid"/>
+                      <a:round/>
+                      <a:headEnd type="none" w="med" len="med"/>
+                      <a:tailEnd type="none" w="med" len="med"/>
+                    </a:lnB>
+                    <a:lnTlToBr w="12700" cmpd="sng">
                       <a:noFill/>
                       <a:prstDash val="solid"/>
-                    </a:lnB>
-                    <a:noFill/>
-                  </a:tcPr>
-                </a:tc>
-                <a:tc>
-                  <a:txBody>
-                    <a:bodyPr/>
-                    <a:lstStyle/>
-                    <a:p>
-                      <a:pPr marL="285750" indent="-285750">
-                        <a:buFont typeface="Arial" panose="020B0604020202020204" pitchFamily="34" charset="0"/>
-                        <a:buChar char="•"/>
-                      </a:pPr>
-                      <a:r>
-                        <a:rPr lang="en-US" sz="1100" cap="none" spc="0">
-                          <a:solidFill>
-                            <a:schemeClr val="tx1"/>
-                          </a:solidFill>
-                        </a:rPr>
-                        <a:t>Endurance</a:t>
-                      </a:r>
-                    </a:p>
-                    <a:p>
-                      <a:pPr marL="285750" indent="-285750">
-                        <a:buFont typeface="Arial" panose="020B0604020202020204" pitchFamily="34" charset="0"/>
-                        <a:buChar char="•"/>
-                      </a:pPr>
-                      <a:r>
-                        <a:rPr lang="en-US" sz="1100" cap="none" spc="0">
-                          <a:solidFill>
-                            <a:schemeClr val="tx1"/>
-                          </a:solidFill>
-                        </a:rPr>
-                        <a:t>Retention: single-cell, low-temp</a:t>
-                      </a:r>
-                    </a:p>
-                  </a:txBody>
-                  <a:tcPr marL="68823" marR="68823" marT="68823" marB="34412">
-                    <a:lnL w="12700" cmpd="sng">
+                    </a:lnTlToBr>
+                    <a:lnBlToTr w="12700" cmpd="sng">
                       <a:noFill/>
                       <a:prstDash val="solid"/>
-                    </a:lnL>
-                    <a:lnR w="12700" cmpd="sng">
-                      <a:noFill/>
-                      <a:prstDash val="solid"/>
-                    </a:lnR>
-                    <a:lnT w="12700" cmpd="sng">
-                      <a:noFill/>
-                      <a:prstDash val="solid"/>
-                    </a:lnT>
-                    <a:lnB w="12700" cap="flat" cmpd="sng" algn="ctr">
-                      <a:noFill/>
-                      <a:prstDash val="solid"/>
-                    </a:lnB>
-                    <a:noFill/>
-                  </a:tcPr>
-                </a:tc>
-                <a:extLst>
-                  <a:ext uri="{0D108BD9-81ED-4DB2-BD59-A6C34878D82A}">
-                    <a16:rowId xmlns:a16="http://schemas.microsoft.com/office/drawing/2014/main" val="3901852283"/>
-                  </a:ext>
-                </a:extLst>
-              </a:tr>
-              <a:tr h="291352">
-                <a:tc>
-                  <a:txBody>
-                    <a:bodyPr/>
-                    <a:lstStyle/>
-                    <a:p>
-                      <a:r>
-                        <a:rPr lang="en-US" sz="1100" cap="none" spc="0">
-                          <a:solidFill>
-                            <a:schemeClr val="tx1"/>
-                          </a:solidFill>
-                        </a:rPr>
-                        <a:t>(4)</a:t>
-                      </a:r>
-                    </a:p>
-                  </a:txBody>
-                  <a:tcPr marL="68823" marR="68823" marT="68823" marB="34412">
-                    <a:lnL w="12700" cmpd="sng">
-                      <a:noFill/>
-                      <a:prstDash val="solid"/>
-                    </a:lnL>
-                    <a:lnR w="12700" cmpd="sng">
-                      <a:noFill/>
-                      <a:prstDash val="solid"/>
-                    </a:lnR>
-                    <a:lnT w="12700" cap="flat" cmpd="sng" algn="ctr">
-                      <a:noFill/>
-                      <a:prstDash val="solid"/>
-                    </a:lnT>
-                    <a:lnB w="12700" cmpd="sng">
-                      <a:noFill/>
-                      <a:prstDash val="solid"/>
-                    </a:lnB>
-                    <a:solidFill>
-                      <a:schemeClr val="bg1">
-                        <a:lumMod val="95000"/>
-                      </a:schemeClr>
-                    </a:solidFill>
-                  </a:tcPr>
-                </a:tc>
-                <a:tc>
-                  <a:txBody>
-                    <a:bodyPr/>
-                    <a:lstStyle/>
-                    <a:p>
-                      <a:r>
-                        <a:rPr lang="en-US" sz="1100" cap="none" spc="0">
-                          <a:solidFill>
-                            <a:schemeClr val="tx1"/>
-                          </a:solidFill>
-                        </a:rPr>
-                        <a:t>No</a:t>
-                      </a:r>
-                    </a:p>
-                  </a:txBody>
-                  <a:tcPr marL="68823" marR="68823" marT="68823" marB="34412">
-                    <a:lnL w="12700" cmpd="sng">
-                      <a:noFill/>
-                      <a:prstDash val="solid"/>
-                    </a:lnL>
-                    <a:lnR w="12700" cmpd="sng">
-                      <a:noFill/>
-                      <a:prstDash val="solid"/>
-                    </a:lnR>
-                    <a:lnT w="12700" cap="flat" cmpd="sng" algn="ctr">
-                      <a:noFill/>
-                      <a:prstDash val="solid"/>
-                    </a:lnT>
-                    <a:lnB w="12700" cmpd="sng">
-                      <a:noFill/>
-                      <a:prstDash val="solid"/>
-                    </a:lnB>
-                    <a:solidFill>
-                      <a:schemeClr val="bg1">
-                        <a:lumMod val="95000"/>
-                      </a:schemeClr>
-                    </a:solidFill>
-                  </a:tcPr>
-                </a:tc>
-                <a:tc>
-                  <a:txBody>
-                    <a:bodyPr/>
-                    <a:lstStyle/>
-                    <a:p>
-                      <a:r>
-                        <a:rPr lang="en-US" sz="1100" cap="none" spc="0">
-                          <a:solidFill>
-                            <a:schemeClr val="tx1"/>
-                          </a:solidFill>
-                        </a:rPr>
-                        <a:t>3</a:t>
-                      </a:r>
-                    </a:p>
-                  </a:txBody>
-                  <a:tcPr marL="68823" marR="68823" marT="68823" marB="34412">
-                    <a:lnL w="12700" cmpd="sng">
-                      <a:noFill/>
-                      <a:prstDash val="solid"/>
-                    </a:lnL>
-                    <a:lnR w="12700" cmpd="sng">
-                      <a:noFill/>
-                      <a:prstDash val="solid"/>
-                    </a:lnR>
-                    <a:lnT w="12700" cap="flat" cmpd="sng" algn="ctr">
-                      <a:noFill/>
-                      <a:prstDash val="solid"/>
-                    </a:lnT>
-                    <a:lnB w="12700" cmpd="sng">
-                      <a:noFill/>
-                      <a:prstDash val="solid"/>
-                    </a:lnB>
-                    <a:solidFill>
-                      <a:schemeClr val="bg1">
-                        <a:lumMod val="95000"/>
-                      </a:schemeClr>
-                    </a:solidFill>
-                  </a:tcPr>
-                </a:tc>
-                <a:tc>
-                  <a:txBody>
-                    <a:bodyPr/>
-                    <a:lstStyle/>
-                    <a:p>
-                      <a:r>
-                        <a:rPr lang="en-US" sz="1100" cap="none" spc="0">
-                          <a:solidFill>
-                            <a:schemeClr val="tx1"/>
-                          </a:solidFill>
-                        </a:rPr>
-                        <a:t>Single cell</a:t>
-                      </a:r>
-                    </a:p>
-                  </a:txBody>
-                  <a:tcPr marL="68823" marR="68823" marT="68823" marB="34412">
-                    <a:lnL w="12700" cmpd="sng">
-                      <a:noFill/>
-                      <a:prstDash val="solid"/>
-                    </a:lnL>
-                    <a:lnR w="12700" cmpd="sng">
-                      <a:noFill/>
-                      <a:prstDash val="solid"/>
-                    </a:lnR>
-                    <a:lnT w="12700" cap="flat" cmpd="sng" algn="ctr">
-                      <a:noFill/>
-                      <a:prstDash val="solid"/>
-                    </a:lnT>
-                    <a:lnB w="12700" cmpd="sng">
-                      <a:noFill/>
-                      <a:prstDash val="solid"/>
-                    </a:lnB>
-                    <a:solidFill>
-                      <a:schemeClr val="bg1">
-                        <a:lumMod val="95000"/>
-                      </a:schemeClr>
-                    </a:solidFill>
-                  </a:tcPr>
-                </a:tc>
-                <a:tc>
-                  <a:txBody>
-                    <a:bodyPr/>
-                    <a:lstStyle/>
-                    <a:p>
-                      <a:r>
-                        <a:rPr lang="en-US" sz="1100" cap="none" spc="0">
-                          <a:solidFill>
-                            <a:schemeClr val="tx1"/>
-                          </a:solidFill>
-                        </a:rPr>
-                        <a:t>No</a:t>
-                      </a:r>
-                    </a:p>
-                  </a:txBody>
-                  <a:tcPr marL="68823" marR="68823" marT="68823" marB="34412">
-                    <a:lnL w="12700" cmpd="sng">
-                      <a:noFill/>
-                      <a:prstDash val="solid"/>
-                    </a:lnL>
-                    <a:lnR w="12700" cmpd="sng">
-                      <a:noFill/>
-                      <a:prstDash val="solid"/>
-                    </a:lnR>
-                    <a:lnT w="12700" cap="flat" cmpd="sng" algn="ctr">
-                      <a:noFill/>
-                      <a:prstDash val="solid"/>
-                    </a:lnT>
-                    <a:lnB w="12700" cmpd="sng">
-                      <a:noFill/>
-                      <a:prstDash val="solid"/>
-                    </a:lnB>
-                    <a:solidFill>
-                      <a:schemeClr val="bg1">
-                        <a:lumMod val="95000"/>
-                      </a:schemeClr>
-                    </a:solidFill>
-                  </a:tcPr>
-                </a:tc>
-                <a:tc>
-                  <a:txBody>
-                    <a:bodyPr/>
-                    <a:lstStyle/>
-                    <a:p>
-                      <a:pPr marL="285750" indent="-285750">
-                        <a:buFont typeface="Arial" panose="020B0604020202020204" pitchFamily="34" charset="0"/>
-                        <a:buChar char="•"/>
-                      </a:pPr>
-                      <a:r>
-                        <a:rPr lang="en-US" sz="1100" cap="none" spc="0">
-                          <a:solidFill>
-                            <a:schemeClr val="tx1"/>
-                          </a:solidFill>
-                        </a:rPr>
-                        <a:t>Retention: single-cell, low-temp</a:t>
-                      </a:r>
-                    </a:p>
-                  </a:txBody>
-                  <a:tcPr marL="68823" marR="68823" marT="68823" marB="34412">
-                    <a:lnL w="12700" cmpd="sng">
-                      <a:noFill/>
-                      <a:prstDash val="solid"/>
-                    </a:lnL>
-                    <a:lnR w="12700" cmpd="sng">
-                      <a:noFill/>
-                      <a:prstDash val="solid"/>
-                    </a:lnR>
-                    <a:lnT w="12700" cap="flat" cmpd="sng" algn="ctr">
-                      <a:noFill/>
-                      <a:prstDash val="solid"/>
-                    </a:lnT>
-                    <a:lnB w="12700" cmpd="sng">
-                      <a:noFill/>
-                      <a:prstDash val="solid"/>
-                    </a:lnB>
-                    <a:solidFill>
-                      <a:schemeClr val="bg1">
-                        <a:lumMod val="95000"/>
-                      </a:schemeClr>
-                    </a:solidFill>
-                  </a:tcPr>
-                </a:tc>
-                <a:extLst>
-                  <a:ext uri="{0D108BD9-81ED-4DB2-BD59-A6C34878D82A}">
-                    <a16:rowId xmlns:a16="http://schemas.microsoft.com/office/drawing/2014/main" val="2717671554"/>
-                  </a:ext>
-                </a:extLst>
-              </a:tr>
-              <a:tr h="291352">
-                <a:tc>
-                  <a:txBody>
-                    <a:bodyPr/>
-                    <a:lstStyle/>
-                    <a:p>
-                      <a:r>
-                        <a:rPr lang="en-US" sz="1100" cap="none" spc="0">
-                          <a:solidFill>
-                            <a:schemeClr val="tx1"/>
-                          </a:solidFill>
-                        </a:rPr>
-                        <a:t>(5)</a:t>
-                      </a:r>
-                    </a:p>
-                  </a:txBody>
-                  <a:tcPr marL="68823" marR="68823" marT="68823" marB="34412">
-                    <a:lnL w="12700" cmpd="sng">
-                      <a:noFill/>
-                      <a:prstDash val="solid"/>
-                    </a:lnL>
-                    <a:lnR w="12700" cmpd="sng">
-                      <a:noFill/>
-                      <a:prstDash val="solid"/>
-                    </a:lnR>
-                    <a:lnT w="12700" cmpd="sng">
-                      <a:noFill/>
-                      <a:prstDash val="solid"/>
-                    </a:lnT>
-                    <a:lnB w="12700" cap="flat" cmpd="sng" algn="ctr">
-                      <a:noFill/>
-                      <a:prstDash val="solid"/>
-                    </a:lnB>
+                    </a:lnBlToTr>
                     <a:noFill/>
                   </a:tcPr>
                 </a:tc>
@@ -28115,32 +28757,63 @@
                     <a:lstStyle/>
                     <a:p>
                       <a:r>
-                        <a:rPr lang="en-US" sz="1100" cap="none" spc="0">
+                        <a:rPr lang="en-US" sz="1200" cap="none" spc="0" dirty="0">
                           <a:solidFill>
-                            <a:schemeClr val="tx1"/>
+                            <a:schemeClr val="tx1">
+                              <a:lumMod val="75000"/>
+                              <a:lumOff val="25000"/>
+                            </a:schemeClr>
                           </a:solidFill>
                         </a:rPr>
-                        <a:t>No</a:t>
+                        <a:t>2</a:t>
                       </a:r>
                     </a:p>
                   </a:txBody>
-                  <a:tcPr marL="68823" marR="68823" marT="68823" marB="34412">
-                    <a:lnL w="12700" cmpd="sng">
-                      <a:noFill/>
-                      <a:prstDash val="solid"/>
+                  <a:tcPr marL="151379" marR="69489" marT="75688" marB="75688">
+                    <a:lnL w="12700" cap="flat" cmpd="sng" algn="ctr">
+                      <a:solidFill>
+                        <a:schemeClr val="tx1"/>
+                      </a:solidFill>
+                      <a:prstDash val="solid"/>
+                      <a:round/>
+                      <a:headEnd type="none" w="med" len="med"/>
+                      <a:tailEnd type="none" w="med" len="med"/>
                     </a:lnL>
-                    <a:lnR w="12700" cmpd="sng">
-                      <a:noFill/>
-                      <a:prstDash val="solid"/>
+                    <a:lnR w="12700" cap="flat" cmpd="sng" algn="ctr">
+                      <a:solidFill>
+                        <a:schemeClr val="tx1"/>
+                      </a:solidFill>
+                      <a:prstDash val="solid"/>
+                      <a:round/>
+                      <a:headEnd type="none" w="med" len="med"/>
+                      <a:tailEnd type="none" w="med" len="med"/>
                     </a:lnR>
-                    <a:lnT w="12700" cmpd="sng">
-                      <a:noFill/>
-                      <a:prstDash val="solid"/>
+                    <a:lnT w="12700" cap="flat" cmpd="sng" algn="ctr">
+                      <a:solidFill>
+                        <a:schemeClr val="tx1"/>
+                      </a:solidFill>
+                      <a:prstDash val="solid"/>
+                      <a:round/>
+                      <a:headEnd type="none" w="med" len="med"/>
+                      <a:tailEnd type="none" w="med" len="med"/>
                     </a:lnT>
                     <a:lnB w="12700" cap="flat" cmpd="sng" algn="ctr">
+                      <a:solidFill>
+                        <a:schemeClr val="tx1"/>
+                      </a:solidFill>
+                      <a:prstDash val="solid"/>
+                      <a:round/>
+                      <a:headEnd type="none" w="med" len="med"/>
+                      <a:tailEnd type="none" w="med" len="med"/>
+                    </a:lnB>
+                    <a:lnTlToBr w="12700" cmpd="sng">
                       <a:noFill/>
                       <a:prstDash val="solid"/>
-                    </a:lnB>
+                    </a:lnTlToBr>
+                    <a:lnBlToTr w="12700" cmpd="sng">
+                      <a:noFill/>
+                      <a:prstDash val="solid"/>
+                    </a:lnBlToTr>
                     <a:noFill/>
                   </a:tcPr>
                 </a:tc>
@@ -28150,32 +28823,63 @@
                     <a:lstStyle/>
                     <a:p>
                       <a:r>
-                        <a:rPr lang="en-US" sz="1100" cap="none" spc="0">
+                        <a:rPr lang="en-US" sz="1200" cap="none" spc="0">
                           <a:solidFill>
-                            <a:schemeClr val="tx1"/>
+                            <a:schemeClr val="tx1">
+                              <a:lumMod val="75000"/>
+                              <a:lumOff val="25000"/>
+                            </a:schemeClr>
                           </a:solidFill>
                         </a:rPr>
-                        <a:t>2</a:t>
+                        <a:t>Single cell</a:t>
                       </a:r>
                     </a:p>
                   </a:txBody>
-                  <a:tcPr marL="68823" marR="68823" marT="68823" marB="34412">
-                    <a:lnL w="12700" cmpd="sng">
-                      <a:noFill/>
-                      <a:prstDash val="solid"/>
+                  <a:tcPr marL="151379" marR="69489" marT="75688" marB="75688">
+                    <a:lnL w="12700" cap="flat" cmpd="sng" algn="ctr">
+                      <a:solidFill>
+                        <a:schemeClr val="tx1"/>
+                      </a:solidFill>
+                      <a:prstDash val="solid"/>
+                      <a:round/>
+                      <a:headEnd type="none" w="med" len="med"/>
+                      <a:tailEnd type="none" w="med" len="med"/>
                     </a:lnL>
-                    <a:lnR w="12700" cmpd="sng">
-                      <a:noFill/>
-                      <a:prstDash val="solid"/>
+                    <a:lnR w="12700" cap="flat" cmpd="sng" algn="ctr">
+                      <a:solidFill>
+                        <a:schemeClr val="tx1"/>
+                      </a:solidFill>
+                      <a:prstDash val="solid"/>
+                      <a:round/>
+                      <a:headEnd type="none" w="med" len="med"/>
+                      <a:tailEnd type="none" w="med" len="med"/>
                     </a:lnR>
-                    <a:lnT w="12700" cmpd="sng">
-                      <a:noFill/>
-                      <a:prstDash val="solid"/>
+                    <a:lnT w="12700" cap="flat" cmpd="sng" algn="ctr">
+                      <a:solidFill>
+                        <a:schemeClr val="tx1"/>
+                      </a:solidFill>
+                      <a:prstDash val="solid"/>
+                      <a:round/>
+                      <a:headEnd type="none" w="med" len="med"/>
+                      <a:tailEnd type="none" w="med" len="med"/>
                     </a:lnT>
                     <a:lnB w="12700" cap="flat" cmpd="sng" algn="ctr">
+                      <a:solidFill>
+                        <a:schemeClr val="tx1"/>
+                      </a:solidFill>
+                      <a:prstDash val="solid"/>
+                      <a:round/>
+                      <a:headEnd type="none" w="med" len="med"/>
+                      <a:tailEnd type="none" w="med" len="med"/>
+                    </a:lnB>
+                    <a:lnTlToBr w="12700" cmpd="sng">
                       <a:noFill/>
                       <a:prstDash val="solid"/>
-                    </a:lnB>
+                    </a:lnTlToBr>
+                    <a:lnBlToTr w="12700" cmpd="sng">
+                      <a:noFill/>
+                      <a:prstDash val="solid"/>
+                    </a:lnBlToTr>
                     <a:noFill/>
                   </a:tcPr>
                 </a:tc>
@@ -28185,32 +28889,293 @@
                     <a:lstStyle/>
                     <a:p>
                       <a:r>
-                        <a:rPr lang="en-US" sz="1100" cap="none" spc="0">
+                        <a:rPr lang="en-US" sz="1200" cap="none" spc="0">
                           <a:solidFill>
-                            <a:schemeClr val="tx1"/>
+                            <a:schemeClr val="tx1">
+                              <a:lumMod val="75000"/>
+                              <a:lumOff val="25000"/>
+                            </a:schemeClr>
                           </a:solidFill>
                         </a:rPr>
-                        <a:t>Single cell</a:t>
+                        <a:t>No</a:t>
                       </a:r>
                     </a:p>
                   </a:txBody>
-                  <a:tcPr marL="68823" marR="68823" marT="68823" marB="34412">
-                    <a:lnL w="12700" cmpd="sng">
-                      <a:noFill/>
-                      <a:prstDash val="solid"/>
+                  <a:tcPr marL="151379" marR="69489" marT="75688" marB="75688">
+                    <a:lnL w="12700" cap="flat" cmpd="sng" algn="ctr">
+                      <a:solidFill>
+                        <a:schemeClr val="tx1"/>
+                      </a:solidFill>
+                      <a:prstDash val="solid"/>
+                      <a:round/>
+                      <a:headEnd type="none" w="med" len="med"/>
+                      <a:tailEnd type="none" w="med" len="med"/>
                     </a:lnL>
-                    <a:lnR w="12700" cmpd="sng">
-                      <a:noFill/>
-                      <a:prstDash val="solid"/>
+                    <a:lnR w="12700" cap="flat" cmpd="sng" algn="ctr">
+                      <a:solidFill>
+                        <a:schemeClr val="tx1"/>
+                      </a:solidFill>
+                      <a:prstDash val="solid"/>
+                      <a:round/>
+                      <a:headEnd type="none" w="med" len="med"/>
+                      <a:tailEnd type="none" w="med" len="med"/>
                     </a:lnR>
-                    <a:lnT w="12700" cmpd="sng">
-                      <a:noFill/>
-                      <a:prstDash val="solid"/>
+                    <a:lnT w="12700" cap="flat" cmpd="sng" algn="ctr">
+                      <a:solidFill>
+                        <a:schemeClr val="tx1"/>
+                      </a:solidFill>
+                      <a:prstDash val="solid"/>
+                      <a:round/>
+                      <a:headEnd type="none" w="med" len="med"/>
+                      <a:tailEnd type="none" w="med" len="med"/>
                     </a:lnT>
                     <a:lnB w="12700" cap="flat" cmpd="sng" algn="ctr">
+                      <a:solidFill>
+                        <a:schemeClr val="tx1"/>
+                      </a:solidFill>
+                      <a:prstDash val="solid"/>
+                      <a:round/>
+                      <a:headEnd type="none" w="med" len="med"/>
+                      <a:tailEnd type="none" w="med" len="med"/>
+                    </a:lnB>
+                    <a:lnTlToBr w="12700" cmpd="sng">
                       <a:noFill/>
                       <a:prstDash val="solid"/>
+                    </a:lnTlToBr>
+                    <a:lnBlToTr w="12700" cmpd="sng">
+                      <a:noFill/>
+                      <a:prstDash val="solid"/>
+                    </a:lnBlToTr>
+                    <a:noFill/>
+                  </a:tcPr>
+                </a:tc>
+                <a:tc>
+                  <a:txBody>
+                    <a:bodyPr/>
+                    <a:lstStyle/>
+                    <a:p>
+                      <a:pPr marL="0" indent="0">
+                        <a:buFont typeface="Arial" panose="020B0604020202020204" pitchFamily="34" charset="0"/>
+                        <a:buNone/>
+                      </a:pPr>
+                      <a:r>
+                        <a:rPr lang="en-US" sz="1200" cap="none" spc="0">
+                          <a:solidFill>
+                            <a:schemeClr val="tx1">
+                              <a:lumMod val="75000"/>
+                              <a:lumOff val="25000"/>
+                            </a:schemeClr>
+                          </a:solidFill>
+                        </a:rPr>
+                        <a:t>Yes</a:t>
+                      </a:r>
+                    </a:p>
+                  </a:txBody>
+                  <a:tcPr marL="151379" marR="69489" marT="75688" marB="75688">
+                    <a:lnL w="12700" cap="flat" cmpd="sng" algn="ctr">
+                      <a:solidFill>
+                        <a:schemeClr val="tx1"/>
+                      </a:solidFill>
+                      <a:prstDash val="solid"/>
+                      <a:round/>
+                      <a:headEnd type="none" w="med" len="med"/>
+                      <a:tailEnd type="none" w="med" len="med"/>
+                    </a:lnL>
+                    <a:lnR w="12700" cap="flat" cmpd="sng" algn="ctr">
+                      <a:solidFill>
+                        <a:schemeClr val="tx1"/>
+                      </a:solidFill>
+                      <a:prstDash val="solid"/>
+                      <a:round/>
+                      <a:headEnd type="none" w="med" len="med"/>
+                      <a:tailEnd type="none" w="med" len="med"/>
+                    </a:lnR>
+                    <a:lnT w="12700" cap="flat" cmpd="sng" algn="ctr">
+                      <a:solidFill>
+                        <a:schemeClr val="tx1"/>
+                      </a:solidFill>
+                      <a:prstDash val="solid"/>
+                      <a:round/>
+                      <a:headEnd type="none" w="med" len="med"/>
+                      <a:tailEnd type="none" w="med" len="med"/>
+                    </a:lnT>
+                    <a:lnB w="12700" cap="flat" cmpd="sng" algn="ctr">
+                      <a:solidFill>
+                        <a:schemeClr val="tx1"/>
+                      </a:solidFill>
+                      <a:prstDash val="solid"/>
+                      <a:round/>
+                      <a:headEnd type="none" w="med" len="med"/>
+                      <a:tailEnd type="none" w="med" len="med"/>
                     </a:lnB>
+                    <a:lnTlToBr w="12700" cmpd="sng">
+                      <a:noFill/>
+                      <a:prstDash val="solid"/>
+                    </a:lnTlToBr>
+                    <a:lnBlToTr w="12700" cmpd="sng">
+                      <a:noFill/>
+                      <a:prstDash val="solid"/>
+                    </a:lnBlToTr>
+                    <a:noFill/>
+                  </a:tcPr>
+                </a:tc>
+                <a:tc>
+                  <a:txBody>
+                    <a:bodyPr/>
+                    <a:lstStyle/>
+                    <a:p>
+                      <a:pPr marL="0" indent="0">
+                        <a:buFont typeface="Arial" panose="020B0604020202020204" pitchFamily="34" charset="0"/>
+                        <a:buNone/>
+                      </a:pPr>
+                      <a:r>
+                        <a:rPr lang="en-US" sz="1200" cap="none" spc="0">
+                          <a:solidFill>
+                            <a:schemeClr val="tx1">
+                              <a:lumMod val="75000"/>
+                              <a:lumOff val="25000"/>
+                            </a:schemeClr>
+                          </a:solidFill>
+                        </a:rPr>
+                        <a:t>High-temp</a:t>
+                      </a:r>
+                    </a:p>
+                    <a:p>
+                      <a:pPr marL="0" indent="0">
+                        <a:buFont typeface="Arial" panose="020B0604020202020204" pitchFamily="34" charset="0"/>
+                        <a:buNone/>
+                      </a:pPr>
+                      <a:r>
+                        <a:rPr lang="en-US" sz="1200" cap="none" spc="0">
+                          <a:solidFill>
+                            <a:schemeClr val="tx1">
+                              <a:lumMod val="75000"/>
+                              <a:lumOff val="25000"/>
+                            </a:schemeClr>
+                          </a:solidFill>
+                        </a:rPr>
+                        <a:t>Single-cell</a:t>
+                      </a:r>
+                    </a:p>
+                  </a:txBody>
+                  <a:tcPr marL="151379" marR="69489" marT="75688" marB="75688">
+                    <a:lnL w="12700" cap="flat" cmpd="sng" algn="ctr">
+                      <a:solidFill>
+                        <a:schemeClr val="tx1"/>
+                      </a:solidFill>
+                      <a:prstDash val="solid"/>
+                      <a:round/>
+                      <a:headEnd type="none" w="med" len="med"/>
+                      <a:tailEnd type="none" w="med" len="med"/>
+                    </a:lnL>
+                    <a:lnR w="12700" cap="flat" cmpd="sng" algn="ctr">
+                      <a:solidFill>
+                        <a:schemeClr val="tx1"/>
+                      </a:solidFill>
+                      <a:prstDash val="solid"/>
+                      <a:round/>
+                      <a:headEnd type="none" w="med" len="med"/>
+                      <a:tailEnd type="none" w="med" len="med"/>
+                    </a:lnR>
+                    <a:lnT w="12700" cap="flat" cmpd="sng" algn="ctr">
+                      <a:solidFill>
+                        <a:schemeClr val="tx1"/>
+                      </a:solidFill>
+                      <a:prstDash val="solid"/>
+                      <a:round/>
+                      <a:headEnd type="none" w="med" len="med"/>
+                      <a:tailEnd type="none" w="med" len="med"/>
+                    </a:lnT>
+                    <a:lnB w="12700" cap="flat" cmpd="sng" algn="ctr">
+                      <a:solidFill>
+                        <a:schemeClr val="tx1"/>
+                      </a:solidFill>
+                      <a:prstDash val="solid"/>
+                      <a:round/>
+                      <a:headEnd type="none" w="med" len="med"/>
+                      <a:tailEnd type="none" w="med" len="med"/>
+                    </a:lnB>
+                    <a:lnTlToBr w="12700" cmpd="sng">
+                      <a:noFill/>
+                      <a:prstDash val="solid"/>
+                    </a:lnTlToBr>
+                    <a:lnBlToTr w="12700" cmpd="sng">
+                      <a:noFill/>
+                      <a:prstDash val="solid"/>
+                    </a:lnBlToTr>
+                    <a:noFill/>
+                  </a:tcPr>
+                </a:tc>
+                <a:extLst>
+                  <a:ext uri="{0D108BD9-81ED-4DB2-BD59-A6C34878D82A}">
+                    <a16:rowId xmlns:a16="http://schemas.microsoft.com/office/drawing/2014/main" val="468101001"/>
+                  </a:ext>
+                </a:extLst>
+              </a:tr>
+              <a:tr h="373303">
+                <a:tc>
+                  <a:txBody>
+                    <a:bodyPr/>
+                    <a:lstStyle/>
+                    <a:p>
+                      <a:r>
+                        <a:rPr lang="en-US" sz="1200" cap="none" spc="0" dirty="0">
+                          <a:solidFill>
+                            <a:schemeClr val="tx1">
+                              <a:lumMod val="75000"/>
+                              <a:lumOff val="25000"/>
+                            </a:schemeClr>
+                          </a:solidFill>
+                        </a:rPr>
+                        <a:t>[4]</a:t>
+                      </a:r>
+                    </a:p>
+                  </a:txBody>
+                  <a:tcPr marL="151379" marR="69489" marT="75688" marB="75688">
+                    <a:lnL w="12700" cap="flat" cmpd="sng" algn="ctr">
+                      <a:solidFill>
+                        <a:schemeClr val="tx1"/>
+                      </a:solidFill>
+                      <a:prstDash val="solid"/>
+                      <a:round/>
+                      <a:headEnd type="none" w="med" len="med"/>
+                      <a:tailEnd type="none" w="med" len="med"/>
+                    </a:lnL>
+                    <a:lnR w="12700" cap="flat" cmpd="sng" algn="ctr">
+                      <a:solidFill>
+                        <a:schemeClr val="tx1"/>
+                      </a:solidFill>
+                      <a:prstDash val="solid"/>
+                      <a:round/>
+                      <a:headEnd type="none" w="med" len="med"/>
+                      <a:tailEnd type="none" w="med" len="med"/>
+                    </a:lnR>
+                    <a:lnT w="12700" cap="flat" cmpd="sng" algn="ctr">
+                      <a:solidFill>
+                        <a:schemeClr val="tx1"/>
+                      </a:solidFill>
+                      <a:prstDash val="solid"/>
+                      <a:round/>
+                      <a:headEnd type="none" w="med" len="med"/>
+                      <a:tailEnd type="none" w="med" len="med"/>
+                    </a:lnT>
+                    <a:lnB w="12700" cap="flat" cmpd="sng" algn="ctr">
+                      <a:solidFill>
+                        <a:schemeClr val="tx1"/>
+                      </a:solidFill>
+                      <a:prstDash val="solid"/>
+                      <a:round/>
+                      <a:headEnd type="none" w="med" len="med"/>
+                      <a:tailEnd type="none" w="med" len="med"/>
+                    </a:lnB>
+                    <a:lnTlToBr w="12700" cmpd="sng">
+                      <a:noFill/>
+                      <a:prstDash val="solid"/>
+                    </a:lnTlToBr>
+                    <a:lnBlToTr w="12700" cmpd="sng">
+                      <a:noFill/>
+                      <a:prstDash val="solid"/>
+                    </a:lnBlToTr>
                     <a:noFill/>
                   </a:tcPr>
                 </a:tc>
@@ -28220,32 +29185,63 @@
                     <a:lstStyle/>
                     <a:p>
                       <a:r>
-                        <a:rPr lang="en-US" sz="1100" cap="none" spc="0">
+                        <a:rPr lang="en-US" sz="1200" cap="none" spc="0">
                           <a:solidFill>
-                            <a:schemeClr val="tx1"/>
+                            <a:schemeClr val="tx1">
+                              <a:lumMod val="75000"/>
+                              <a:lumOff val="25000"/>
+                            </a:schemeClr>
                           </a:solidFill>
                         </a:rPr>
-                        <a:t>No</a:t>
+                        <a:t>FPPV</a:t>
                       </a:r>
                     </a:p>
                   </a:txBody>
-                  <a:tcPr marL="68823" marR="68823" marT="68823" marB="34412">
-                    <a:lnL w="12700" cmpd="sng">
-                      <a:noFill/>
-                      <a:prstDash val="solid"/>
+                  <a:tcPr marL="151379" marR="69489" marT="75688" marB="75688">
+                    <a:lnL w="12700" cap="flat" cmpd="sng" algn="ctr">
+                      <a:solidFill>
+                        <a:schemeClr val="tx1"/>
+                      </a:solidFill>
+                      <a:prstDash val="solid"/>
+                      <a:round/>
+                      <a:headEnd type="none" w="med" len="med"/>
+                      <a:tailEnd type="none" w="med" len="med"/>
                     </a:lnL>
-                    <a:lnR w="12700" cmpd="sng">
-                      <a:noFill/>
-                      <a:prstDash val="solid"/>
+                    <a:lnR w="12700" cap="flat" cmpd="sng" algn="ctr">
+                      <a:solidFill>
+                        <a:schemeClr val="tx1"/>
+                      </a:solidFill>
+                      <a:prstDash val="solid"/>
+                      <a:round/>
+                      <a:headEnd type="none" w="med" len="med"/>
+                      <a:tailEnd type="none" w="med" len="med"/>
                     </a:lnR>
-                    <a:lnT w="12700" cmpd="sng">
-                      <a:noFill/>
-                      <a:prstDash val="solid"/>
+                    <a:lnT w="12700" cap="flat" cmpd="sng" algn="ctr">
+                      <a:solidFill>
+                        <a:schemeClr val="tx1"/>
+                      </a:solidFill>
+                      <a:prstDash val="solid"/>
+                      <a:round/>
+                      <a:headEnd type="none" w="med" len="med"/>
+                      <a:tailEnd type="none" w="med" len="med"/>
                     </a:lnT>
                     <a:lnB w="12700" cap="flat" cmpd="sng" algn="ctr">
+                      <a:solidFill>
+                        <a:schemeClr val="tx1"/>
+                      </a:solidFill>
+                      <a:prstDash val="solid"/>
+                      <a:round/>
+                      <a:headEnd type="none" w="med" len="med"/>
+                      <a:tailEnd type="none" w="med" len="med"/>
+                    </a:lnB>
+                    <a:lnTlToBr w="12700" cmpd="sng">
                       <a:noFill/>
                       <a:prstDash val="solid"/>
-                    </a:lnB>
+                    </a:lnTlToBr>
+                    <a:lnBlToTr w="12700" cmpd="sng">
+                      <a:noFill/>
+                      <a:prstDash val="solid"/>
+                    </a:lnBlToTr>
                     <a:noFill/>
                   </a:tcPr>
                 </a:tc>
@@ -28255,319 +29251,63 @@
                     <a:lstStyle/>
                     <a:p>
                       <a:r>
-                        <a:rPr lang="en-US" sz="1100" cap="none" spc="0">
+                        <a:rPr lang="en-US" sz="1200" cap="none" spc="0">
                           <a:solidFill>
-                            <a:schemeClr val="tx1"/>
+                            <a:schemeClr val="tx1">
+                              <a:lumMod val="75000"/>
+                              <a:lumOff val="25000"/>
+                            </a:schemeClr>
                           </a:solidFill>
                         </a:rPr>
-                        <a:t>None</a:t>
+                        <a:t>Yes</a:t>
                       </a:r>
                     </a:p>
                   </a:txBody>
-                  <a:tcPr marL="68823" marR="68823" marT="68823" marB="34412">
-                    <a:lnL w="12700" cmpd="sng">
-                      <a:noFill/>
-                      <a:prstDash val="solid"/>
+                  <a:tcPr marL="151379" marR="69489" marT="75688" marB="75688">
+                    <a:lnL w="12700" cap="flat" cmpd="sng" algn="ctr">
+                      <a:solidFill>
+                        <a:schemeClr val="tx1"/>
+                      </a:solidFill>
+                      <a:prstDash val="solid"/>
+                      <a:round/>
+                      <a:headEnd type="none" w="med" len="med"/>
+                      <a:tailEnd type="none" w="med" len="med"/>
                     </a:lnL>
-                    <a:lnR w="12700" cmpd="sng">
-                      <a:noFill/>
-                      <a:prstDash val="solid"/>
+                    <a:lnR w="12700" cap="flat" cmpd="sng" algn="ctr">
+                      <a:solidFill>
+                        <a:schemeClr val="tx1"/>
+                      </a:solidFill>
+                      <a:prstDash val="solid"/>
+                      <a:round/>
+                      <a:headEnd type="none" w="med" len="med"/>
+                      <a:tailEnd type="none" w="med" len="med"/>
                     </a:lnR>
-                    <a:lnT w="12700" cmpd="sng">
-                      <a:noFill/>
-                      <a:prstDash val="solid"/>
+                    <a:lnT w="12700" cap="flat" cmpd="sng" algn="ctr">
+                      <a:solidFill>
+                        <a:schemeClr val="tx1"/>
+                      </a:solidFill>
+                      <a:prstDash val="solid"/>
+                      <a:round/>
+                      <a:headEnd type="none" w="med" len="med"/>
+                      <a:tailEnd type="none" w="med" len="med"/>
                     </a:lnT>
                     <a:lnB w="12700" cap="flat" cmpd="sng" algn="ctr">
+                      <a:solidFill>
+                        <a:schemeClr val="tx1"/>
+                      </a:solidFill>
+                      <a:prstDash val="solid"/>
+                      <a:round/>
+                      <a:headEnd type="none" w="med" len="med"/>
+                      <a:tailEnd type="none" w="med" len="med"/>
+                    </a:lnB>
+                    <a:lnTlToBr w="12700" cmpd="sng">
                       <a:noFill/>
                       <a:prstDash val="solid"/>
-                    </a:lnB>
-                    <a:noFill/>
-                  </a:tcPr>
-                </a:tc>
-                <a:extLst>
-                  <a:ext uri="{0D108BD9-81ED-4DB2-BD59-A6C34878D82A}">
-                    <a16:rowId xmlns:a16="http://schemas.microsoft.com/office/drawing/2014/main" val="2182883216"/>
-                  </a:ext>
-                </a:extLst>
-              </a:tr>
-              <a:tr h="291352">
-                <a:tc>
-                  <a:txBody>
-                    <a:bodyPr/>
-                    <a:lstStyle/>
-                    <a:p>
-                      <a:r>
-                        <a:rPr lang="en-US" sz="1100" cap="none" spc="0">
-                          <a:solidFill>
-                            <a:schemeClr val="tx1"/>
-                          </a:solidFill>
-                        </a:rPr>
-                        <a:t>(6)</a:t>
-                      </a:r>
-                    </a:p>
-                  </a:txBody>
-                  <a:tcPr marL="68823" marR="68823" marT="68823" marB="34412">
-                    <a:lnL w="12700" cmpd="sng">
+                    </a:lnTlToBr>
+                    <a:lnBlToTr w="12700" cmpd="sng">
                       <a:noFill/>
                       <a:prstDash val="solid"/>
-                    </a:lnL>
-                    <a:lnR w="12700" cmpd="sng">
-                      <a:noFill/>
-                      <a:prstDash val="solid"/>
-                    </a:lnR>
-                    <a:lnT w="12700" cap="flat" cmpd="sng" algn="ctr">
-                      <a:noFill/>
-                      <a:prstDash val="solid"/>
-                    </a:lnT>
-                    <a:lnB w="12700" cmpd="sng">
-                      <a:noFill/>
-                      <a:prstDash val="solid"/>
-                    </a:lnB>
-                    <a:solidFill>
-                      <a:schemeClr val="bg1">
-                        <a:lumMod val="95000"/>
-                      </a:schemeClr>
-                    </a:solidFill>
-                  </a:tcPr>
-                </a:tc>
-                <a:tc>
-                  <a:txBody>
-                    <a:bodyPr/>
-                    <a:lstStyle/>
-                    <a:p>
-                      <a:r>
-                        <a:rPr lang="en-US" sz="1100" cap="none" spc="0">
-                          <a:solidFill>
-                            <a:schemeClr val="tx1"/>
-                          </a:solidFill>
-                        </a:rPr>
-                        <a:t>No</a:t>
-                      </a:r>
-                    </a:p>
-                  </a:txBody>
-                  <a:tcPr marL="68823" marR="68823" marT="68823" marB="34412">
-                    <a:lnL w="12700" cmpd="sng">
-                      <a:noFill/>
-                      <a:prstDash val="solid"/>
-                    </a:lnL>
-                    <a:lnR w="12700" cmpd="sng">
-                      <a:noFill/>
-                      <a:prstDash val="solid"/>
-                    </a:lnR>
-                    <a:lnT w="12700" cap="flat" cmpd="sng" algn="ctr">
-                      <a:noFill/>
-                      <a:prstDash val="solid"/>
-                    </a:lnT>
-                    <a:lnB w="12700" cmpd="sng">
-                      <a:noFill/>
-                      <a:prstDash val="solid"/>
-                    </a:lnB>
-                    <a:solidFill>
-                      <a:schemeClr val="bg1">
-                        <a:lumMod val="95000"/>
-                      </a:schemeClr>
-                    </a:solidFill>
-                  </a:tcPr>
-                </a:tc>
-                <a:tc>
-                  <a:txBody>
-                    <a:bodyPr/>
-                    <a:lstStyle/>
-                    <a:p>
-                      <a:r>
-                        <a:rPr lang="en-US" sz="1100" cap="none" spc="0">
-                          <a:solidFill>
-                            <a:schemeClr val="tx1"/>
-                          </a:solidFill>
-                        </a:rPr>
-                        <a:t>4</a:t>
-                      </a:r>
-                    </a:p>
-                  </a:txBody>
-                  <a:tcPr marL="68823" marR="68823" marT="68823" marB="34412">
-                    <a:lnL w="12700" cmpd="sng">
-                      <a:noFill/>
-                      <a:prstDash val="solid"/>
-                    </a:lnL>
-                    <a:lnR w="12700" cmpd="sng">
-                      <a:noFill/>
-                      <a:prstDash val="solid"/>
-                    </a:lnR>
-                    <a:lnT w="12700" cap="flat" cmpd="sng" algn="ctr">
-                      <a:noFill/>
-                      <a:prstDash val="solid"/>
-                    </a:lnT>
-                    <a:lnB w="12700" cmpd="sng">
-                      <a:noFill/>
-                      <a:prstDash val="solid"/>
-                    </a:lnB>
-                    <a:solidFill>
-                      <a:schemeClr val="bg1">
-                        <a:lumMod val="95000"/>
-                      </a:schemeClr>
-                    </a:solidFill>
-                  </a:tcPr>
-                </a:tc>
-                <a:tc>
-                  <a:txBody>
-                    <a:bodyPr/>
-                    <a:lstStyle/>
-                    <a:p>
-                      <a:r>
-                        <a:rPr lang="en-US" sz="1100" cap="none" spc="0">
-                          <a:solidFill>
-                            <a:schemeClr val="tx1"/>
-                          </a:solidFill>
-                        </a:rPr>
-                        <a:t>Single cell</a:t>
-                      </a:r>
-                    </a:p>
-                  </a:txBody>
-                  <a:tcPr marL="68823" marR="68823" marT="68823" marB="34412">
-                    <a:lnL w="12700" cmpd="sng">
-                      <a:noFill/>
-                      <a:prstDash val="solid"/>
-                    </a:lnL>
-                    <a:lnR w="12700" cmpd="sng">
-                      <a:noFill/>
-                      <a:prstDash val="solid"/>
-                    </a:lnR>
-                    <a:lnT w="12700" cap="flat" cmpd="sng" algn="ctr">
-                      <a:noFill/>
-                      <a:prstDash val="solid"/>
-                    </a:lnT>
-                    <a:lnB w="12700" cmpd="sng">
-                      <a:noFill/>
-                      <a:prstDash val="solid"/>
-                    </a:lnB>
-                    <a:solidFill>
-                      <a:schemeClr val="bg1">
-                        <a:lumMod val="95000"/>
-                      </a:schemeClr>
-                    </a:solidFill>
-                  </a:tcPr>
-                </a:tc>
-                <a:tc>
-                  <a:txBody>
-                    <a:bodyPr/>
-                    <a:lstStyle/>
-                    <a:p>
-                      <a:r>
-                        <a:rPr lang="en-US" sz="1100" cap="none" spc="0">
-                          <a:solidFill>
-                            <a:schemeClr val="tx1"/>
-                          </a:solidFill>
-                        </a:rPr>
-                        <a:t>No</a:t>
-                      </a:r>
-                    </a:p>
-                  </a:txBody>
-                  <a:tcPr marL="68823" marR="68823" marT="68823" marB="34412">
-                    <a:lnL w="12700" cmpd="sng">
-                      <a:noFill/>
-                      <a:prstDash val="solid"/>
-                    </a:lnL>
-                    <a:lnR w="12700" cmpd="sng">
-                      <a:noFill/>
-                      <a:prstDash val="solid"/>
-                    </a:lnR>
-                    <a:lnT w="12700" cap="flat" cmpd="sng" algn="ctr">
-                      <a:noFill/>
-                      <a:prstDash val="solid"/>
-                    </a:lnT>
-                    <a:lnB w="12700" cmpd="sng">
-                      <a:noFill/>
-                      <a:prstDash val="solid"/>
-                    </a:lnB>
-                    <a:solidFill>
-                      <a:schemeClr val="bg1">
-                        <a:lumMod val="95000"/>
-                      </a:schemeClr>
-                    </a:solidFill>
-                  </a:tcPr>
-                </a:tc>
-                <a:tc>
-                  <a:txBody>
-                    <a:bodyPr/>
-                    <a:lstStyle/>
-                    <a:p>
-                      <a:pPr marL="285750" indent="-285750">
-                        <a:buFont typeface="Arial" panose="020B0604020202020204" pitchFamily="34" charset="0"/>
-                        <a:buChar char="•"/>
-                      </a:pPr>
-                      <a:r>
-                        <a:rPr lang="en-US" sz="1100" cap="none" spc="0">
-                          <a:solidFill>
-                            <a:schemeClr val="tx1"/>
-                          </a:solidFill>
-                        </a:rPr>
-                        <a:t>Retention: single-cell, low-temp</a:t>
-                      </a:r>
-                    </a:p>
-                  </a:txBody>
-                  <a:tcPr marL="68823" marR="68823" marT="68823" marB="34412">
-                    <a:lnL w="12700" cmpd="sng">
-                      <a:noFill/>
-                      <a:prstDash val="solid"/>
-                    </a:lnL>
-                    <a:lnR w="12700" cmpd="sng">
-                      <a:noFill/>
-                      <a:prstDash val="solid"/>
-                    </a:lnR>
-                    <a:lnT w="12700" cap="flat" cmpd="sng" algn="ctr">
-                      <a:noFill/>
-                      <a:prstDash val="solid"/>
-                    </a:lnT>
-                    <a:lnB w="12700" cmpd="sng">
-                      <a:noFill/>
-                      <a:prstDash val="solid"/>
-                    </a:lnB>
-                    <a:solidFill>
-                      <a:schemeClr val="bg1">
-                        <a:lumMod val="95000"/>
-                      </a:schemeClr>
-                    </a:solidFill>
-                  </a:tcPr>
-                </a:tc>
-                <a:extLst>
-                  <a:ext uri="{0D108BD9-81ED-4DB2-BD59-A6C34878D82A}">
-                    <a16:rowId xmlns:a16="http://schemas.microsoft.com/office/drawing/2014/main" val="746225886"/>
-                  </a:ext>
-                </a:extLst>
-              </a:tr>
-              <a:tr h="291352">
-                <a:tc>
-                  <a:txBody>
-                    <a:bodyPr/>
-                    <a:lstStyle/>
-                    <a:p>
-                      <a:r>
-                        <a:rPr lang="en-US" sz="1100" cap="none" spc="0">
-                          <a:solidFill>
-                            <a:schemeClr val="tx1"/>
-                          </a:solidFill>
-                        </a:rPr>
-                        <a:t>(7)</a:t>
-                      </a:r>
-                    </a:p>
-                  </a:txBody>
-                  <a:tcPr marL="68823" marR="68823" marT="68823" marB="34412">
-                    <a:lnL w="12700" cmpd="sng">
-                      <a:noFill/>
-                      <a:prstDash val="solid"/>
-                    </a:lnL>
-                    <a:lnR w="12700" cmpd="sng">
-                      <a:noFill/>
-                      <a:prstDash val="solid"/>
-                    </a:lnR>
-                    <a:lnT w="12700" cmpd="sng">
-                      <a:noFill/>
-                      <a:prstDash val="solid"/>
-                    </a:lnT>
-                    <a:lnB w="12700" cap="flat" cmpd="sng" algn="ctr">
-                      <a:noFill/>
-                      <a:prstDash val="solid"/>
-                    </a:lnB>
+                    </a:lnBlToTr>
                     <a:noFill/>
                   </a:tcPr>
                 </a:tc>
@@ -28577,32 +29317,63 @@
                     <a:lstStyle/>
                     <a:p>
                       <a:r>
-                        <a:rPr lang="en-US" sz="1100" cap="none" spc="0">
+                        <a:rPr lang="en-US" sz="1200" cap="none" spc="0">
                           <a:solidFill>
-                            <a:schemeClr val="tx1"/>
+                            <a:schemeClr val="tx1">
+                              <a:lumMod val="75000"/>
+                              <a:lumOff val="25000"/>
+                            </a:schemeClr>
                           </a:solidFill>
                         </a:rPr>
-                        <a:t>No</a:t>
+                        <a:t>3</a:t>
                       </a:r>
                     </a:p>
                   </a:txBody>
-                  <a:tcPr marL="68823" marR="68823" marT="68823" marB="34412">
-                    <a:lnL w="12700" cmpd="sng">
-                      <a:noFill/>
-                      <a:prstDash val="solid"/>
+                  <a:tcPr marL="151379" marR="69489" marT="75688" marB="75688">
+                    <a:lnL w="12700" cap="flat" cmpd="sng" algn="ctr">
+                      <a:solidFill>
+                        <a:schemeClr val="tx1"/>
+                      </a:solidFill>
+                      <a:prstDash val="solid"/>
+                      <a:round/>
+                      <a:headEnd type="none" w="med" len="med"/>
+                      <a:tailEnd type="none" w="med" len="med"/>
                     </a:lnL>
-                    <a:lnR w="12700" cmpd="sng">
-                      <a:noFill/>
-                      <a:prstDash val="solid"/>
+                    <a:lnR w="12700" cap="flat" cmpd="sng" algn="ctr">
+                      <a:solidFill>
+                        <a:schemeClr val="tx1"/>
+                      </a:solidFill>
+                      <a:prstDash val="solid"/>
+                      <a:round/>
+                      <a:headEnd type="none" w="med" len="med"/>
+                      <a:tailEnd type="none" w="med" len="med"/>
                     </a:lnR>
-                    <a:lnT w="12700" cmpd="sng">
-                      <a:noFill/>
-                      <a:prstDash val="solid"/>
+                    <a:lnT w="12700" cap="flat" cmpd="sng" algn="ctr">
+                      <a:solidFill>
+                        <a:schemeClr val="tx1"/>
+                      </a:solidFill>
+                      <a:prstDash val="solid"/>
+                      <a:round/>
+                      <a:headEnd type="none" w="med" len="med"/>
+                      <a:tailEnd type="none" w="med" len="med"/>
                     </a:lnT>
                     <a:lnB w="12700" cap="flat" cmpd="sng" algn="ctr">
+                      <a:solidFill>
+                        <a:schemeClr val="tx1"/>
+                      </a:solidFill>
+                      <a:prstDash val="solid"/>
+                      <a:round/>
+                      <a:headEnd type="none" w="med" len="med"/>
+                      <a:tailEnd type="none" w="med" len="med"/>
+                    </a:lnB>
+                    <a:lnTlToBr w="12700" cmpd="sng">
                       <a:noFill/>
                       <a:prstDash val="solid"/>
-                    </a:lnB>
+                    </a:lnTlToBr>
+                    <a:lnBlToTr w="12700" cmpd="sng">
+                      <a:noFill/>
+                      <a:prstDash val="solid"/>
+                    </a:lnBlToTr>
                     <a:noFill/>
                   </a:tcPr>
                 </a:tc>
@@ -28612,32 +29383,63 @@
                     <a:lstStyle/>
                     <a:p>
                       <a:r>
-                        <a:rPr lang="en-US" sz="1100" cap="none" spc="0">
+                        <a:rPr lang="en-US" sz="1200" cap="none" spc="0" dirty="0">
                           <a:solidFill>
-                            <a:schemeClr val="tx1"/>
+                            <a:schemeClr val="tx1">
+                              <a:lumMod val="75000"/>
+                              <a:lumOff val="25000"/>
+                            </a:schemeClr>
                           </a:solidFill>
                         </a:rPr>
-                        <a:t>2</a:t>
+                        <a:t>7,746</a:t>
                       </a:r>
                     </a:p>
                   </a:txBody>
-                  <a:tcPr marL="68823" marR="68823" marT="68823" marB="34412">
-                    <a:lnL w="12700" cmpd="sng">
-                      <a:noFill/>
-                      <a:prstDash val="solid"/>
+                  <a:tcPr marL="151379" marR="69489" marT="75688" marB="75688">
+                    <a:lnL w="12700" cap="flat" cmpd="sng" algn="ctr">
+                      <a:solidFill>
+                        <a:schemeClr val="tx1"/>
+                      </a:solidFill>
+                      <a:prstDash val="solid"/>
+                      <a:round/>
+                      <a:headEnd type="none" w="med" len="med"/>
+                      <a:tailEnd type="none" w="med" len="med"/>
                     </a:lnL>
-                    <a:lnR w="12700" cmpd="sng">
-                      <a:noFill/>
-                      <a:prstDash val="solid"/>
+                    <a:lnR w="12700" cap="flat" cmpd="sng" algn="ctr">
+                      <a:solidFill>
+                        <a:schemeClr val="tx1"/>
+                      </a:solidFill>
+                      <a:prstDash val="solid"/>
+                      <a:round/>
+                      <a:headEnd type="none" w="med" len="med"/>
+                      <a:tailEnd type="none" w="med" len="med"/>
                     </a:lnR>
-                    <a:lnT w="12700" cmpd="sng">
-                      <a:noFill/>
-                      <a:prstDash val="solid"/>
+                    <a:lnT w="12700" cap="flat" cmpd="sng" algn="ctr">
+                      <a:solidFill>
+                        <a:schemeClr val="tx1"/>
+                      </a:solidFill>
+                      <a:prstDash val="solid"/>
+                      <a:round/>
+                      <a:headEnd type="none" w="med" len="med"/>
+                      <a:tailEnd type="none" w="med" len="med"/>
                     </a:lnT>
                     <a:lnB w="12700" cap="flat" cmpd="sng" algn="ctr">
+                      <a:solidFill>
+                        <a:schemeClr val="tx1"/>
+                      </a:solidFill>
+                      <a:prstDash val="solid"/>
+                      <a:round/>
+                      <a:headEnd type="none" w="med" len="med"/>
+                      <a:tailEnd type="none" w="med" len="med"/>
+                    </a:lnB>
+                    <a:lnTlToBr w="12700" cmpd="sng">
                       <a:noFill/>
                       <a:prstDash val="solid"/>
-                    </a:lnB>
+                    </a:lnTlToBr>
+                    <a:lnBlToTr w="12700" cmpd="sng">
+                      <a:noFill/>
+                      <a:prstDash val="solid"/>
+                    </a:lnBlToTr>
                     <a:noFill/>
                   </a:tcPr>
                 </a:tc>
@@ -28647,32 +29449,276 @@
                     <a:lstStyle/>
                     <a:p>
                       <a:r>
-                        <a:rPr lang="en-US" sz="1100" cap="none" spc="0">
+                        <a:rPr lang="en-US" sz="1200" cap="none" spc="0" dirty="0">
                           <a:solidFill>
-                            <a:schemeClr val="tx1"/>
+                            <a:schemeClr val="tx1">
+                              <a:lumMod val="75000"/>
+                              <a:lumOff val="25000"/>
+                            </a:schemeClr>
                           </a:solidFill>
                         </a:rPr>
-                        <a:t>10</a:t>
+                        <a:t>Yes</a:t>
                       </a:r>
                     </a:p>
                   </a:txBody>
-                  <a:tcPr marL="68823" marR="68823" marT="68823" marB="34412">
-                    <a:lnL w="12700" cmpd="sng">
-                      <a:noFill/>
-                      <a:prstDash val="solid"/>
+                  <a:tcPr marL="151379" marR="69489" marT="75688" marB="75688">
+                    <a:lnL w="12700" cap="flat" cmpd="sng" algn="ctr">
+                      <a:solidFill>
+                        <a:schemeClr val="tx1"/>
+                      </a:solidFill>
+                      <a:prstDash val="solid"/>
+                      <a:round/>
+                      <a:headEnd type="none" w="med" len="med"/>
+                      <a:tailEnd type="none" w="med" len="med"/>
                     </a:lnL>
-                    <a:lnR w="12700" cmpd="sng">
-                      <a:noFill/>
-                      <a:prstDash val="solid"/>
+                    <a:lnR w="12700" cap="flat" cmpd="sng" algn="ctr">
+                      <a:solidFill>
+                        <a:schemeClr val="tx1"/>
+                      </a:solidFill>
+                      <a:prstDash val="solid"/>
+                      <a:round/>
+                      <a:headEnd type="none" w="med" len="med"/>
+                      <a:tailEnd type="none" w="med" len="med"/>
                     </a:lnR>
-                    <a:lnT w="12700" cmpd="sng">
-                      <a:noFill/>
-                      <a:prstDash val="solid"/>
+                    <a:lnT w="12700" cap="flat" cmpd="sng" algn="ctr">
+                      <a:solidFill>
+                        <a:schemeClr val="tx1"/>
+                      </a:solidFill>
+                      <a:prstDash val="solid"/>
+                      <a:round/>
+                      <a:headEnd type="none" w="med" len="med"/>
+                      <a:tailEnd type="none" w="med" len="med"/>
                     </a:lnT>
                     <a:lnB w="12700" cap="flat" cmpd="sng" algn="ctr">
+                      <a:solidFill>
+                        <a:schemeClr val="tx1"/>
+                      </a:solidFill>
+                      <a:prstDash val="solid"/>
+                      <a:round/>
+                      <a:headEnd type="none" w="med" len="med"/>
+                      <a:tailEnd type="none" w="med" len="med"/>
+                    </a:lnB>
+                    <a:lnTlToBr w="12700" cmpd="sng">
                       <a:noFill/>
                       <a:prstDash val="solid"/>
+                    </a:lnTlToBr>
+                    <a:lnBlToTr w="12700" cmpd="sng">
+                      <a:noFill/>
+                      <a:prstDash val="solid"/>
+                    </a:lnBlToTr>
+                    <a:noFill/>
+                  </a:tcPr>
+                </a:tc>
+                <a:tc>
+                  <a:txBody>
+                    <a:bodyPr/>
+                    <a:lstStyle/>
+                    <a:p>
+                      <a:pPr marL="0" indent="0">
+                        <a:buFont typeface="Arial" panose="020B0604020202020204" pitchFamily="34" charset="0"/>
+                        <a:buNone/>
+                      </a:pPr>
+                      <a:r>
+                        <a:rPr lang="en-US" sz="1200" cap="none" spc="0">
+                          <a:solidFill>
+                            <a:schemeClr val="tx1">
+                              <a:lumMod val="75000"/>
+                              <a:lumOff val="25000"/>
+                            </a:schemeClr>
+                          </a:solidFill>
+                        </a:rPr>
+                        <a:t>Yes</a:t>
+                      </a:r>
+                    </a:p>
+                  </a:txBody>
+                  <a:tcPr marL="151379" marR="69489" marT="75688" marB="75688">
+                    <a:lnL w="12700" cap="flat" cmpd="sng" algn="ctr">
+                      <a:solidFill>
+                        <a:schemeClr val="tx1"/>
+                      </a:solidFill>
+                      <a:prstDash val="solid"/>
+                      <a:round/>
+                      <a:headEnd type="none" w="med" len="med"/>
+                      <a:tailEnd type="none" w="med" len="med"/>
+                    </a:lnL>
+                    <a:lnR w="12700" cap="flat" cmpd="sng" algn="ctr">
+                      <a:solidFill>
+                        <a:schemeClr val="tx1"/>
+                      </a:solidFill>
+                      <a:prstDash val="solid"/>
+                      <a:round/>
+                      <a:headEnd type="none" w="med" len="med"/>
+                      <a:tailEnd type="none" w="med" len="med"/>
+                    </a:lnR>
+                    <a:lnT w="12700" cap="flat" cmpd="sng" algn="ctr">
+                      <a:solidFill>
+                        <a:schemeClr val="tx1"/>
+                      </a:solidFill>
+                      <a:prstDash val="solid"/>
+                      <a:round/>
+                      <a:headEnd type="none" w="med" len="med"/>
+                      <a:tailEnd type="none" w="med" len="med"/>
+                    </a:lnT>
+                    <a:lnB w="12700" cap="flat" cmpd="sng" algn="ctr">
+                      <a:solidFill>
+                        <a:schemeClr val="tx1"/>
+                      </a:solidFill>
+                      <a:prstDash val="solid"/>
+                      <a:round/>
+                      <a:headEnd type="none" w="med" len="med"/>
+                      <a:tailEnd type="none" w="med" len="med"/>
                     </a:lnB>
+                    <a:lnTlToBr w="12700" cmpd="sng">
+                      <a:noFill/>
+                      <a:prstDash val="solid"/>
+                    </a:lnTlToBr>
+                    <a:lnBlToTr w="12700" cmpd="sng">
+                      <a:noFill/>
+                      <a:prstDash val="solid"/>
+                    </a:lnBlToTr>
+                    <a:noFill/>
+                  </a:tcPr>
+                </a:tc>
+                <a:tc>
+                  <a:txBody>
+                    <a:bodyPr/>
+                    <a:lstStyle/>
+                    <a:p>
+                      <a:pPr marL="0" indent="0">
+                        <a:buFont typeface="Arial" panose="020B0604020202020204" pitchFamily="34" charset="0"/>
+                        <a:buNone/>
+                      </a:pPr>
+                      <a:r>
+                        <a:rPr lang="en-US" sz="1200" cap="none" spc="0" dirty="0">
+                          <a:solidFill>
+                            <a:schemeClr val="tx1">
+                              <a:lumMod val="75000"/>
+                              <a:lumOff val="25000"/>
+                            </a:schemeClr>
+                          </a:solidFill>
+                        </a:rPr>
+                        <a:t>None</a:t>
+                      </a:r>
+                    </a:p>
+                  </a:txBody>
+                  <a:tcPr marL="151379" marR="69489" marT="75688" marB="75688">
+                    <a:lnL w="12700" cap="flat" cmpd="sng" algn="ctr">
+                      <a:solidFill>
+                        <a:schemeClr val="tx1"/>
+                      </a:solidFill>
+                      <a:prstDash val="solid"/>
+                      <a:round/>
+                      <a:headEnd type="none" w="med" len="med"/>
+                      <a:tailEnd type="none" w="med" len="med"/>
+                    </a:lnL>
+                    <a:lnR w="12700" cap="flat" cmpd="sng" algn="ctr">
+                      <a:solidFill>
+                        <a:schemeClr val="tx1"/>
+                      </a:solidFill>
+                      <a:prstDash val="solid"/>
+                      <a:round/>
+                      <a:headEnd type="none" w="med" len="med"/>
+                      <a:tailEnd type="none" w="med" len="med"/>
+                    </a:lnR>
+                    <a:lnT w="12700" cap="flat" cmpd="sng" algn="ctr">
+                      <a:solidFill>
+                        <a:schemeClr val="tx1"/>
+                      </a:solidFill>
+                      <a:prstDash val="solid"/>
+                      <a:round/>
+                      <a:headEnd type="none" w="med" len="med"/>
+                      <a:tailEnd type="none" w="med" len="med"/>
+                    </a:lnT>
+                    <a:lnB w="12700" cap="flat" cmpd="sng" algn="ctr">
+                      <a:solidFill>
+                        <a:schemeClr val="tx1"/>
+                      </a:solidFill>
+                      <a:prstDash val="solid"/>
+                      <a:round/>
+                      <a:headEnd type="none" w="med" len="med"/>
+                      <a:tailEnd type="none" w="med" len="med"/>
+                    </a:lnB>
+                    <a:lnTlToBr w="12700" cmpd="sng">
+                      <a:noFill/>
+                      <a:prstDash val="solid"/>
+                    </a:lnTlToBr>
+                    <a:lnBlToTr w="12700" cmpd="sng">
+                      <a:noFill/>
+                      <a:prstDash val="solid"/>
+                    </a:lnBlToTr>
+                    <a:noFill/>
+                  </a:tcPr>
+                </a:tc>
+                <a:extLst>
+                  <a:ext uri="{0D108BD9-81ED-4DB2-BD59-A6C34878D82A}">
+                    <a16:rowId xmlns:a16="http://schemas.microsoft.com/office/drawing/2014/main" val="970114625"/>
+                  </a:ext>
+                </a:extLst>
+              </a:tr>
+              <a:tr h="558241">
+                <a:tc>
+                  <a:txBody>
+                    <a:bodyPr/>
+                    <a:lstStyle/>
+                    <a:p>
+                      <a:r>
+                        <a:rPr lang="en-US" sz="1200" cap="none" spc="0">
+                          <a:solidFill>
+                            <a:schemeClr val="tx1">
+                              <a:lumMod val="75000"/>
+                              <a:lumOff val="25000"/>
+                            </a:schemeClr>
+                          </a:solidFill>
+                        </a:rPr>
+                        <a:t>[11]</a:t>
+                      </a:r>
+                    </a:p>
+                  </a:txBody>
+                  <a:tcPr marL="151379" marR="69489" marT="75688" marB="75688">
+                    <a:lnL w="12700" cap="flat" cmpd="sng" algn="ctr">
+                      <a:solidFill>
+                        <a:schemeClr val="tx1"/>
+                      </a:solidFill>
+                      <a:prstDash val="solid"/>
+                      <a:round/>
+                      <a:headEnd type="none" w="med" len="med"/>
+                      <a:tailEnd type="none" w="med" len="med"/>
+                    </a:lnL>
+                    <a:lnR w="12700" cap="flat" cmpd="sng" algn="ctr">
+                      <a:solidFill>
+                        <a:schemeClr val="tx1"/>
+                      </a:solidFill>
+                      <a:prstDash val="solid"/>
+                      <a:round/>
+                      <a:headEnd type="none" w="med" len="med"/>
+                      <a:tailEnd type="none" w="med" len="med"/>
+                    </a:lnR>
+                    <a:lnT w="12700" cap="flat" cmpd="sng" algn="ctr">
+                      <a:solidFill>
+                        <a:schemeClr val="tx1"/>
+                      </a:solidFill>
+                      <a:prstDash val="solid"/>
+                      <a:round/>
+                      <a:headEnd type="none" w="med" len="med"/>
+                      <a:tailEnd type="none" w="med" len="med"/>
+                    </a:lnT>
+                    <a:lnB w="12700" cap="flat" cmpd="sng" algn="ctr">
+                      <a:solidFill>
+                        <a:schemeClr val="tx1"/>
+                      </a:solidFill>
+                      <a:prstDash val="solid"/>
+                      <a:round/>
+                      <a:headEnd type="none" w="med" len="med"/>
+                      <a:tailEnd type="none" w="med" len="med"/>
+                    </a:lnB>
+                    <a:lnTlToBr w="12700" cmpd="sng">
+                      <a:noFill/>
+                      <a:prstDash val="solid"/>
+                    </a:lnTlToBr>
+                    <a:lnBlToTr w="12700" cmpd="sng">
+                      <a:noFill/>
+                      <a:prstDash val="solid"/>
+                    </a:lnBlToTr>
                     <a:noFill/>
                   </a:tcPr>
                 </a:tc>
@@ -28682,32 +29728,63 @@
                     <a:lstStyle/>
                     <a:p>
                       <a:r>
-                        <a:rPr lang="en-US" sz="1100" cap="none" spc="0">
+                        <a:rPr lang="en-US" sz="1200" cap="none" spc="0">
                           <a:solidFill>
-                            <a:schemeClr val="tx1"/>
+                            <a:schemeClr val="tx1">
+                              <a:lumMod val="75000"/>
+                              <a:lumOff val="25000"/>
+                            </a:schemeClr>
                           </a:solidFill>
                         </a:rPr>
-                        <a:t>No</a:t>
+                        <a:t>ISPP</a:t>
                       </a:r>
                     </a:p>
                   </a:txBody>
-                  <a:tcPr marL="68823" marR="68823" marT="68823" marB="34412">
-                    <a:lnL w="12700" cmpd="sng">
-                      <a:noFill/>
-                      <a:prstDash val="solid"/>
+                  <a:tcPr marL="151379" marR="69489" marT="75688" marB="75688">
+                    <a:lnL w="12700" cap="flat" cmpd="sng" algn="ctr">
+                      <a:solidFill>
+                        <a:schemeClr val="tx1"/>
+                      </a:solidFill>
+                      <a:prstDash val="solid"/>
+                      <a:round/>
+                      <a:headEnd type="none" w="med" len="med"/>
+                      <a:tailEnd type="none" w="med" len="med"/>
                     </a:lnL>
-                    <a:lnR w="12700" cmpd="sng">
-                      <a:noFill/>
-                      <a:prstDash val="solid"/>
+                    <a:lnR w="12700" cap="flat" cmpd="sng" algn="ctr">
+                      <a:solidFill>
+                        <a:schemeClr val="tx1"/>
+                      </a:solidFill>
+                      <a:prstDash val="solid"/>
+                      <a:round/>
+                      <a:headEnd type="none" w="med" len="med"/>
+                      <a:tailEnd type="none" w="med" len="med"/>
                     </a:lnR>
-                    <a:lnT w="12700" cmpd="sng">
-                      <a:noFill/>
-                      <a:prstDash val="solid"/>
+                    <a:lnT w="12700" cap="flat" cmpd="sng" algn="ctr">
+                      <a:solidFill>
+                        <a:schemeClr val="tx1"/>
+                      </a:solidFill>
+                      <a:prstDash val="solid"/>
+                      <a:round/>
+                      <a:headEnd type="none" w="med" len="med"/>
+                      <a:tailEnd type="none" w="med" len="med"/>
                     </a:lnT>
                     <a:lnB w="12700" cap="flat" cmpd="sng" algn="ctr">
+                      <a:solidFill>
+                        <a:schemeClr val="tx1"/>
+                      </a:solidFill>
+                      <a:prstDash val="solid"/>
+                      <a:round/>
+                      <a:headEnd type="none" w="med" len="med"/>
+                      <a:tailEnd type="none" w="med" len="med"/>
+                    </a:lnB>
+                    <a:lnTlToBr w="12700" cmpd="sng">
                       <a:noFill/>
                       <a:prstDash val="solid"/>
-                    </a:lnB>
+                    </a:lnTlToBr>
+                    <a:lnBlToTr w="12700" cmpd="sng">
+                      <a:noFill/>
+                      <a:prstDash val="solid"/>
+                    </a:lnBlToTr>
                     <a:noFill/>
                   </a:tcPr>
                 </a:tc>
@@ -28716,84 +29793,65 @@
                     <a:bodyPr/>
                     <a:lstStyle/>
                     <a:p>
-                      <a:pPr marL="285750" indent="-285750">
-                        <a:buFont typeface="Arial" panose="020B0604020202020204" pitchFamily="34" charset="0"/>
-                        <a:buChar char="•"/>
-                      </a:pPr>
                       <a:r>
-                        <a:rPr lang="en-US" sz="1100" cap="none" spc="0">
+                        <a:rPr lang="en-US" sz="1200" cap="none" spc="0">
                           <a:solidFill>
-                            <a:schemeClr val="tx1"/>
+                            <a:schemeClr val="tx1">
+                              <a:lumMod val="75000"/>
+                              <a:lumOff val="25000"/>
+                            </a:schemeClr>
                           </a:solidFill>
                         </a:rPr>
-                        <a:t>Endurance</a:t>
+                        <a:t>Yes</a:t>
                       </a:r>
                     </a:p>
                   </a:txBody>
-                  <a:tcPr marL="68823" marR="68823" marT="68823" marB="34412">
-                    <a:lnL w="12700" cmpd="sng">
-                      <a:noFill/>
-                      <a:prstDash val="solid"/>
+                  <a:tcPr marL="151379" marR="69489" marT="75688" marB="75688">
+                    <a:lnL w="12700" cap="flat" cmpd="sng" algn="ctr">
+                      <a:solidFill>
+                        <a:schemeClr val="tx1"/>
+                      </a:solidFill>
+                      <a:prstDash val="solid"/>
+                      <a:round/>
+                      <a:headEnd type="none" w="med" len="med"/>
+                      <a:tailEnd type="none" w="med" len="med"/>
                     </a:lnL>
-                    <a:lnR w="12700" cmpd="sng">
-                      <a:noFill/>
-                      <a:prstDash val="solid"/>
+                    <a:lnR w="12700" cap="flat" cmpd="sng" algn="ctr">
+                      <a:solidFill>
+                        <a:schemeClr val="tx1"/>
+                      </a:solidFill>
+                      <a:prstDash val="solid"/>
+                      <a:round/>
+                      <a:headEnd type="none" w="med" len="med"/>
+                      <a:tailEnd type="none" w="med" len="med"/>
                     </a:lnR>
-                    <a:lnT w="12700" cmpd="sng">
-                      <a:noFill/>
-                      <a:prstDash val="solid"/>
+                    <a:lnT w="12700" cap="flat" cmpd="sng" algn="ctr">
+                      <a:solidFill>
+                        <a:schemeClr val="tx1"/>
+                      </a:solidFill>
+                      <a:prstDash val="solid"/>
+                      <a:round/>
+                      <a:headEnd type="none" w="med" len="med"/>
+                      <a:tailEnd type="none" w="med" len="med"/>
                     </a:lnT>
                     <a:lnB w="12700" cap="flat" cmpd="sng" algn="ctr">
+                      <a:solidFill>
+                        <a:schemeClr val="tx1"/>
+                      </a:solidFill>
+                      <a:prstDash val="solid"/>
+                      <a:round/>
+                      <a:headEnd type="none" w="med" len="med"/>
+                      <a:tailEnd type="none" w="med" len="med"/>
+                    </a:lnB>
+                    <a:lnTlToBr w="12700" cmpd="sng">
                       <a:noFill/>
                       <a:prstDash val="solid"/>
-                    </a:lnB>
+                    </a:lnTlToBr>
+                    <a:lnBlToTr w="12700" cmpd="sng">
+                      <a:noFill/>
+                      <a:prstDash val="solid"/>
+                    </a:lnBlToTr>
                     <a:noFill/>
-                  </a:tcPr>
-                </a:tc>
-                <a:extLst>
-                  <a:ext uri="{0D108BD9-81ED-4DB2-BD59-A6C34878D82A}">
-                    <a16:rowId xmlns:a16="http://schemas.microsoft.com/office/drawing/2014/main" val="94836410"/>
-                  </a:ext>
-                </a:extLst>
-              </a:tr>
-              <a:tr h="451939">
-                <a:tc>
-                  <a:txBody>
-                    <a:bodyPr/>
-                    <a:lstStyle/>
-                    <a:p>
-                      <a:r>
-                        <a:rPr lang="en-US" sz="1100" cap="none" spc="0">
-                          <a:solidFill>
-                            <a:schemeClr val="tx1"/>
-                          </a:solidFill>
-                        </a:rPr>
-                        <a:t>(8)</a:t>
-                      </a:r>
-                    </a:p>
-                  </a:txBody>
-                  <a:tcPr marL="68823" marR="68823" marT="68823" marB="34412">
-                    <a:lnL w="12700" cmpd="sng">
-                      <a:noFill/>
-                      <a:prstDash val="solid"/>
-                    </a:lnL>
-                    <a:lnR w="12700" cmpd="sng">
-                      <a:noFill/>
-                      <a:prstDash val="solid"/>
-                    </a:lnR>
-                    <a:lnT w="12700" cap="flat" cmpd="sng" algn="ctr">
-                      <a:noFill/>
-                      <a:prstDash val="solid"/>
-                    </a:lnT>
-                    <a:lnB w="12700" cmpd="sng">
-                      <a:noFill/>
-                      <a:prstDash val="solid"/>
-                    </a:lnB>
-                    <a:solidFill>
-                      <a:schemeClr val="bg1">
-                        <a:lumMod val="95000"/>
-                      </a:schemeClr>
-                    </a:solidFill>
                   </a:tcPr>
                 </a:tc>
                 <a:tc>
@@ -28802,37 +29860,64 @@
                     <a:lstStyle/>
                     <a:p>
                       <a:r>
-                        <a:rPr lang="en-US" sz="1100" cap="none" spc="0">
+                        <a:rPr lang="en-US" sz="1200" cap="none" spc="0">
                           <a:solidFill>
-                            <a:schemeClr val="tx1"/>
+                            <a:schemeClr val="tx1">
+                              <a:lumMod val="75000"/>
+                              <a:lumOff val="25000"/>
+                            </a:schemeClr>
                           </a:solidFill>
                         </a:rPr>
-                        <a:t>Yes</a:t>
+                        <a:t>2</a:t>
                       </a:r>
                     </a:p>
                   </a:txBody>
-                  <a:tcPr marL="68823" marR="68823" marT="68823" marB="34412">
-                    <a:lnL w="12700" cmpd="sng">
-                      <a:noFill/>
-                      <a:prstDash val="solid"/>
+                  <a:tcPr marL="151379" marR="69489" marT="75688" marB="75688">
+                    <a:lnL w="12700" cap="flat" cmpd="sng" algn="ctr">
+                      <a:solidFill>
+                        <a:schemeClr val="tx1"/>
+                      </a:solidFill>
+                      <a:prstDash val="solid"/>
+                      <a:round/>
+                      <a:headEnd type="none" w="med" len="med"/>
+                      <a:tailEnd type="none" w="med" len="med"/>
                     </a:lnL>
-                    <a:lnR w="12700" cmpd="sng">
-                      <a:noFill/>
-                      <a:prstDash val="solid"/>
+                    <a:lnR w="12700" cap="flat" cmpd="sng" algn="ctr">
+                      <a:solidFill>
+                        <a:schemeClr val="tx1"/>
+                      </a:solidFill>
+                      <a:prstDash val="solid"/>
+                      <a:round/>
+                      <a:headEnd type="none" w="med" len="med"/>
+                      <a:tailEnd type="none" w="med" len="med"/>
                     </a:lnR>
                     <a:lnT w="12700" cap="flat" cmpd="sng" algn="ctr">
+                      <a:solidFill>
+                        <a:schemeClr val="tx1"/>
+                      </a:solidFill>
+                      <a:prstDash val="solid"/>
+                      <a:round/>
+                      <a:headEnd type="none" w="med" len="med"/>
+                      <a:tailEnd type="none" w="med" len="med"/>
+                    </a:lnT>
+                    <a:lnB w="12700" cap="flat" cmpd="sng" algn="ctr">
+                      <a:solidFill>
+                        <a:schemeClr val="tx1"/>
+                      </a:solidFill>
+                      <a:prstDash val="solid"/>
+                      <a:round/>
+                      <a:headEnd type="none" w="med" len="med"/>
+                      <a:tailEnd type="none" w="med" len="med"/>
+                    </a:lnB>
+                    <a:lnTlToBr w="12700" cmpd="sng">
                       <a:noFill/>
                       <a:prstDash val="solid"/>
-                    </a:lnT>
-                    <a:lnB w="12700" cmpd="sng">
+                    </a:lnTlToBr>
+                    <a:lnBlToTr w="12700" cmpd="sng">
                       <a:noFill/>
                       <a:prstDash val="solid"/>
-                    </a:lnB>
-                    <a:solidFill>
-                      <a:schemeClr val="bg1">
-                        <a:lumMod val="95000"/>
-                      </a:schemeClr>
-                    </a:solidFill>
+                    </a:lnBlToTr>
+                    <a:noFill/>
                   </a:tcPr>
                 </a:tc>
                 <a:tc>
@@ -28841,37 +29926,64 @@
                     <a:lstStyle/>
                     <a:p>
                       <a:r>
-                        <a:rPr lang="en-US" sz="1100" cap="none" spc="0">
+                        <a:rPr lang="en-US" sz="1200" cap="none" spc="0" dirty="0">
                           <a:solidFill>
-                            <a:schemeClr val="tx1"/>
+                            <a:schemeClr val="tx1">
+                              <a:lumMod val="75000"/>
+                              <a:lumOff val="25000"/>
+                            </a:schemeClr>
                           </a:solidFill>
                         </a:rPr>
-                        <a:t>2</a:t>
+                        <a:t>4,096</a:t>
                       </a:r>
                     </a:p>
                   </a:txBody>
-                  <a:tcPr marL="68823" marR="68823" marT="68823" marB="34412">
-                    <a:lnL w="12700" cmpd="sng">
-                      <a:noFill/>
-                      <a:prstDash val="solid"/>
+                  <a:tcPr marL="151379" marR="69489" marT="75688" marB="75688">
+                    <a:lnL w="12700" cap="flat" cmpd="sng" algn="ctr">
+                      <a:solidFill>
+                        <a:schemeClr val="tx1"/>
+                      </a:solidFill>
+                      <a:prstDash val="solid"/>
+                      <a:round/>
+                      <a:headEnd type="none" w="med" len="med"/>
+                      <a:tailEnd type="none" w="med" len="med"/>
                     </a:lnL>
-                    <a:lnR w="12700" cmpd="sng">
-                      <a:noFill/>
-                      <a:prstDash val="solid"/>
+                    <a:lnR w="12700" cap="flat" cmpd="sng" algn="ctr">
+                      <a:solidFill>
+                        <a:schemeClr val="tx1"/>
+                      </a:solidFill>
+                      <a:prstDash val="solid"/>
+                      <a:round/>
+                      <a:headEnd type="none" w="med" len="med"/>
+                      <a:tailEnd type="none" w="med" len="med"/>
                     </a:lnR>
                     <a:lnT w="12700" cap="flat" cmpd="sng" algn="ctr">
+                      <a:solidFill>
+                        <a:schemeClr val="tx1"/>
+                      </a:solidFill>
+                      <a:prstDash val="solid"/>
+                      <a:round/>
+                      <a:headEnd type="none" w="med" len="med"/>
+                      <a:tailEnd type="none" w="med" len="med"/>
+                    </a:lnT>
+                    <a:lnB w="12700" cap="flat" cmpd="sng" algn="ctr">
+                      <a:solidFill>
+                        <a:schemeClr val="tx1"/>
+                      </a:solidFill>
+                      <a:prstDash val="solid"/>
+                      <a:round/>
+                      <a:headEnd type="none" w="med" len="med"/>
+                      <a:tailEnd type="none" w="med" len="med"/>
+                    </a:lnB>
+                    <a:lnTlToBr w="12700" cmpd="sng">
                       <a:noFill/>
                       <a:prstDash val="solid"/>
-                    </a:lnT>
-                    <a:lnB w="12700" cmpd="sng">
+                    </a:lnTlToBr>
+                    <a:lnBlToTr w="12700" cmpd="sng">
                       <a:noFill/>
                       <a:prstDash val="solid"/>
-                    </a:lnB>
-                    <a:solidFill>
-                      <a:schemeClr val="bg1">
-                        <a:lumMod val="95000"/>
-                      </a:schemeClr>
-                    </a:solidFill>
+                    </a:lnBlToTr>
+                    <a:noFill/>
                   </a:tcPr>
                 </a:tc>
                 <a:tc>
@@ -28880,37 +29992,294 @@
                     <a:lstStyle/>
                     <a:p>
                       <a:r>
-                        <a:rPr lang="en-US" sz="1100" cap="none" spc="0">
+                        <a:rPr lang="en-US" sz="1200" cap="none" spc="0">
                           <a:solidFill>
-                            <a:schemeClr val="tx1"/>
+                            <a:schemeClr val="tx1">
+                              <a:lumMod val="75000"/>
+                              <a:lumOff val="25000"/>
+                            </a:schemeClr>
                           </a:solidFill>
                         </a:rPr>
-                        <a:t>4,096</a:t>
+                        <a:t>No</a:t>
                       </a:r>
                     </a:p>
                   </a:txBody>
-                  <a:tcPr marL="68823" marR="68823" marT="68823" marB="34412">
-                    <a:lnL w="12700" cmpd="sng">
-                      <a:noFill/>
-                      <a:prstDash val="solid"/>
+                  <a:tcPr marL="151379" marR="69489" marT="75688" marB="75688">
+                    <a:lnL w="12700" cap="flat" cmpd="sng" algn="ctr">
+                      <a:solidFill>
+                        <a:schemeClr val="tx1"/>
+                      </a:solidFill>
+                      <a:prstDash val="solid"/>
+                      <a:round/>
+                      <a:headEnd type="none" w="med" len="med"/>
+                      <a:tailEnd type="none" w="med" len="med"/>
                     </a:lnL>
-                    <a:lnR w="12700" cmpd="sng">
-                      <a:noFill/>
-                      <a:prstDash val="solid"/>
+                    <a:lnR w="12700" cap="flat" cmpd="sng" algn="ctr">
+                      <a:solidFill>
+                        <a:schemeClr val="tx1"/>
+                      </a:solidFill>
+                      <a:prstDash val="solid"/>
+                      <a:round/>
+                      <a:headEnd type="none" w="med" len="med"/>
+                      <a:tailEnd type="none" w="med" len="med"/>
                     </a:lnR>
                     <a:lnT w="12700" cap="flat" cmpd="sng" algn="ctr">
+                      <a:solidFill>
+                        <a:schemeClr val="tx1"/>
+                      </a:solidFill>
+                      <a:prstDash val="solid"/>
+                      <a:round/>
+                      <a:headEnd type="none" w="med" len="med"/>
+                      <a:tailEnd type="none" w="med" len="med"/>
+                    </a:lnT>
+                    <a:lnB w="12700" cap="flat" cmpd="sng" algn="ctr">
+                      <a:solidFill>
+                        <a:schemeClr val="tx1"/>
+                      </a:solidFill>
+                      <a:prstDash val="solid"/>
+                      <a:round/>
+                      <a:headEnd type="none" w="med" len="med"/>
+                      <a:tailEnd type="none" w="med" len="med"/>
+                    </a:lnB>
+                    <a:lnTlToBr w="12700" cmpd="sng">
                       <a:noFill/>
                       <a:prstDash val="solid"/>
+                    </a:lnTlToBr>
+                    <a:lnBlToTr w="12700" cmpd="sng">
+                      <a:noFill/>
+                      <a:prstDash val="solid"/>
+                    </a:lnBlToTr>
+                    <a:noFill/>
+                  </a:tcPr>
+                </a:tc>
+                <a:tc>
+                  <a:txBody>
+                    <a:bodyPr/>
+                    <a:lstStyle/>
+                    <a:p>
+                      <a:pPr marL="0" indent="0">
+                        <a:buFont typeface="Arial" panose="020B0604020202020204" pitchFamily="34" charset="0"/>
+                        <a:buNone/>
+                      </a:pPr>
+                      <a:r>
+                        <a:rPr lang="en-US" sz="1200" cap="none" spc="0" dirty="0">
+                          <a:solidFill>
+                            <a:schemeClr val="tx1">
+                              <a:lumMod val="75000"/>
+                              <a:lumOff val="25000"/>
+                            </a:schemeClr>
+                          </a:solidFill>
+                        </a:rPr>
+                        <a:t>Yes</a:t>
+                      </a:r>
+                    </a:p>
+                  </a:txBody>
+                  <a:tcPr marL="151379" marR="69489" marT="75688" marB="75688">
+                    <a:lnL w="12700" cap="flat" cmpd="sng" algn="ctr">
+                      <a:solidFill>
+                        <a:schemeClr val="tx1"/>
+                      </a:solidFill>
+                      <a:prstDash val="solid"/>
+                      <a:round/>
+                      <a:headEnd type="none" w="med" len="med"/>
+                      <a:tailEnd type="none" w="med" len="med"/>
+                    </a:lnL>
+                    <a:lnR w="12700" cap="flat" cmpd="sng" algn="ctr">
+                      <a:solidFill>
+                        <a:schemeClr val="tx1"/>
+                      </a:solidFill>
+                      <a:prstDash val="solid"/>
+                      <a:round/>
+                      <a:headEnd type="none" w="med" len="med"/>
+                      <a:tailEnd type="none" w="med" len="med"/>
+                    </a:lnR>
+                    <a:lnT w="12700" cap="flat" cmpd="sng" algn="ctr">
+                      <a:solidFill>
+                        <a:schemeClr val="tx1"/>
+                      </a:solidFill>
+                      <a:prstDash val="solid"/>
+                      <a:round/>
+                      <a:headEnd type="none" w="med" len="med"/>
+                      <a:tailEnd type="none" w="med" len="med"/>
                     </a:lnT>
-                    <a:lnB w="12700" cmpd="sng">
+                    <a:lnB w="12700" cap="flat" cmpd="sng" algn="ctr">
+                      <a:solidFill>
+                        <a:schemeClr val="tx1"/>
+                      </a:solidFill>
+                      <a:prstDash val="solid"/>
+                      <a:round/>
+                      <a:headEnd type="none" w="med" len="med"/>
+                      <a:tailEnd type="none" w="med" len="med"/>
+                    </a:lnB>
+                    <a:lnTlToBr w="12700" cmpd="sng">
                       <a:noFill/>
                       <a:prstDash val="solid"/>
+                    </a:lnTlToBr>
+                    <a:lnBlToTr w="12700" cmpd="sng">
+                      <a:noFill/>
+                      <a:prstDash val="solid"/>
+                    </a:lnBlToTr>
+                    <a:noFill/>
+                  </a:tcPr>
+                </a:tc>
+                <a:tc>
+                  <a:txBody>
+                    <a:bodyPr/>
+                    <a:lstStyle/>
+                    <a:p>
+                      <a:pPr marL="0" indent="0">
+                        <a:buFont typeface="Arial" panose="020B0604020202020204" pitchFamily="34" charset="0"/>
+                        <a:buNone/>
+                      </a:pPr>
+                      <a:r>
+                        <a:rPr lang="en-US" sz="1200" cap="none" spc="0">
+                          <a:solidFill>
+                            <a:schemeClr val="tx1">
+                              <a:lumMod val="75000"/>
+                              <a:lumOff val="25000"/>
+                            </a:schemeClr>
+                          </a:solidFill>
+                        </a:rPr>
+                        <a:t>High-temp</a:t>
+                      </a:r>
+                    </a:p>
+                    <a:p>
+                      <a:pPr marL="0" indent="0">
+                        <a:buFont typeface="Arial" panose="020B0604020202020204" pitchFamily="34" charset="0"/>
+                        <a:buNone/>
+                      </a:pPr>
+                      <a:r>
+                        <a:rPr lang="en-US" sz="1200" cap="none" spc="0">
+                          <a:solidFill>
+                            <a:schemeClr val="tx1">
+                              <a:lumMod val="75000"/>
+                              <a:lumOff val="25000"/>
+                            </a:schemeClr>
+                          </a:solidFill>
+                        </a:rPr>
+                        <a:t>Array-level</a:t>
+                      </a:r>
+                    </a:p>
+                  </a:txBody>
+                  <a:tcPr marL="151379" marR="69489" marT="75688" marB="75688">
+                    <a:lnL w="12700" cap="flat" cmpd="sng" algn="ctr">
+                      <a:solidFill>
+                        <a:schemeClr val="tx1"/>
+                      </a:solidFill>
+                      <a:prstDash val="solid"/>
+                      <a:round/>
+                      <a:headEnd type="none" w="med" len="med"/>
+                      <a:tailEnd type="none" w="med" len="med"/>
+                    </a:lnL>
+                    <a:lnR w="12700" cap="flat" cmpd="sng" algn="ctr">
+                      <a:solidFill>
+                        <a:schemeClr val="tx1"/>
+                      </a:solidFill>
+                      <a:prstDash val="solid"/>
+                      <a:round/>
+                      <a:headEnd type="none" w="med" len="med"/>
+                      <a:tailEnd type="none" w="med" len="med"/>
+                    </a:lnR>
+                    <a:lnT w="12700" cap="flat" cmpd="sng" algn="ctr">
+                      <a:solidFill>
+                        <a:schemeClr val="tx1"/>
+                      </a:solidFill>
+                      <a:prstDash val="solid"/>
+                      <a:round/>
+                      <a:headEnd type="none" w="med" len="med"/>
+                      <a:tailEnd type="none" w="med" len="med"/>
+                    </a:lnT>
+                    <a:lnB w="12700" cap="flat" cmpd="sng" algn="ctr">
+                      <a:solidFill>
+                        <a:schemeClr val="tx1"/>
+                      </a:solidFill>
+                      <a:prstDash val="solid"/>
+                      <a:round/>
+                      <a:headEnd type="none" w="med" len="med"/>
+                      <a:tailEnd type="none" w="med" len="med"/>
                     </a:lnB>
-                    <a:solidFill>
-                      <a:schemeClr val="bg1">
-                        <a:lumMod val="95000"/>
-                      </a:schemeClr>
-                    </a:solidFill>
+                    <a:lnTlToBr w="12700" cmpd="sng">
+                      <a:noFill/>
+                      <a:prstDash val="solid"/>
+                    </a:lnTlToBr>
+                    <a:lnBlToTr w="12700" cmpd="sng">
+                      <a:noFill/>
+                      <a:prstDash val="solid"/>
+                    </a:lnBlToTr>
+                    <a:noFill/>
+                  </a:tcPr>
+                </a:tc>
+                <a:extLst>
+                  <a:ext uri="{0D108BD9-81ED-4DB2-BD59-A6C34878D82A}">
+                    <a16:rowId xmlns:a16="http://schemas.microsoft.com/office/drawing/2014/main" val="2478410377"/>
+                  </a:ext>
+                </a:extLst>
+              </a:tr>
+              <a:tr h="558241">
+                <a:tc>
+                  <a:txBody>
+                    <a:bodyPr/>
+                    <a:lstStyle/>
+                    <a:p>
+                      <a:r>
+                        <a:rPr lang="en-US" sz="1200" cap="none" spc="0" dirty="0">
+                          <a:solidFill>
+                            <a:schemeClr val="tx1">
+                              <a:lumMod val="75000"/>
+                              <a:lumOff val="25000"/>
+                            </a:schemeClr>
+                          </a:solidFill>
+                        </a:rPr>
+                        <a:t>[12]</a:t>
+                      </a:r>
+                    </a:p>
+                  </a:txBody>
+                  <a:tcPr marL="151379" marR="69489" marT="75688" marB="75688">
+                    <a:lnL w="12700" cap="flat" cmpd="sng" algn="ctr">
+                      <a:solidFill>
+                        <a:schemeClr val="tx1"/>
+                      </a:solidFill>
+                      <a:prstDash val="solid"/>
+                      <a:round/>
+                      <a:headEnd type="none" w="med" len="med"/>
+                      <a:tailEnd type="none" w="med" len="med"/>
+                    </a:lnL>
+                    <a:lnR w="12700" cap="flat" cmpd="sng" algn="ctr">
+                      <a:solidFill>
+                        <a:schemeClr val="tx1"/>
+                      </a:solidFill>
+                      <a:prstDash val="solid"/>
+                      <a:round/>
+                      <a:headEnd type="none" w="med" len="med"/>
+                      <a:tailEnd type="none" w="med" len="med"/>
+                    </a:lnR>
+                    <a:lnT w="12700" cap="flat" cmpd="sng" algn="ctr">
+                      <a:solidFill>
+                        <a:schemeClr val="tx1"/>
+                      </a:solidFill>
+                      <a:prstDash val="solid"/>
+                      <a:round/>
+                      <a:headEnd type="none" w="med" len="med"/>
+                      <a:tailEnd type="none" w="med" len="med"/>
+                    </a:lnT>
+                    <a:lnB w="12700" cap="flat" cmpd="sng" algn="ctr">
+                      <a:solidFill>
+                        <a:schemeClr val="tx1"/>
+                      </a:solidFill>
+                      <a:prstDash val="solid"/>
+                      <a:round/>
+                      <a:headEnd type="none" w="med" len="med"/>
+                      <a:tailEnd type="none" w="med" len="med"/>
+                    </a:lnB>
+                    <a:lnTlToBr w="12700" cmpd="sng">
+                      <a:noFill/>
+                      <a:prstDash val="solid"/>
+                    </a:lnTlToBr>
+                    <a:lnBlToTr w="12700" cmpd="sng">
+                      <a:noFill/>
+                      <a:prstDash val="solid"/>
+                    </a:lnBlToTr>
+                    <a:noFill/>
                   </a:tcPr>
                 </a:tc>
                 <a:tc>
@@ -28919,37 +30288,64 @@
                     <a:lstStyle/>
                     <a:p>
                       <a:r>
-                        <a:rPr lang="en-US" sz="1100" cap="none" spc="0">
+                        <a:rPr lang="en-US" sz="1200" cap="none" spc="0">
                           <a:solidFill>
-                            <a:schemeClr val="tx1"/>
+                            <a:schemeClr val="tx1">
+                              <a:lumMod val="75000"/>
+                              <a:lumOff val="25000"/>
+                            </a:schemeClr>
                           </a:solidFill>
                         </a:rPr>
-                        <a:t>No</a:t>
+                        <a:t>ISPP</a:t>
                       </a:r>
                     </a:p>
                   </a:txBody>
-                  <a:tcPr marL="68823" marR="68823" marT="68823" marB="34412">
-                    <a:lnL w="12700" cmpd="sng">
-                      <a:noFill/>
-                      <a:prstDash val="solid"/>
+                  <a:tcPr marL="151379" marR="69489" marT="75688" marB="75688">
+                    <a:lnL w="12700" cap="flat" cmpd="sng" algn="ctr">
+                      <a:solidFill>
+                        <a:schemeClr val="tx1"/>
+                      </a:solidFill>
+                      <a:prstDash val="solid"/>
+                      <a:round/>
+                      <a:headEnd type="none" w="med" len="med"/>
+                      <a:tailEnd type="none" w="med" len="med"/>
                     </a:lnL>
-                    <a:lnR w="12700" cmpd="sng">
-                      <a:noFill/>
-                      <a:prstDash val="solid"/>
+                    <a:lnR w="12700" cap="flat" cmpd="sng" algn="ctr">
+                      <a:solidFill>
+                        <a:schemeClr val="tx1"/>
+                      </a:solidFill>
+                      <a:prstDash val="solid"/>
+                      <a:round/>
+                      <a:headEnd type="none" w="med" len="med"/>
+                      <a:tailEnd type="none" w="med" len="med"/>
                     </a:lnR>
                     <a:lnT w="12700" cap="flat" cmpd="sng" algn="ctr">
+                      <a:solidFill>
+                        <a:schemeClr val="tx1"/>
+                      </a:solidFill>
+                      <a:prstDash val="solid"/>
+                      <a:round/>
+                      <a:headEnd type="none" w="med" len="med"/>
+                      <a:tailEnd type="none" w="med" len="med"/>
+                    </a:lnT>
+                    <a:lnB w="12700" cap="flat" cmpd="sng" algn="ctr">
+                      <a:solidFill>
+                        <a:schemeClr val="tx1"/>
+                      </a:solidFill>
+                      <a:prstDash val="solid"/>
+                      <a:round/>
+                      <a:headEnd type="none" w="med" len="med"/>
+                      <a:tailEnd type="none" w="med" len="med"/>
+                    </a:lnB>
+                    <a:lnTlToBr w="12700" cmpd="sng">
                       <a:noFill/>
                       <a:prstDash val="solid"/>
-                    </a:lnT>
-                    <a:lnB w="12700" cmpd="sng">
+                    </a:lnTlToBr>
+                    <a:lnBlToTr w="12700" cmpd="sng">
                       <a:noFill/>
                       <a:prstDash val="solid"/>
-                    </a:lnB>
-                    <a:solidFill>
-                      <a:schemeClr val="bg1">
-                        <a:lumMod val="95000"/>
-                      </a:schemeClr>
-                    </a:solidFill>
+                    </a:lnBlToTr>
+                    <a:noFill/>
                   </a:tcPr>
                 </a:tc>
                 <a:tc>
@@ -28957,61 +30353,425 @@
                     <a:bodyPr/>
                     <a:lstStyle/>
                     <a:p>
-                      <a:pPr marL="285750" indent="-285750">
+                      <a:r>
+                        <a:rPr lang="en-US" sz="1200" cap="none" spc="0">
+                          <a:solidFill>
+                            <a:schemeClr val="tx1">
+                              <a:lumMod val="75000"/>
+                              <a:lumOff val="25000"/>
+                            </a:schemeClr>
+                          </a:solidFill>
+                        </a:rPr>
+                        <a:t>No</a:t>
+                      </a:r>
+                    </a:p>
+                  </a:txBody>
+                  <a:tcPr marL="151379" marR="69489" marT="75688" marB="75688">
+                    <a:lnL w="12700" cap="flat" cmpd="sng" algn="ctr">
+                      <a:solidFill>
+                        <a:schemeClr val="tx1"/>
+                      </a:solidFill>
+                      <a:prstDash val="solid"/>
+                      <a:round/>
+                      <a:headEnd type="none" w="med" len="med"/>
+                      <a:tailEnd type="none" w="med" len="med"/>
+                    </a:lnL>
+                    <a:lnR w="12700" cap="flat" cmpd="sng" algn="ctr">
+                      <a:solidFill>
+                        <a:schemeClr val="tx1"/>
+                      </a:solidFill>
+                      <a:prstDash val="solid"/>
+                      <a:round/>
+                      <a:headEnd type="none" w="med" len="med"/>
+                      <a:tailEnd type="none" w="med" len="med"/>
+                    </a:lnR>
+                    <a:lnT w="12700" cap="flat" cmpd="sng" algn="ctr">
+                      <a:solidFill>
+                        <a:schemeClr val="tx1"/>
+                      </a:solidFill>
+                      <a:prstDash val="solid"/>
+                      <a:round/>
+                      <a:headEnd type="none" w="med" len="med"/>
+                      <a:tailEnd type="none" w="med" len="med"/>
+                    </a:lnT>
+                    <a:lnB w="12700" cap="flat" cmpd="sng" algn="ctr">
+                      <a:solidFill>
+                        <a:schemeClr val="tx1"/>
+                      </a:solidFill>
+                      <a:prstDash val="solid"/>
+                      <a:round/>
+                      <a:headEnd type="none" w="med" len="med"/>
+                      <a:tailEnd type="none" w="med" len="med"/>
+                    </a:lnB>
+                    <a:lnTlToBr w="12700" cmpd="sng">
+                      <a:noFill/>
+                      <a:prstDash val="solid"/>
+                    </a:lnTlToBr>
+                    <a:lnBlToTr w="12700" cmpd="sng">
+                      <a:noFill/>
+                      <a:prstDash val="solid"/>
+                    </a:lnBlToTr>
+                    <a:noFill/>
+                  </a:tcPr>
+                </a:tc>
+                <a:tc>
+                  <a:txBody>
+                    <a:bodyPr/>
+                    <a:lstStyle/>
+                    <a:p>
+                      <a:r>
+                        <a:rPr lang="en-US" sz="1200" cap="none" spc="0">
+                          <a:solidFill>
+                            <a:schemeClr val="tx1">
+                              <a:lumMod val="75000"/>
+                              <a:lumOff val="25000"/>
+                            </a:schemeClr>
+                          </a:solidFill>
+                        </a:rPr>
+                        <a:t>4</a:t>
+                      </a:r>
+                    </a:p>
+                  </a:txBody>
+                  <a:tcPr marL="151379" marR="69489" marT="75688" marB="75688">
+                    <a:lnL w="12700" cap="flat" cmpd="sng" algn="ctr">
+                      <a:solidFill>
+                        <a:schemeClr val="tx1"/>
+                      </a:solidFill>
+                      <a:prstDash val="solid"/>
+                      <a:round/>
+                      <a:headEnd type="none" w="med" len="med"/>
+                      <a:tailEnd type="none" w="med" len="med"/>
+                    </a:lnL>
+                    <a:lnR w="12700" cap="flat" cmpd="sng" algn="ctr">
+                      <a:solidFill>
+                        <a:schemeClr val="tx1"/>
+                      </a:solidFill>
+                      <a:prstDash val="solid"/>
+                      <a:round/>
+                      <a:headEnd type="none" w="med" len="med"/>
+                      <a:tailEnd type="none" w="med" len="med"/>
+                    </a:lnR>
+                    <a:lnT w="12700" cap="flat" cmpd="sng" algn="ctr">
+                      <a:solidFill>
+                        <a:schemeClr val="tx1"/>
+                      </a:solidFill>
+                      <a:prstDash val="solid"/>
+                      <a:round/>
+                      <a:headEnd type="none" w="med" len="med"/>
+                      <a:tailEnd type="none" w="med" len="med"/>
+                    </a:lnT>
+                    <a:lnB w="12700" cap="flat" cmpd="sng" algn="ctr">
+                      <a:solidFill>
+                        <a:schemeClr val="tx1"/>
+                      </a:solidFill>
+                      <a:prstDash val="solid"/>
+                      <a:round/>
+                      <a:headEnd type="none" w="med" len="med"/>
+                      <a:tailEnd type="none" w="med" len="med"/>
+                    </a:lnB>
+                    <a:lnTlToBr w="12700" cmpd="sng">
+                      <a:noFill/>
+                      <a:prstDash val="solid"/>
+                    </a:lnTlToBr>
+                    <a:lnBlToTr w="12700" cmpd="sng">
+                      <a:noFill/>
+                      <a:prstDash val="solid"/>
+                    </a:lnBlToTr>
+                    <a:noFill/>
+                  </a:tcPr>
+                </a:tc>
+                <a:tc>
+                  <a:txBody>
+                    <a:bodyPr/>
+                    <a:lstStyle/>
+                    <a:p>
+                      <a:r>
+                        <a:rPr lang="en-US" sz="1200" cap="none" spc="0" dirty="0">
+                          <a:solidFill>
+                            <a:schemeClr val="tx1">
+                              <a:lumMod val="75000"/>
+                              <a:lumOff val="25000"/>
+                            </a:schemeClr>
+                          </a:solidFill>
+                        </a:rPr>
+                        <a:t>Single cell</a:t>
+                      </a:r>
+                    </a:p>
+                  </a:txBody>
+                  <a:tcPr marL="151379" marR="69489" marT="75688" marB="75688">
+                    <a:lnL w="12700" cap="flat" cmpd="sng" algn="ctr">
+                      <a:solidFill>
+                        <a:schemeClr val="tx1"/>
+                      </a:solidFill>
+                      <a:prstDash val="solid"/>
+                      <a:round/>
+                      <a:headEnd type="none" w="med" len="med"/>
+                      <a:tailEnd type="none" w="med" len="med"/>
+                    </a:lnL>
+                    <a:lnR w="12700" cap="flat" cmpd="sng" algn="ctr">
+                      <a:solidFill>
+                        <a:schemeClr val="tx1"/>
+                      </a:solidFill>
+                      <a:prstDash val="solid"/>
+                      <a:round/>
+                      <a:headEnd type="none" w="med" len="med"/>
+                      <a:tailEnd type="none" w="med" len="med"/>
+                    </a:lnR>
+                    <a:lnT w="12700" cap="flat" cmpd="sng" algn="ctr">
+                      <a:solidFill>
+                        <a:schemeClr val="tx1"/>
+                      </a:solidFill>
+                      <a:prstDash val="solid"/>
+                      <a:round/>
+                      <a:headEnd type="none" w="med" len="med"/>
+                      <a:tailEnd type="none" w="med" len="med"/>
+                    </a:lnT>
+                    <a:lnB w="12700" cap="flat" cmpd="sng" algn="ctr">
+                      <a:solidFill>
+                        <a:schemeClr val="tx1"/>
+                      </a:solidFill>
+                      <a:prstDash val="solid"/>
+                      <a:round/>
+                      <a:headEnd type="none" w="med" len="med"/>
+                      <a:tailEnd type="none" w="med" len="med"/>
+                    </a:lnB>
+                    <a:lnTlToBr w="12700" cmpd="sng">
+                      <a:noFill/>
+                      <a:prstDash val="solid"/>
+                    </a:lnTlToBr>
+                    <a:lnBlToTr w="12700" cmpd="sng">
+                      <a:noFill/>
+                      <a:prstDash val="solid"/>
+                    </a:lnBlToTr>
+                    <a:noFill/>
+                  </a:tcPr>
+                </a:tc>
+                <a:tc>
+                  <a:txBody>
+                    <a:bodyPr/>
+                    <a:lstStyle/>
+                    <a:p>
+                      <a:r>
+                        <a:rPr lang="en-US" sz="1200" cap="none" spc="0" dirty="0">
+                          <a:solidFill>
+                            <a:schemeClr val="tx1">
+                              <a:lumMod val="75000"/>
+                              <a:lumOff val="25000"/>
+                            </a:schemeClr>
+                          </a:solidFill>
+                        </a:rPr>
+                        <a:t>No</a:t>
+                      </a:r>
+                    </a:p>
+                  </a:txBody>
+                  <a:tcPr marL="151379" marR="69489" marT="75688" marB="75688">
+                    <a:lnL w="12700" cap="flat" cmpd="sng" algn="ctr">
+                      <a:solidFill>
+                        <a:schemeClr val="tx1"/>
+                      </a:solidFill>
+                      <a:prstDash val="solid"/>
+                      <a:round/>
+                      <a:headEnd type="none" w="med" len="med"/>
+                      <a:tailEnd type="none" w="med" len="med"/>
+                    </a:lnL>
+                    <a:lnR w="12700" cap="flat" cmpd="sng" algn="ctr">
+                      <a:solidFill>
+                        <a:schemeClr val="tx1"/>
+                      </a:solidFill>
+                      <a:prstDash val="solid"/>
+                      <a:round/>
+                      <a:headEnd type="none" w="med" len="med"/>
+                      <a:tailEnd type="none" w="med" len="med"/>
+                    </a:lnR>
+                    <a:lnT w="12700" cap="flat" cmpd="sng" algn="ctr">
+                      <a:solidFill>
+                        <a:schemeClr val="tx1"/>
+                      </a:solidFill>
+                      <a:prstDash val="solid"/>
+                      <a:round/>
+                      <a:headEnd type="none" w="med" len="med"/>
+                      <a:tailEnd type="none" w="med" len="med"/>
+                    </a:lnT>
+                    <a:lnB w="12700" cap="flat" cmpd="sng" algn="ctr">
+                      <a:solidFill>
+                        <a:schemeClr val="tx1"/>
+                      </a:solidFill>
+                      <a:prstDash val="solid"/>
+                      <a:round/>
+                      <a:headEnd type="none" w="med" len="med"/>
+                      <a:tailEnd type="none" w="med" len="med"/>
+                    </a:lnB>
+                    <a:lnTlToBr w="12700" cmpd="sng">
+                      <a:noFill/>
+                      <a:prstDash val="solid"/>
+                    </a:lnTlToBr>
+                    <a:lnBlToTr w="12700" cmpd="sng">
+                      <a:noFill/>
+                      <a:prstDash val="solid"/>
+                    </a:lnBlToTr>
+                    <a:noFill/>
+                  </a:tcPr>
+                </a:tc>
+                <a:tc>
+                  <a:txBody>
+                    <a:bodyPr/>
+                    <a:lstStyle/>
+                    <a:p>
+                      <a:pPr marL="0" indent="0">
                         <a:buFont typeface="Arial" panose="020B0604020202020204" pitchFamily="34" charset="0"/>
-                        <a:buChar char="•"/>
+                        <a:buNone/>
                       </a:pPr>
                       <a:r>
-                        <a:rPr lang="en-US" sz="1100" cap="none" spc="0" dirty="0">
+                        <a:rPr lang="en-US" sz="1200" cap="none" spc="0" dirty="0">
                           <a:solidFill>
-                            <a:schemeClr val="tx1"/>
+                            <a:schemeClr val="tx1">
+                              <a:lumMod val="75000"/>
+                              <a:lumOff val="25000"/>
+                            </a:schemeClr>
                           </a:solidFill>
                         </a:rPr>
-                        <a:t>Endurance</a:t>
+                        <a:t>No</a:t>
+                      </a:r>
+                    </a:p>
+                  </a:txBody>
+                  <a:tcPr marL="151379" marR="69489" marT="75688" marB="75688">
+                    <a:lnL w="12700" cap="flat" cmpd="sng" algn="ctr">
+                      <a:solidFill>
+                        <a:schemeClr val="tx1"/>
+                      </a:solidFill>
+                      <a:prstDash val="solid"/>
+                      <a:round/>
+                      <a:headEnd type="none" w="med" len="med"/>
+                      <a:tailEnd type="none" w="med" len="med"/>
+                    </a:lnL>
+                    <a:lnR w="12700" cap="flat" cmpd="sng" algn="ctr">
+                      <a:solidFill>
+                        <a:schemeClr val="tx1"/>
+                      </a:solidFill>
+                      <a:prstDash val="solid"/>
+                      <a:round/>
+                      <a:headEnd type="none" w="med" len="med"/>
+                      <a:tailEnd type="none" w="med" len="med"/>
+                    </a:lnR>
+                    <a:lnT w="12700" cap="flat" cmpd="sng" algn="ctr">
+                      <a:solidFill>
+                        <a:schemeClr val="tx1"/>
+                      </a:solidFill>
+                      <a:prstDash val="solid"/>
+                      <a:round/>
+                      <a:headEnd type="none" w="med" len="med"/>
+                      <a:tailEnd type="none" w="med" len="med"/>
+                    </a:lnT>
+                    <a:lnB w="12700" cap="flat" cmpd="sng" algn="ctr">
+                      <a:solidFill>
+                        <a:schemeClr val="tx1"/>
+                      </a:solidFill>
+                      <a:prstDash val="solid"/>
+                      <a:round/>
+                      <a:headEnd type="none" w="med" len="med"/>
+                      <a:tailEnd type="none" w="med" len="med"/>
+                    </a:lnB>
+                    <a:lnTlToBr w="12700" cmpd="sng">
+                      <a:noFill/>
+                      <a:prstDash val="solid"/>
+                    </a:lnTlToBr>
+                    <a:lnBlToTr w="12700" cmpd="sng">
+                      <a:noFill/>
+                      <a:prstDash val="solid"/>
+                    </a:lnBlToTr>
+                    <a:noFill/>
+                  </a:tcPr>
+                </a:tc>
+                <a:tc>
+                  <a:txBody>
+                    <a:bodyPr/>
+                    <a:lstStyle/>
+                    <a:p>
+                      <a:pPr marL="0" indent="0">
+                        <a:buFont typeface="Arial" panose="020B0604020202020204" pitchFamily="34" charset="0"/>
+                        <a:buNone/>
+                      </a:pPr>
+                      <a:r>
+                        <a:rPr lang="en-US" sz="1200" cap="none" spc="0" dirty="0">
+                          <a:solidFill>
+                            <a:schemeClr val="tx1">
+                              <a:lumMod val="75000"/>
+                              <a:lumOff val="25000"/>
+                            </a:schemeClr>
+                          </a:solidFill>
+                        </a:rPr>
+                        <a:t>Low-temp</a:t>
                       </a:r>
                     </a:p>
                     <a:p>
-                      <a:pPr marL="285750" indent="-285750">
+                      <a:pPr marL="0" indent="0">
                         <a:buFont typeface="Arial" panose="020B0604020202020204" pitchFamily="34" charset="0"/>
-                        <a:buChar char="•"/>
+                        <a:buNone/>
                       </a:pPr>
                       <a:r>
-                        <a:rPr lang="en-US" sz="1100" cap="none" spc="0" dirty="0">
+                        <a:rPr lang="en-US" sz="1200" cap="none" spc="0" dirty="0">
                           <a:solidFill>
-                            <a:schemeClr val="tx1"/>
+                            <a:schemeClr val="tx1">
+                              <a:lumMod val="75000"/>
+                              <a:lumOff val="25000"/>
+                            </a:schemeClr>
                           </a:solidFill>
                         </a:rPr>
-                        <a:t>Retention: array-level, high-temp</a:t>
+                        <a:t>Single-cell</a:t>
                       </a:r>
                     </a:p>
                   </a:txBody>
-                  <a:tcPr marL="68823" marR="68823" marT="68823" marB="34412">
-                    <a:lnL w="12700" cmpd="sng">
-                      <a:noFill/>
-                      <a:prstDash val="solid"/>
+                  <a:tcPr marL="151379" marR="69489" marT="75688" marB="75688">
+                    <a:lnL w="12700" cap="flat" cmpd="sng" algn="ctr">
+                      <a:solidFill>
+                        <a:schemeClr val="tx1"/>
+                      </a:solidFill>
+                      <a:prstDash val="solid"/>
+                      <a:round/>
+                      <a:headEnd type="none" w="med" len="med"/>
+                      <a:tailEnd type="none" w="med" len="med"/>
                     </a:lnL>
-                    <a:lnR w="12700" cmpd="sng">
-                      <a:noFill/>
-                      <a:prstDash val="solid"/>
+                    <a:lnR w="12700" cap="flat" cmpd="sng" algn="ctr">
+                      <a:solidFill>
+                        <a:schemeClr val="tx1"/>
+                      </a:solidFill>
+                      <a:prstDash val="solid"/>
+                      <a:round/>
+                      <a:headEnd type="none" w="med" len="med"/>
+                      <a:tailEnd type="none" w="med" len="med"/>
                     </a:lnR>
                     <a:lnT w="12700" cap="flat" cmpd="sng" algn="ctr">
+                      <a:solidFill>
+                        <a:schemeClr val="tx1"/>
+                      </a:solidFill>
+                      <a:prstDash val="solid"/>
+                      <a:round/>
+                      <a:headEnd type="none" w="med" len="med"/>
+                      <a:tailEnd type="none" w="med" len="med"/>
+                    </a:lnT>
+                    <a:lnB w="12700" cap="flat" cmpd="sng" algn="ctr">
+                      <a:solidFill>
+                        <a:schemeClr val="tx1"/>
+                      </a:solidFill>
+                      <a:prstDash val="solid"/>
+                      <a:round/>
+                      <a:headEnd type="none" w="med" len="med"/>
+                      <a:tailEnd type="none" w="med" len="med"/>
+                    </a:lnB>
+                    <a:lnTlToBr w="12700" cmpd="sng">
                       <a:noFill/>
                       <a:prstDash val="solid"/>
-                    </a:lnT>
-                    <a:lnB w="12700" cmpd="sng">
+                    </a:lnTlToBr>
+                    <a:lnBlToTr w="12700" cmpd="sng">
                       <a:noFill/>
                       <a:prstDash val="solid"/>
-                    </a:lnB>
-                    <a:solidFill>
-                      <a:schemeClr val="bg1">
-                        <a:lumMod val="95000"/>
-                      </a:schemeClr>
-                    </a:solidFill>
+                    </a:lnBlToTr>
+                    <a:noFill/>
                   </a:tcPr>
                 </a:tc>
                 <a:extLst>
                   <a:ext uri="{0D108BD9-81ED-4DB2-BD59-A6C34878D82A}">
-                    <a16:rowId xmlns:a16="http://schemas.microsoft.com/office/drawing/2014/main" val="2766339651"/>
+                    <a16:rowId xmlns:a16="http://schemas.microsoft.com/office/drawing/2014/main" val="746225886"/>
                   </a:ext>
                 </a:extLst>
               </a:tr>
@@ -29032,7 +30792,7 @@
 </p:sld>
 </file>
 
-<file path=ppt/slides/slide32.xml><?xml version="1.0" encoding="utf-8"?>
+<file path=ppt/slides/slide33.xml><?xml version="1.0" encoding="utf-8"?>
 <p:sld xmlns:a="http://schemas.openxmlformats.org/drawingml/2006/main" xmlns:r="http://schemas.openxmlformats.org/officeDocument/2006/relationships" xmlns:p="http://schemas.openxmlformats.org/presentationml/2006/main">
   <p:cSld>
     <p:bg>
@@ -29252,7 +31012,21 @@
               <a:buAutoNum type="arabicParenR"/>
             </a:pPr>
             <a:r>
-              <a:rPr lang="en-US" sz="1700">
+              <a:rPr lang="en-US" sz="1700" dirty="0">
+                <a:solidFill>
+                  <a:schemeClr val="bg1"/>
+                </a:solidFill>
+              </a:rPr>
+              <a:t>Toward Reliable Multi-Level Operation in RRAM Arrays: Improving Post-Algorithm Stability and Assessing Endurance/Data Retention </a:t>
+            </a:r>
+          </a:p>
+          <a:p>
+            <a:pPr marL="514350" indent="-514350">
+              <a:buFont typeface="+mj-lt"/>
+              <a:buAutoNum type="arabicParenR"/>
+            </a:pPr>
+            <a:r>
+              <a:rPr lang="en-US" sz="1700" dirty="0">
                 <a:solidFill>
                   <a:schemeClr val="bg1"/>
                 </a:solidFill>
@@ -29266,7 +31040,7 @@
               <a:buAutoNum type="arabicParenR"/>
             </a:pPr>
             <a:r>
-              <a:rPr lang="en-US" sz="1700">
+              <a:rPr lang="en-US" sz="1700" dirty="0">
                 <a:solidFill>
                   <a:schemeClr val="bg1"/>
                 </a:solidFill>
@@ -29280,15 +31054,23 @@
               <a:buAutoNum type="arabicParenR"/>
             </a:pPr>
             <a:r>
-              <a:rPr lang="en-US" sz="1700">
+              <a:rPr lang="en-US" sz="1700" dirty="0">
                 <a:solidFill>
                   <a:schemeClr val="bg1"/>
                 </a:solidFill>
               </a:rPr>
-              <a:t>A multi-level 40nm WOx</a:t>
+              <a:t>A multi-level 40nm </a:t>
             </a:r>
             <a:r>
-              <a:rPr lang="en-US" sz="1700" i="1">
+              <a:rPr lang="en-US" sz="1700" dirty="0" err="1">
+                <a:solidFill>
+                  <a:schemeClr val="bg1"/>
+                </a:solidFill>
+              </a:rPr>
+              <a:t>WOx</a:t>
+            </a:r>
+            <a:r>
+              <a:rPr lang="en-US" sz="1700" i="1" dirty="0">
                 <a:solidFill>
                   <a:schemeClr val="bg1"/>
                 </a:solidFill>
@@ -29296,7 +31078,7 @@
               <a:t> </a:t>
             </a:r>
             <a:r>
-              <a:rPr lang="en-US" sz="1700">
+              <a:rPr lang="en-US" sz="1700" dirty="0">
                 <a:solidFill>
                   <a:schemeClr val="bg1"/>
                 </a:solidFill>
@@ -29310,15 +31092,23 @@
               <a:buAutoNum type="arabicParenR"/>
             </a:pPr>
             <a:r>
-              <a:rPr lang="en-US" sz="1700">
+              <a:rPr lang="en-US" sz="1700" dirty="0">
                 <a:solidFill>
                   <a:schemeClr val="bg1"/>
                 </a:solidFill>
               </a:rPr>
-              <a:t>Demonstration of low power 3-bit multilevel cell characteristics in a TaO</a:t>
+              <a:t>Demonstration of low power 3-bit multilevel cell characteristics in a </a:t>
             </a:r>
             <a:r>
-              <a:rPr lang="en-US" sz="1700" i="1">
+              <a:rPr lang="en-US" sz="1700" dirty="0" err="1">
+                <a:solidFill>
+                  <a:schemeClr val="bg1"/>
+                </a:solidFill>
+              </a:rPr>
+              <a:t>TaO</a:t>
+            </a:r>
+            <a:r>
+              <a:rPr lang="en-US" sz="1700" i="1" dirty="0" err="1">
                 <a:solidFill>
                   <a:schemeClr val="bg1"/>
                 </a:solidFill>
@@ -29326,7 +31116,7 @@
               <a:t>x</a:t>
             </a:r>
             <a:r>
-              <a:rPr lang="en-US" sz="1700">
+              <a:rPr lang="en-US" sz="1700" dirty="0">
                 <a:solidFill>
                   <a:schemeClr val="bg1"/>
                 </a:solidFill>
@@ -29340,7 +31130,7 @@
               <a:buAutoNum type="arabicParenR"/>
             </a:pPr>
             <a:r>
-              <a:rPr lang="en-US" sz="1700">
+              <a:rPr lang="en-US" sz="1700" dirty="0">
                 <a:solidFill>
                   <a:schemeClr val="bg1"/>
                 </a:solidFill>
@@ -29354,7 +31144,7 @@
               <a:buAutoNum type="arabicParenR"/>
             </a:pPr>
             <a:r>
-              <a:rPr lang="en-US" sz="1700">
+              <a:rPr lang="en-US" sz="1700" dirty="0">
                 <a:solidFill>
                   <a:schemeClr val="bg1"/>
                 </a:solidFill>
@@ -29367,35 +31157,7 @@
               <a:buFont typeface="+mj-lt"/>
               <a:buAutoNum type="arabicParenR"/>
             </a:pPr>
-            <a:r>
-              <a:rPr lang="en-US" sz="1700">
-                <a:solidFill>
-                  <a:schemeClr val="bg1"/>
-                </a:solidFill>
-              </a:rPr>
-              <a:t>Characteristics of multilevel storage and switching dynamics in resistive switching cell of Al2 O3 /HfO2 /Al2 O3 sand- wich structure</a:t>
-            </a:r>
-          </a:p>
-          <a:p>
-            <a:pPr marL="514350" indent="-514350">
-              <a:buFont typeface="+mj-lt"/>
-              <a:buAutoNum type="arabicParenR"/>
-            </a:pPr>
-            <a:r>
-              <a:rPr lang="en-US" sz="1700">
-                <a:solidFill>
-                  <a:schemeClr val="bg1"/>
-                </a:solidFill>
-              </a:rPr>
-              <a:t>Toward Reliable Multi-Level Operation in RRAM Arrays: Improving Post-Algorithm Stability and Assessing Endurance/Data Retention </a:t>
-            </a:r>
-          </a:p>
-          <a:p>
-            <a:pPr marL="514350" indent="-514350">
-              <a:buFont typeface="+mj-lt"/>
-              <a:buAutoNum type="arabicParenR"/>
-            </a:pPr>
-            <a:endParaRPr lang="en-US" sz="1700">
+            <a:endParaRPr lang="en-US" sz="1700" dirty="0">
               <a:solidFill>
                 <a:schemeClr val="bg1"/>
               </a:solidFill>
@@ -29416,7 +31178,7 @@
 </p:sld>
 </file>
 
-<file path=ppt/slides/slide33.xml><?xml version="1.0" encoding="utf-8"?>
+<file path=ppt/slides/slide34.xml><?xml version="1.0" encoding="utf-8"?>
 <p:sld xmlns:a="http://schemas.openxmlformats.org/drawingml/2006/main" xmlns:r="http://schemas.openxmlformats.org/officeDocument/2006/relationships" xmlns:p="http://schemas.openxmlformats.org/presentationml/2006/main">
   <p:cSld>
     <p:bg>
@@ -29856,7 +31618,7 @@
 </p:sld>
 </file>
 
-<file path=ppt/slides/slide34.xml><?xml version="1.0" encoding="utf-8"?>
+<file path=ppt/slides/slide35.xml><?xml version="1.0" encoding="utf-8"?>
 <p:sld xmlns:a="http://schemas.openxmlformats.org/drawingml/2006/main" xmlns:r="http://schemas.openxmlformats.org/officeDocument/2006/relationships" xmlns:p="http://schemas.openxmlformats.org/presentationml/2006/main">
   <p:cSld>
     <p:bg>
@@ -32319,7 +34081,7 @@
 </p:sld>
 </file>
 
-<file path=ppt/slides/slide35.xml><?xml version="1.0" encoding="utf-8"?>
+<file path=ppt/slides/slide36.xml><?xml version="1.0" encoding="utf-8"?>
 <p:sld xmlns:a="http://schemas.openxmlformats.org/drawingml/2006/main" xmlns:r="http://schemas.openxmlformats.org/officeDocument/2006/relationships" xmlns:p="http://schemas.openxmlformats.org/presentationml/2006/main">
   <p:cSld>
     <p:bg>
@@ -33695,7 +35457,7 @@
 </p:sld>
 </file>
 
-<file path=ppt/slides/slide36.xml><?xml version="1.0" encoding="utf-8"?>
+<file path=ppt/slides/slide37.xml><?xml version="1.0" encoding="utf-8"?>
 <p:sld xmlns:a="http://schemas.openxmlformats.org/drawingml/2006/main" xmlns:r="http://schemas.openxmlformats.org/officeDocument/2006/relationships" xmlns:p="http://schemas.openxmlformats.org/presentationml/2006/main">
   <p:cSld>
     <p:bg>
@@ -33945,7 +35707,7 @@
 </p:sld>
 </file>
 
-<file path=ppt/slides/slide37.xml><?xml version="1.0" encoding="utf-8"?>
+<file path=ppt/slides/slide38.xml><?xml version="1.0" encoding="utf-8"?>
 <p:sld xmlns:a="http://schemas.openxmlformats.org/drawingml/2006/main" xmlns:r="http://schemas.openxmlformats.org/officeDocument/2006/relationships" xmlns:p="http://schemas.openxmlformats.org/presentationml/2006/main" show="0">
   <p:cSld>
     <p:bg>
@@ -34195,7 +35957,7 @@
 </p:sld>
 </file>
 
-<file path=ppt/slides/slide38.xml><?xml version="1.0" encoding="utf-8"?>
+<file path=ppt/slides/slide39.xml><?xml version="1.0" encoding="utf-8"?>
 <p:sld xmlns:a="http://schemas.openxmlformats.org/drawingml/2006/main" xmlns:r="http://schemas.openxmlformats.org/officeDocument/2006/relationships" xmlns:p="http://schemas.openxmlformats.org/presentationml/2006/main" show="0">
   <p:cSld>
     <p:spTree>
@@ -34348,206 +36110,6 @@
     <p:extLst>
       <p:ext uri="{BB962C8B-B14F-4D97-AF65-F5344CB8AC3E}">
         <p14:creationId xmlns:p14="http://schemas.microsoft.com/office/powerpoint/2010/main" val="3800919461"/>
-      </p:ext>
-    </p:extLst>
-  </p:cSld>
-  <p:clrMapOvr>
-    <a:masterClrMapping/>
-  </p:clrMapOvr>
-</p:sld>
-</file>
-
-<file path=ppt/slides/slide39.xml><?xml version="1.0" encoding="utf-8"?>
-<p:sld xmlns:a="http://schemas.openxmlformats.org/drawingml/2006/main" xmlns:r="http://schemas.openxmlformats.org/officeDocument/2006/relationships" xmlns:p="http://schemas.openxmlformats.org/presentationml/2006/main" show="0">
-  <p:cSld>
-    <p:spTree>
-      <p:nvGrpSpPr>
-        <p:cNvPr id="1" name=""/>
-        <p:cNvGrpSpPr/>
-        <p:nvPr/>
-      </p:nvGrpSpPr>
-      <p:grpSpPr>
-        <a:xfrm>
-          <a:off x="0" y="0"/>
-          <a:ext cx="0" cy="0"/>
-          <a:chOff x="0" y="0"/>
-          <a:chExt cx="0" cy="0"/>
-        </a:xfrm>
-      </p:grpSpPr>
-      <p:pic>
-        <p:nvPicPr>
-          <p:cNvPr id="16" name="Content Placeholder 15">
-            <a:extLst>
-              <a:ext uri="{FF2B5EF4-FFF2-40B4-BE49-F238E27FC236}">
-                <a16:creationId xmlns:a16="http://schemas.microsoft.com/office/drawing/2014/main" id="{9770E254-8A18-0847-8D17-2AD2222A61E9}"/>
-              </a:ext>
-            </a:extLst>
-          </p:cNvPr>
-          <p:cNvPicPr>
-            <a:picLocks noGrp="1" noChangeAspect="1"/>
-          </p:cNvPicPr>
-          <p:nvPr>
-            <p:ph idx="1"/>
-          </p:nvPr>
-        </p:nvPicPr>
-        <p:blipFill>
-          <a:blip r:embed="rId2"/>
-          <a:srcRect/>
-          <a:stretch/>
-        </p:blipFill>
-        <p:spPr>
-          <a:xfrm>
-            <a:off x="3757613" y="2035930"/>
-            <a:ext cx="5237182" cy="3930726"/>
-          </a:xfrm>
-        </p:spPr>
-      </p:pic>
-      <p:sp>
-        <p:nvSpPr>
-          <p:cNvPr id="2" name="Title 1">
-            <a:extLst>
-              <a:ext uri="{FF2B5EF4-FFF2-40B4-BE49-F238E27FC236}">
-                <a16:creationId xmlns:a16="http://schemas.microsoft.com/office/drawing/2014/main" id="{010B0EF1-1183-1F45-8E15-96E43B1A0326}"/>
-              </a:ext>
-            </a:extLst>
-          </p:cNvPr>
-          <p:cNvSpPr>
-            <a:spLocks noGrp="1"/>
-          </p:cNvSpPr>
-          <p:nvPr>
-            <p:ph type="title"/>
-          </p:nvPr>
-        </p:nvSpPr>
-        <p:spPr/>
-        <p:txBody>
-          <a:bodyPr/>
-          <a:lstStyle/>
-          <a:p>
-            <a:r>
-              <a:rPr lang="en-US" dirty="0"/>
-              <a:t>VBL Optimization</a:t>
-            </a:r>
-          </a:p>
-        </p:txBody>
-      </p:sp>
-      <p:cxnSp>
-        <p:nvCxnSpPr>
-          <p:cNvPr id="11" name="Straight Arrow Connector 10">
-            <a:extLst>
-              <a:ext uri="{FF2B5EF4-FFF2-40B4-BE49-F238E27FC236}">
-                <a16:creationId xmlns:a16="http://schemas.microsoft.com/office/drawing/2014/main" id="{50FF218F-F2D1-5C4A-BAC3-A55C1074DEAF}"/>
-              </a:ext>
-            </a:extLst>
-          </p:cNvPr>
-          <p:cNvCxnSpPr>
-            <a:cxnSpLocks/>
-            <a:stCxn id="12" idx="2"/>
-          </p:cNvCxnSpPr>
-          <p:nvPr/>
-        </p:nvCxnSpPr>
-        <p:spPr>
-          <a:xfrm flipH="1">
-            <a:off x="5413972" y="3492894"/>
-            <a:ext cx="373579" cy="1676635"/>
-          </a:xfrm>
-          <a:prstGeom prst="straightConnector1">
-            <a:avLst/>
-          </a:prstGeom>
-          <a:ln w="57150">
-            <a:solidFill>
-              <a:srgbClr val="FF0000"/>
-            </a:solidFill>
-            <a:tailEnd type="triangle"/>
-          </a:ln>
-        </p:spPr>
-        <p:style>
-          <a:lnRef idx="1">
-            <a:schemeClr val="accent1"/>
-          </a:lnRef>
-          <a:fillRef idx="0">
-            <a:schemeClr val="accent1"/>
-          </a:fillRef>
-          <a:effectRef idx="0">
-            <a:schemeClr val="accent1"/>
-          </a:effectRef>
-          <a:fontRef idx="minor">
-            <a:schemeClr val="tx1"/>
-          </a:fontRef>
-        </p:style>
-      </p:cxnSp>
-      <p:sp>
-        <p:nvSpPr>
-          <p:cNvPr id="12" name="TextBox 11">
-            <a:extLst>
-              <a:ext uri="{FF2B5EF4-FFF2-40B4-BE49-F238E27FC236}">
-                <a16:creationId xmlns:a16="http://schemas.microsoft.com/office/drawing/2014/main" id="{1E56ED6F-BA81-8246-B88C-60D460FDC251}"/>
-              </a:ext>
-            </a:extLst>
-          </p:cNvPr>
-          <p:cNvSpPr txBox="1"/>
-          <p:nvPr/>
-        </p:nvSpPr>
-        <p:spPr>
-          <a:xfrm>
-            <a:off x="4893644" y="2846563"/>
-            <a:ext cx="1787813" cy="646331"/>
-          </a:xfrm>
-          <a:prstGeom prst="rect">
-            <a:avLst/>
-          </a:prstGeom>
-          <a:solidFill>
-            <a:srgbClr val="FFFFFF">
-              <a:alpha val="70588"/>
-            </a:srgbClr>
-          </a:solidFill>
-        </p:spPr>
-        <p:txBody>
-          <a:bodyPr wrap="square" rtlCol="0">
-            <a:spAutoFit/>
-          </a:bodyPr>
-          <a:lstStyle/>
-          <a:p>
-            <a:r>
-              <a:rPr lang="en-US" sz="1200" b="1" dirty="0">
-                <a:solidFill>
-                  <a:srgbClr val="FF0000"/>
-                </a:solidFill>
-                <a:latin typeface="Times New Roman" panose="02020603050405020304" pitchFamily="18" charset="0"/>
-                <a:cs typeface="Times New Roman" panose="02020603050405020304" pitchFamily="18" charset="0"/>
-              </a:rPr>
-              <a:t>Optimal Parameter Set</a:t>
-            </a:r>
-          </a:p>
-          <a:p>
-            <a:r>
-              <a:rPr lang="en-US" sz="1200" dirty="0">
-                <a:solidFill>
-                  <a:srgbClr val="FF0000"/>
-                </a:solidFill>
-                <a:latin typeface="Times New Roman" panose="02020603050405020304" pitchFamily="18" charset="0"/>
-                <a:cs typeface="Times New Roman" panose="02020603050405020304" pitchFamily="18" charset="0"/>
-              </a:rPr>
-              <a:t>Step Size: 0.1V</a:t>
-            </a:r>
-          </a:p>
-          <a:p>
-            <a:r>
-              <a:rPr lang="en-US" sz="1200" dirty="0">
-                <a:solidFill>
-                  <a:srgbClr val="FF0000"/>
-                </a:solidFill>
-                <a:latin typeface="Times New Roman" panose="02020603050405020304" pitchFamily="18" charset="0"/>
-                <a:cs typeface="Times New Roman" panose="02020603050405020304" pitchFamily="18" charset="0"/>
-              </a:rPr>
-              <a:t>Start Voltage: 0V</a:t>
-            </a:r>
-          </a:p>
-        </p:txBody>
-      </p:sp>
-    </p:spTree>
-    <p:extLst>
-      <p:ext uri="{BB962C8B-B14F-4D97-AF65-F5344CB8AC3E}">
-        <p14:creationId xmlns:p14="http://schemas.microsoft.com/office/powerpoint/2010/main" val="734798000"/>
       </p:ext>
     </p:extLst>
   </p:cSld>
@@ -34820,6 +36382,206 @@
           <a:chExt cx="0" cy="0"/>
         </a:xfrm>
       </p:grpSpPr>
+      <p:pic>
+        <p:nvPicPr>
+          <p:cNvPr id="16" name="Content Placeholder 15">
+            <a:extLst>
+              <a:ext uri="{FF2B5EF4-FFF2-40B4-BE49-F238E27FC236}">
+                <a16:creationId xmlns:a16="http://schemas.microsoft.com/office/drawing/2014/main" id="{9770E254-8A18-0847-8D17-2AD2222A61E9}"/>
+              </a:ext>
+            </a:extLst>
+          </p:cNvPr>
+          <p:cNvPicPr>
+            <a:picLocks noGrp="1" noChangeAspect="1"/>
+          </p:cNvPicPr>
+          <p:nvPr>
+            <p:ph idx="1"/>
+          </p:nvPr>
+        </p:nvPicPr>
+        <p:blipFill>
+          <a:blip r:embed="rId2"/>
+          <a:srcRect/>
+          <a:stretch/>
+        </p:blipFill>
+        <p:spPr>
+          <a:xfrm>
+            <a:off x="3757613" y="2035930"/>
+            <a:ext cx="5237182" cy="3930726"/>
+          </a:xfrm>
+        </p:spPr>
+      </p:pic>
+      <p:sp>
+        <p:nvSpPr>
+          <p:cNvPr id="2" name="Title 1">
+            <a:extLst>
+              <a:ext uri="{FF2B5EF4-FFF2-40B4-BE49-F238E27FC236}">
+                <a16:creationId xmlns:a16="http://schemas.microsoft.com/office/drawing/2014/main" id="{010B0EF1-1183-1F45-8E15-96E43B1A0326}"/>
+              </a:ext>
+            </a:extLst>
+          </p:cNvPr>
+          <p:cNvSpPr>
+            <a:spLocks noGrp="1"/>
+          </p:cNvSpPr>
+          <p:nvPr>
+            <p:ph type="title"/>
+          </p:nvPr>
+        </p:nvSpPr>
+        <p:spPr/>
+        <p:txBody>
+          <a:bodyPr/>
+          <a:lstStyle/>
+          <a:p>
+            <a:r>
+              <a:rPr lang="en-US" dirty="0"/>
+              <a:t>VBL Optimization</a:t>
+            </a:r>
+          </a:p>
+        </p:txBody>
+      </p:sp>
+      <p:cxnSp>
+        <p:nvCxnSpPr>
+          <p:cNvPr id="11" name="Straight Arrow Connector 10">
+            <a:extLst>
+              <a:ext uri="{FF2B5EF4-FFF2-40B4-BE49-F238E27FC236}">
+                <a16:creationId xmlns:a16="http://schemas.microsoft.com/office/drawing/2014/main" id="{50FF218F-F2D1-5C4A-BAC3-A55C1074DEAF}"/>
+              </a:ext>
+            </a:extLst>
+          </p:cNvPr>
+          <p:cNvCxnSpPr>
+            <a:cxnSpLocks/>
+            <a:stCxn id="12" idx="2"/>
+          </p:cNvCxnSpPr>
+          <p:nvPr/>
+        </p:nvCxnSpPr>
+        <p:spPr>
+          <a:xfrm flipH="1">
+            <a:off x="5413972" y="3492894"/>
+            <a:ext cx="373579" cy="1676635"/>
+          </a:xfrm>
+          <a:prstGeom prst="straightConnector1">
+            <a:avLst/>
+          </a:prstGeom>
+          <a:ln w="57150">
+            <a:solidFill>
+              <a:srgbClr val="FF0000"/>
+            </a:solidFill>
+            <a:tailEnd type="triangle"/>
+          </a:ln>
+        </p:spPr>
+        <p:style>
+          <a:lnRef idx="1">
+            <a:schemeClr val="accent1"/>
+          </a:lnRef>
+          <a:fillRef idx="0">
+            <a:schemeClr val="accent1"/>
+          </a:fillRef>
+          <a:effectRef idx="0">
+            <a:schemeClr val="accent1"/>
+          </a:effectRef>
+          <a:fontRef idx="minor">
+            <a:schemeClr val="tx1"/>
+          </a:fontRef>
+        </p:style>
+      </p:cxnSp>
+      <p:sp>
+        <p:nvSpPr>
+          <p:cNvPr id="12" name="TextBox 11">
+            <a:extLst>
+              <a:ext uri="{FF2B5EF4-FFF2-40B4-BE49-F238E27FC236}">
+                <a16:creationId xmlns:a16="http://schemas.microsoft.com/office/drawing/2014/main" id="{1E56ED6F-BA81-8246-B88C-60D460FDC251}"/>
+              </a:ext>
+            </a:extLst>
+          </p:cNvPr>
+          <p:cNvSpPr txBox="1"/>
+          <p:nvPr/>
+        </p:nvSpPr>
+        <p:spPr>
+          <a:xfrm>
+            <a:off x="4893644" y="2846563"/>
+            <a:ext cx="1787813" cy="646331"/>
+          </a:xfrm>
+          <a:prstGeom prst="rect">
+            <a:avLst/>
+          </a:prstGeom>
+          <a:solidFill>
+            <a:srgbClr val="FFFFFF">
+              <a:alpha val="70588"/>
+            </a:srgbClr>
+          </a:solidFill>
+        </p:spPr>
+        <p:txBody>
+          <a:bodyPr wrap="square" rtlCol="0">
+            <a:spAutoFit/>
+          </a:bodyPr>
+          <a:lstStyle/>
+          <a:p>
+            <a:r>
+              <a:rPr lang="en-US" sz="1200" b="1" dirty="0">
+                <a:solidFill>
+                  <a:srgbClr val="FF0000"/>
+                </a:solidFill>
+                <a:latin typeface="Times New Roman" panose="02020603050405020304" pitchFamily="18" charset="0"/>
+                <a:cs typeface="Times New Roman" panose="02020603050405020304" pitchFamily="18" charset="0"/>
+              </a:rPr>
+              <a:t>Optimal Parameter Set</a:t>
+            </a:r>
+          </a:p>
+          <a:p>
+            <a:r>
+              <a:rPr lang="en-US" sz="1200" dirty="0">
+                <a:solidFill>
+                  <a:srgbClr val="FF0000"/>
+                </a:solidFill>
+                <a:latin typeface="Times New Roman" panose="02020603050405020304" pitchFamily="18" charset="0"/>
+                <a:cs typeface="Times New Roman" panose="02020603050405020304" pitchFamily="18" charset="0"/>
+              </a:rPr>
+              <a:t>Step Size: 0.1V</a:t>
+            </a:r>
+          </a:p>
+          <a:p>
+            <a:r>
+              <a:rPr lang="en-US" sz="1200" dirty="0">
+                <a:solidFill>
+                  <a:srgbClr val="FF0000"/>
+                </a:solidFill>
+                <a:latin typeface="Times New Roman" panose="02020603050405020304" pitchFamily="18" charset="0"/>
+                <a:cs typeface="Times New Roman" panose="02020603050405020304" pitchFamily="18" charset="0"/>
+              </a:rPr>
+              <a:t>Start Voltage: 0V</a:t>
+            </a:r>
+          </a:p>
+        </p:txBody>
+      </p:sp>
+    </p:spTree>
+    <p:extLst>
+      <p:ext uri="{BB962C8B-B14F-4D97-AF65-F5344CB8AC3E}">
+        <p14:creationId xmlns:p14="http://schemas.microsoft.com/office/powerpoint/2010/main" val="734798000"/>
+      </p:ext>
+    </p:extLst>
+  </p:cSld>
+  <p:clrMapOvr>
+    <a:masterClrMapping/>
+  </p:clrMapOvr>
+</p:sld>
+</file>
+
+<file path=ppt/slides/slide41.xml><?xml version="1.0" encoding="utf-8"?>
+<p:sld xmlns:a="http://schemas.openxmlformats.org/drawingml/2006/main" xmlns:r="http://schemas.openxmlformats.org/officeDocument/2006/relationships" xmlns:p="http://schemas.openxmlformats.org/presentationml/2006/main" show="0">
+  <p:cSld>
+    <p:spTree>
+      <p:nvGrpSpPr>
+        <p:cNvPr id="1" name=""/>
+        <p:cNvGrpSpPr/>
+        <p:nvPr/>
+      </p:nvGrpSpPr>
+      <p:grpSpPr>
+        <a:xfrm>
+          <a:off x="0" y="0"/>
+          <a:ext cx="0" cy="0"/>
+          <a:chOff x="0" y="0"/>
+          <a:chExt cx="0" cy="0"/>
+        </a:xfrm>
+      </p:grpSpPr>
       <p:sp>
         <p:nvSpPr>
           <p:cNvPr id="2" name="Title 1">
@@ -34890,7 +36652,7 @@
 </p:sld>
 </file>
 
-<file path=ppt/slides/slide41.xml><?xml version="1.0" encoding="utf-8"?>
+<file path=ppt/slides/slide42.xml><?xml version="1.0" encoding="utf-8"?>
 <p:sld xmlns:a="http://schemas.openxmlformats.org/drawingml/2006/main" xmlns:r="http://schemas.openxmlformats.org/officeDocument/2006/relationships" xmlns:p="http://schemas.openxmlformats.org/presentationml/2006/main" show="0">
   <p:cSld>
     <p:spTree>
@@ -35090,7 +36852,7 @@
 </p:sld>
 </file>
 
-<file path=ppt/slides/slide42.xml><?xml version="1.0" encoding="utf-8"?>
+<file path=ppt/slides/slide43.xml><?xml version="1.0" encoding="utf-8"?>
 <p:sld xmlns:a="http://schemas.openxmlformats.org/drawingml/2006/main" xmlns:r="http://schemas.openxmlformats.org/officeDocument/2006/relationships" xmlns:p="http://schemas.openxmlformats.org/presentationml/2006/main" show="0">
   <p:cSld>
     <p:spTree>
